--- a/materials/slides/ch05.pptx
+++ b/materials/slides/ch05.pptx
@@ -664,7 +664,7 @@
               <a:pPr>
                 <a:defRPr/>
               </a:pPr>
-              <a:t>2018/11/29</a:t>
+              <a:t>2019/8/26</a:t>
             </a:fld>
             <a:endParaRPr lang="en-US" altLang="zh-CN"/>
           </a:p>
@@ -1339,18 +1339,17 @@
           <a:lstStyle/>
           <a:p>
             <a:r>
-              <a:rPr lang="zh-CN" altLang="en-US" smtClean="0"/>
+              <a:rPr lang="zh-CN" altLang="en-US"/>
               <a:t>多道程序设计技术是在计算机内存中同时存放几道相互独立的程序，使它们在管理程序控制下，相互穿插运行，两个或两个以上程序在计算机系统中同处于开始到结束之间的状态</a:t>
             </a:r>
             <a:r>
-              <a:rPr lang="en-US" altLang="zh-CN" smtClean="0"/>
+              <a:rPr lang="en-US" altLang="zh-CN"/>
               <a:t>, </a:t>
             </a:r>
             <a:r>
-              <a:rPr lang="zh-CN" altLang="en-US" smtClean="0"/>
+              <a:rPr lang="zh-CN" altLang="en-US"/>
               <a:t>这些程序共享计算机系统资源。与之相对应的是单道程序，即在计算机内存中只允许一个的程序运行。</a:t>
             </a:r>
-            <a:endParaRPr lang="zh-CN" altLang="en-US"/>
           </a:p>
         </p:txBody>
       </p:sp>
@@ -1745,13 +1744,6 @@
   <p:transition>
     <p:fade/>
   </p:transition>
-  <p:timing>
-    <p:tnLst>
-      <p:par>
-        <p:cTn id="1" dur="indefinite" restart="never" nodeType="tmRoot"/>
-      </p:par>
-    </p:tnLst>
-  </p:timing>
 </p:sldLayout>
 </file>
 
@@ -2037,13 +2029,6 @@
   <p:transition>
     <p:fade/>
   </p:transition>
-  <p:timing>
-    <p:tnLst>
-      <p:par>
-        <p:cTn id="1" dur="indefinite" restart="never" nodeType="tmRoot"/>
-      </p:par>
-    </p:tnLst>
-  </p:timing>
 </p:sldLayout>
 </file>
 
@@ -3334,7 +3319,7 @@
           <a:p>
             <a:pPr lvl="0"/>
             <a:r>
-              <a:rPr lang="zh-CN" altLang="en-US" smtClean="0"/>
+              <a:rPr lang="zh-CN" altLang="en-US"/>
               <a:t>单击此处编辑母版标题样式</a:t>
             </a:r>
           </a:p>
@@ -3392,35 +3377,35 @@
           <a:p>
             <a:pPr lvl="0"/>
             <a:r>
-              <a:rPr lang="zh-CN" altLang="en-US" smtClean="0"/>
+              <a:rPr lang="zh-CN" altLang="en-US"/>
               <a:t>单击此处编辑母版文本样式</a:t>
             </a:r>
           </a:p>
           <a:p>
             <a:pPr lvl="1"/>
             <a:r>
-              <a:rPr lang="zh-CN" altLang="en-US" smtClean="0"/>
+              <a:rPr lang="zh-CN" altLang="en-US"/>
               <a:t>第二级</a:t>
             </a:r>
           </a:p>
           <a:p>
             <a:pPr lvl="2"/>
             <a:r>
-              <a:rPr lang="zh-CN" altLang="en-US" smtClean="0"/>
+              <a:rPr lang="zh-CN" altLang="en-US"/>
               <a:t>第三级</a:t>
             </a:r>
           </a:p>
           <a:p>
             <a:pPr lvl="3"/>
             <a:r>
-              <a:rPr lang="zh-CN" altLang="en-US" smtClean="0"/>
+              <a:rPr lang="zh-CN" altLang="en-US"/>
               <a:t>第四级</a:t>
             </a:r>
           </a:p>
           <a:p>
             <a:pPr lvl="4"/>
             <a:r>
-              <a:rPr lang="zh-CN" altLang="en-US" smtClean="0"/>
+              <a:rPr lang="zh-CN" altLang="en-US"/>
               <a:t>第五级</a:t>
             </a:r>
           </a:p>
@@ -3447,13 +3432,6 @@
   <p:transition>
     <p:fade/>
   </p:transition>
-  <p:timing>
-    <p:tnLst>
-      <p:par>
-        <p:cTn id="1" dur="indefinite" restart="never" nodeType="tmRoot"/>
-      </p:par>
-    </p:tnLst>
-  </p:timing>
   <p:txStyles>
     <p:titleStyle>
       <a:lvl1pPr algn="r" rtl="0" eaLnBrk="0" fontAlgn="base" hangingPunct="0">
@@ -4239,7 +4217,7 @@
               <a:buNone/>
             </a:pPr>
             <a:r>
-              <a:rPr lang="zh-CN" altLang="en-US" sz="4800" smtClean="0">
+              <a:rPr lang="zh-CN" altLang="en-US" sz="4800">
                 <a:solidFill>
                   <a:schemeClr val="bg1"/>
                 </a:solidFill>
@@ -4253,24 +4231,7 @@
                 <a:latin typeface="微软雅黑" panose="020B0503020204020204" pitchFamily="34" charset="-122"/>
                 <a:ea typeface="微软雅黑" panose="020B0503020204020204" pitchFamily="34" charset="-122"/>
               </a:rPr>
-              <a:t>第五章 </a:t>
-            </a:r>
-            <a:r>
-              <a:rPr lang="zh-CN" altLang="en-US" sz="4800">
-                <a:solidFill>
-                  <a:schemeClr val="bg1"/>
-                </a:solidFill>
-                <a:effectLst>
-                  <a:outerShdw blurRad="38100" dist="38100" dir="2700000" algn="tl">
-                    <a:srgbClr val="000000">
-                      <a:alpha val="43137"/>
-                    </a:srgbClr>
-                  </a:outerShdw>
-                </a:effectLst>
-                <a:latin typeface="微软雅黑" panose="020B0503020204020204" pitchFamily="34" charset="-122"/>
-                <a:ea typeface="微软雅黑" panose="020B0503020204020204" pitchFamily="34" charset="-122"/>
-              </a:rPr>
-              <a:t>操作系统简介</a:t>
+              <a:t>第五章 操作系统简介</a:t>
             </a:r>
           </a:p>
         </p:txBody>
@@ -4292,13 +4253,6 @@
       </p:transition>
     </mc:Fallback>
   </mc:AlternateContent>
-  <p:timing>
-    <p:tnLst>
-      <p:par>
-        <p:cTn id="1" dur="indefinite" restart="never" nodeType="tmRoot"/>
-      </p:par>
-    </p:tnLst>
-  </p:timing>
 </p:sld>
 </file>
 
@@ -4429,31 +4383,8 @@
                 <a:latin typeface="微软雅黑" panose="020B0503020204020204" pitchFamily="34" charset="-122"/>
                 <a:ea typeface="微软雅黑" panose="020B0503020204020204" pitchFamily="34" charset="-122"/>
               </a:rPr>
-              <a:t>时间划分成一些小的时间片，按时间片轮流把处理机分给各联机作业使用</a:t>
-            </a:r>
-            <a:r>
-              <a:rPr lang="zh-CN" altLang="en-US" sz="3200" smtClean="0">
-                <a:solidFill>
-                  <a:schemeClr val="tx1">
-                    <a:lumMod val="75000"/>
-                    <a:lumOff val="25000"/>
-                  </a:schemeClr>
-                </a:solidFill>
-                <a:latin typeface="微软雅黑" panose="020B0503020204020204" pitchFamily="34" charset="-122"/>
-                <a:ea typeface="微软雅黑" panose="020B0503020204020204" pitchFamily="34" charset="-122"/>
-              </a:rPr>
-              <a:t>。</a:t>
-            </a:r>
-            <a:endParaRPr lang="zh-CN" altLang="en-US" sz="3200">
-              <a:solidFill>
-                <a:schemeClr val="tx1">
-                  <a:lumMod val="75000"/>
-                  <a:lumOff val="25000"/>
-                </a:schemeClr>
-              </a:solidFill>
-              <a:latin typeface="微软雅黑" panose="020B0503020204020204" pitchFamily="34" charset="-122"/>
-              <a:ea typeface="微软雅黑" panose="020B0503020204020204" pitchFamily="34" charset="-122"/>
-            </a:endParaRPr>
+              <a:t>时间划分成一些小的时间片，按时间片轮流把处理机分给各联机作业使用。</a:t>
+            </a:r>
           </a:p>
         </p:txBody>
       </p:sp>
@@ -6373,7 +6304,7 @@
             <a:lstStyle/>
             <a:p>
               <a:r>
-                <a:rPr lang="zh-CN" altLang="en-US" sz="2800" b="1" smtClean="0">
+                <a:rPr lang="zh-CN" altLang="en-US" sz="2800" b="1">
                   <a:solidFill>
                     <a:srgbClr val="0066FF"/>
                   </a:solidFill>
@@ -6382,13 +6313,6 @@
                 </a:rPr>
                 <a:t>终端</a:t>
               </a:r>
-              <a:endParaRPr lang="zh-CN" altLang="en-US" sz="2800" b="1">
-                <a:solidFill>
-                  <a:srgbClr val="0066FF"/>
-                </a:solidFill>
-                <a:latin typeface="微软雅黑" panose="020B0503020204020204" pitchFamily="34" charset="-122"/>
-                <a:ea typeface="微软雅黑" panose="020B0503020204020204" pitchFamily="34" charset="-122"/>
-              </a:endParaRPr>
             </a:p>
           </p:txBody>
         </p:sp>
@@ -6415,7 +6339,7 @@
             <a:lstStyle/>
             <a:p>
               <a:r>
-                <a:rPr lang="zh-CN" altLang="en-US" sz="2800" b="1" smtClean="0">
+                <a:rPr lang="zh-CN" altLang="en-US" sz="2800" b="1">
                   <a:solidFill>
                     <a:srgbClr val="0066FF"/>
                   </a:solidFill>
@@ -6424,13 +6348,6 @@
                 </a:rPr>
                 <a:t>主机</a:t>
               </a:r>
-              <a:endParaRPr lang="zh-CN" altLang="en-US" sz="2800" b="1">
-                <a:solidFill>
-                  <a:srgbClr val="0066FF"/>
-                </a:solidFill>
-                <a:latin typeface="微软雅黑" panose="020B0503020204020204" pitchFamily="34" charset="-122"/>
-                <a:ea typeface="微软雅黑" panose="020B0503020204020204" pitchFamily="34" charset="-122"/>
-              </a:endParaRPr>
             </a:p>
           </p:txBody>
         </p:sp>
@@ -6457,13 +6374,6 @@
       </p:transition>
     </mc:Fallback>
   </mc:AlternateContent>
-  <p:timing>
-    <p:tnLst>
-      <p:par>
-        <p:cTn id="1" dur="indefinite" restart="never" nodeType="tmRoot"/>
-      </p:par>
-    </p:tnLst>
-  </p:timing>
 </p:sld>
 </file>
 
@@ -6628,31 +6538,8 @@
                 <a:latin typeface="微软雅黑" panose="020B0503020204020204" pitchFamily="34" charset="-122"/>
                 <a:ea typeface="微软雅黑" panose="020B0503020204020204" pitchFamily="34" charset="-122"/>
               </a:rPr>
-              <a:t>及时性：用户在短时间内可得到系统的及时回答</a:t>
-            </a:r>
-            <a:r>
-              <a:rPr lang="zh-CN" altLang="en-US" sz="3200" smtClean="0">
-                <a:solidFill>
-                  <a:schemeClr val="tx1">
-                    <a:lumMod val="75000"/>
-                    <a:lumOff val="25000"/>
-                  </a:schemeClr>
-                </a:solidFill>
-                <a:latin typeface="微软雅黑" panose="020B0503020204020204" pitchFamily="34" charset="-122"/>
-                <a:ea typeface="微软雅黑" panose="020B0503020204020204" pitchFamily="34" charset="-122"/>
-              </a:rPr>
-              <a:t>。</a:t>
-            </a:r>
-            <a:endParaRPr lang="zh-CN" altLang="en-US" sz="3200">
-              <a:solidFill>
-                <a:schemeClr val="tx1">
-                  <a:lumMod val="75000"/>
-                  <a:lumOff val="25000"/>
-                </a:schemeClr>
-              </a:solidFill>
-              <a:latin typeface="微软雅黑" panose="020B0503020204020204" pitchFamily="34" charset="-122"/>
-              <a:ea typeface="微软雅黑" panose="020B0503020204020204" pitchFamily="34" charset="-122"/>
-            </a:endParaRPr>
+              <a:t>及时性：用户在短时间内可得到系统的及时回答。</a:t>
+            </a:r>
           </a:p>
         </p:txBody>
       </p:sp>
@@ -6678,13 +6565,6 @@
       </p:transition>
     </mc:Fallback>
   </mc:AlternateContent>
-  <p:timing>
-    <p:tnLst>
-      <p:par>
-        <p:cTn id="1" dur="indefinite" restart="never" nodeType="tmRoot"/>
-      </p:par>
-    </p:tnLst>
-  </p:timing>
 </p:sld>
 </file>
 
@@ -6753,7 +6633,7 @@
               </a:lnSpc>
             </a:pPr>
             <a:r>
-              <a:rPr lang="zh-CN" altLang="en-US" sz="3200">
+              <a:rPr lang="zh-CN" altLang="en-US" sz="3200" dirty="0">
                 <a:solidFill>
                   <a:schemeClr val="tx1">
                     <a:lumMod val="75000"/>
@@ -6766,7 +6646,7 @@
               <a:t>实时操作系统</a:t>
             </a:r>
             <a:r>
-              <a:rPr lang="en-US" altLang="zh-CN" sz="3200">
+              <a:rPr lang="en-US" altLang="zh-CN" sz="3200" dirty="0">
                 <a:solidFill>
                   <a:schemeClr val="tx1">
                     <a:lumMod val="75000"/>
@@ -6779,7 +6659,7 @@
               <a:t>——</a:t>
             </a:r>
             <a:r>
-              <a:rPr lang="zh-CN" altLang="en-US" sz="3200">
+              <a:rPr lang="zh-CN" altLang="en-US" sz="3200" dirty="0">
                 <a:solidFill>
                   <a:schemeClr val="tx1">
                     <a:lumMod val="75000"/>
@@ -6792,7 +6672,7 @@
               <a:t>所谓</a:t>
             </a:r>
             <a:r>
-              <a:rPr lang="en-US" altLang="zh-CN" sz="3200">
+              <a:rPr lang="en-US" altLang="zh-CN" sz="3200" dirty="0">
                 <a:solidFill>
                   <a:schemeClr val="tx1">
                     <a:lumMod val="75000"/>
@@ -6805,7 +6685,7 @@
               <a:t>"</a:t>
             </a:r>
             <a:r>
-              <a:rPr lang="zh-CN" altLang="en-US" sz="3200">
+              <a:rPr lang="zh-CN" altLang="en-US" sz="3200" dirty="0">
                 <a:solidFill>
                   <a:schemeClr val="tx1">
                     <a:lumMod val="75000"/>
@@ -6818,7 +6698,7 @@
               <a:t>实时</a:t>
             </a:r>
             <a:r>
-              <a:rPr lang="en-US" altLang="zh-CN" sz="3200">
+              <a:rPr lang="en-US" altLang="zh-CN" sz="3200" dirty="0">
                 <a:solidFill>
                   <a:schemeClr val="tx1">
                     <a:lumMod val="75000"/>
@@ -6831,7 +6711,7 @@
               <a:t>",</a:t>
             </a:r>
             <a:r>
-              <a:rPr lang="zh-CN" altLang="en-US" sz="3200">
+              <a:rPr lang="zh-CN" altLang="en-US" sz="3200" dirty="0">
                 <a:solidFill>
                   <a:schemeClr val="tx1">
                     <a:lumMod val="75000"/>
@@ -6844,7 +6724,7 @@
               <a:t>即</a:t>
             </a:r>
             <a:r>
-              <a:rPr lang="en-US" altLang="zh-CN" sz="3200">
+              <a:rPr lang="en-US" altLang="zh-CN" sz="3200" dirty="0">
                 <a:solidFill>
                   <a:schemeClr val="tx1">
                     <a:lumMod val="75000"/>
@@ -6857,7 +6737,7 @@
               <a:t>"</a:t>
             </a:r>
             <a:r>
-              <a:rPr lang="zh-CN" altLang="en-US" sz="3200">
+              <a:rPr lang="zh-CN" altLang="en-US" sz="3200" dirty="0">
                 <a:solidFill>
                   <a:schemeClr val="tx1">
                     <a:lumMod val="75000"/>
@@ -6870,7 +6750,7 @@
               <a:t>及时</a:t>
             </a:r>
             <a:r>
-              <a:rPr lang="en-US" altLang="zh-CN" sz="3200">
+              <a:rPr lang="en-US" altLang="zh-CN" sz="3200" dirty="0">
                 <a:solidFill>
                   <a:schemeClr val="tx1">
                     <a:lumMod val="75000"/>
@@ -6883,7 +6763,7 @@
               <a:t>",</a:t>
             </a:r>
             <a:r>
-              <a:rPr lang="zh-CN" altLang="en-US" sz="3200">
+              <a:rPr lang="zh-CN" altLang="en-US" sz="3200" dirty="0">
                 <a:solidFill>
                   <a:schemeClr val="tx1">
                     <a:lumMod val="75000"/>
@@ -6896,7 +6776,7 @@
               <a:t>是指系统能及时</a:t>
             </a:r>
             <a:r>
-              <a:rPr lang="en-US" altLang="zh-CN" sz="3200">
+              <a:rPr lang="en-US" altLang="zh-CN" sz="3200" dirty="0">
                 <a:solidFill>
                   <a:schemeClr val="tx1">
                     <a:lumMod val="75000"/>
@@ -6909,7 +6789,7 @@
               <a:t>(</a:t>
             </a:r>
             <a:r>
-              <a:rPr lang="zh-CN" altLang="en-US" sz="3200">
+              <a:rPr lang="zh-CN" altLang="en-US" sz="3200" dirty="0">
                 <a:solidFill>
                   <a:schemeClr val="tx1">
                     <a:lumMod val="75000"/>
@@ -6922,7 +6802,7 @@
               <a:t>或即时</a:t>
             </a:r>
             <a:r>
-              <a:rPr lang="en-US" altLang="zh-CN" sz="3200">
+              <a:rPr lang="en-US" altLang="zh-CN" sz="3200" dirty="0">
                 <a:solidFill>
                   <a:schemeClr val="tx1">
                     <a:lumMod val="75000"/>
@@ -6935,7 +6815,7 @@
               <a:t>)</a:t>
             </a:r>
             <a:r>
-              <a:rPr lang="zh-CN" altLang="en-US" sz="3200">
+              <a:rPr lang="zh-CN" altLang="en-US" sz="3200" dirty="0">
                 <a:solidFill>
                   <a:schemeClr val="tx1">
                     <a:lumMod val="75000"/>
@@ -6945,10 +6825,10 @@
                 <a:latin typeface="微软雅黑" panose="020B0503020204020204" pitchFamily="34" charset="-122"/>
                 <a:ea typeface="微软雅黑" panose="020B0503020204020204" pitchFamily="34" charset="-122"/>
               </a:rPr>
-              <a:t>响应外部 事件的请求</a:t>
-            </a:r>
-            <a:r>
-              <a:rPr lang="en-US" altLang="zh-CN" sz="3200">
+              <a:t>响应外部事件的请求</a:t>
+            </a:r>
+            <a:r>
+              <a:rPr lang="en-US" altLang="zh-CN" sz="3200" dirty="0">
                 <a:solidFill>
                   <a:schemeClr val="tx1">
                     <a:lumMod val="75000"/>
@@ -6961,7 +6841,7 @@
               <a:t>,</a:t>
             </a:r>
             <a:r>
-              <a:rPr lang="zh-CN" altLang="en-US" sz="3200">
+              <a:rPr lang="zh-CN" altLang="en-US" sz="3200" dirty="0">
                 <a:solidFill>
                   <a:schemeClr val="tx1">
                     <a:lumMod val="75000"/>
@@ -6981,7 +6861,7 @@
               </a:lnSpc>
             </a:pPr>
             <a:r>
-              <a:rPr lang="zh-CN" altLang="en-US" sz="3200">
+              <a:rPr lang="zh-CN" altLang="en-US" sz="3200" dirty="0">
                 <a:solidFill>
                   <a:schemeClr val="tx1">
                     <a:lumMod val="75000"/>
@@ -6991,31 +6871,8 @@
                 <a:latin typeface="微软雅黑" panose="020B0503020204020204" pitchFamily="34" charset="-122"/>
                 <a:ea typeface="微软雅黑" panose="020B0503020204020204" pitchFamily="34" charset="-122"/>
               </a:rPr>
-              <a:t>主要应用于工业控制、军事控制、电子设备等领域</a:t>
-            </a:r>
-            <a:r>
-              <a:rPr lang="zh-CN" altLang="en-US" sz="3200" smtClean="0">
-                <a:solidFill>
-                  <a:schemeClr val="tx1">
-                    <a:lumMod val="75000"/>
-                    <a:lumOff val="25000"/>
-                  </a:schemeClr>
-                </a:solidFill>
-                <a:latin typeface="微软雅黑" panose="020B0503020204020204" pitchFamily="34" charset="-122"/>
-                <a:ea typeface="微软雅黑" panose="020B0503020204020204" pitchFamily="34" charset="-122"/>
-              </a:rPr>
-              <a:t>。</a:t>
-            </a:r>
-            <a:endParaRPr lang="zh-CN" altLang="en-US" sz="3200">
-              <a:solidFill>
-                <a:schemeClr val="tx1">
-                  <a:lumMod val="75000"/>
-                  <a:lumOff val="25000"/>
-                </a:schemeClr>
-              </a:solidFill>
-              <a:latin typeface="微软雅黑" panose="020B0503020204020204" pitchFamily="34" charset="-122"/>
-              <a:ea typeface="微软雅黑" panose="020B0503020204020204" pitchFamily="34" charset="-122"/>
-            </a:endParaRPr>
+              <a:t>主要应用于工业控制、军事控制、电子设备等领域。</a:t>
+            </a:r>
           </a:p>
         </p:txBody>
       </p:sp>
@@ -7041,13 +6898,6 @@
       </p:transition>
     </mc:Fallback>
   </mc:AlternateContent>
-  <p:timing>
-    <p:tnLst>
-      <p:par>
-        <p:cTn id="1" dur="indefinite" restart="never" nodeType="tmRoot"/>
-      </p:par>
-    </p:tnLst>
-  </p:timing>
 </p:sld>
 </file>
 
@@ -7360,13 +7210,6 @@
       </p:transition>
     </mc:Fallback>
   </mc:AlternateContent>
-  <p:timing>
-    <p:tnLst>
-      <p:par>
-        <p:cTn id="1" dur="indefinite" restart="never" nodeType="tmRoot"/>
-      </p:par>
-    </p:tnLst>
-  </p:timing>
 </p:sld>
 </file>
 
@@ -7576,13 +7419,6 @@
   <p:transition>
     <p:fade/>
   </p:transition>
-  <p:timing>
-    <p:tnLst>
-      <p:par>
-        <p:cTn id="1" dur="indefinite" restart="never" nodeType="tmRoot"/>
-      </p:par>
-    </p:tnLst>
-  </p:timing>
 </p:sld>
 </file>
 
@@ -7747,19 +7583,9 @@
                 <a:latin typeface="微软雅黑" panose="020B0503020204020204" pitchFamily="34" charset="-122"/>
                 <a:ea typeface="微软雅黑" panose="020B0503020204020204" pitchFamily="34" charset="-122"/>
               </a:rPr>
-              <a:t>的</a:t>
-            </a:r>
-            <a:r>
-              <a:rPr lang="zh-CN" altLang="en-US" sz="4000" smtClean="0">
-                <a:solidFill>
-                  <a:srgbClr val="C00000"/>
-                </a:solidFill>
-                <a:latin typeface="微软雅黑" panose="020B0503020204020204" pitchFamily="34" charset="-122"/>
-                <a:ea typeface="微软雅黑" panose="020B0503020204020204" pitchFamily="34" charset="-122"/>
-              </a:rPr>
-              <a:t>管理</a:t>
-            </a:r>
-            <a:endParaRPr lang="en-US" altLang="zh-CN" sz="4000" smtClean="0">
+              <a:t>的管理</a:t>
+            </a:r>
+            <a:endParaRPr lang="en-US" altLang="zh-CN" sz="4000">
               <a:solidFill>
                 <a:srgbClr val="C00000"/>
               </a:solidFill>
@@ -7776,7 +7602,7 @@
               <a:buChar char="Ø"/>
             </a:pPr>
             <a:r>
-              <a:rPr lang="zh-CN" altLang="en-US" sz="4000" smtClean="0">
+              <a:rPr lang="zh-CN" altLang="en-US" sz="4000">
                 <a:solidFill>
                   <a:schemeClr val="tx1">
                     <a:lumMod val="75000"/>
@@ -7936,13 +7762,6 @@
       </p:transition>
     </mc:Fallback>
   </mc:AlternateContent>
-  <p:timing>
-    <p:tnLst>
-      <p:par>
-        <p:cTn id="1" dur="indefinite" restart="never" nodeType="tmRoot"/>
-      </p:par>
-    </p:tnLst>
-  </p:timing>
 </p:sld>
 </file>
 
@@ -8274,13 +8093,6 @@
       </p:transition>
     </mc:Fallback>
   </mc:AlternateContent>
-  <p:timing>
-    <p:tnLst>
-      <p:par>
-        <p:cTn id="1" dur="indefinite" restart="never" nodeType="tmRoot"/>
-      </p:par>
-    </p:tnLst>
-  </p:timing>
 </p:sld>
 </file>
 
@@ -8536,13 +8348,6 @@
       </p:transition>
     </mc:Fallback>
   </mc:AlternateContent>
-  <p:timing>
-    <p:tnLst>
-      <p:par>
-        <p:cTn id="1" dur="indefinite" restart="never" nodeType="tmRoot"/>
-      </p:par>
-    </p:tnLst>
-  </p:timing>
 </p:sld>
 </file>
 
@@ -8639,7 +8444,7 @@
               <a:buAutoNum type="arabicPeriod"/>
             </a:pPr>
             <a:r>
-              <a:rPr lang="zh-CN" altLang="en-US" sz="3200" smtClean="0">
+              <a:rPr lang="zh-CN" altLang="en-US" sz="3200">
                 <a:solidFill>
                   <a:schemeClr val="tx1">
                     <a:lumMod val="75000"/>
@@ -8649,20 +8454,7 @@
                 <a:latin typeface="微软雅黑" panose="020B0503020204020204" pitchFamily="34" charset="-122"/>
                 <a:ea typeface="微软雅黑" panose="020B0503020204020204" pitchFamily="34" charset="-122"/>
               </a:rPr>
-              <a:t>结构</a:t>
-            </a:r>
-            <a:r>
-              <a:rPr lang="zh-CN" altLang="en-US" sz="3200">
-                <a:solidFill>
-                  <a:schemeClr val="tx1">
-                    <a:lumMod val="75000"/>
-                    <a:lumOff val="25000"/>
-                  </a:schemeClr>
-                </a:solidFill>
-                <a:latin typeface="微软雅黑" panose="020B0503020204020204" pitchFamily="34" charset="-122"/>
-                <a:ea typeface="微软雅黑" panose="020B0503020204020204" pitchFamily="34" charset="-122"/>
-              </a:rPr>
-              <a:t>特征</a:t>
+              <a:t>结构特征</a:t>
             </a:r>
           </a:p>
           <a:p>
@@ -8673,24 +8465,14 @@
               <a:buNone/>
             </a:pPr>
             <a:r>
-              <a:rPr lang="zh-CN" altLang="en-US" sz="2800" smtClean="0">
+              <a:rPr lang="zh-CN" altLang="en-US" sz="2800">
                 <a:solidFill>
                   <a:srgbClr val="C00000"/>
                 </a:solidFill>
                 <a:latin typeface="微软雅黑" panose="020B0503020204020204" pitchFamily="34" charset="-122"/>
                 <a:ea typeface="微软雅黑" panose="020B0503020204020204" pitchFamily="34" charset="-122"/>
               </a:rPr>
-              <a:t>进程</a:t>
-            </a:r>
-            <a:r>
-              <a:rPr lang="zh-CN" altLang="en-US" sz="2800">
-                <a:solidFill>
-                  <a:srgbClr val="C00000"/>
-                </a:solidFill>
-                <a:latin typeface="微软雅黑" panose="020B0503020204020204" pitchFamily="34" charset="-122"/>
-                <a:ea typeface="微软雅黑" panose="020B0503020204020204" pitchFamily="34" charset="-122"/>
-              </a:rPr>
-              <a:t>控制块</a:t>
+              <a:t>进程控制块</a:t>
             </a:r>
             <a:r>
               <a:rPr lang="en-US" altLang="zh-CN" sz="2800">
@@ -8781,7 +8563,7 @@
               <a:buAutoNum type="arabicPeriod"/>
             </a:pPr>
             <a:r>
-              <a:rPr lang="zh-CN" altLang="en-US" sz="3200" smtClean="0">
+              <a:rPr lang="zh-CN" altLang="en-US" sz="3200">
                 <a:solidFill>
                   <a:schemeClr val="tx1">
                     <a:lumMod val="75000"/>
@@ -8831,24 +8613,14 @@
               <a:buNone/>
             </a:pPr>
             <a:r>
-              <a:rPr lang="zh-CN" altLang="en-US" sz="2800" smtClean="0">
+              <a:rPr lang="zh-CN" altLang="en-US" sz="2800">
                 <a:solidFill>
                   <a:srgbClr val="C00000"/>
                 </a:solidFill>
                 <a:latin typeface="微软雅黑" panose="020B0503020204020204" pitchFamily="34" charset="-122"/>
                 <a:ea typeface="微软雅黑" panose="020B0503020204020204" pitchFamily="34" charset="-122"/>
               </a:rPr>
-              <a:t>进程</a:t>
-            </a:r>
-            <a:r>
-              <a:rPr lang="zh-CN" altLang="en-US" sz="2800">
-                <a:solidFill>
-                  <a:srgbClr val="C00000"/>
-                </a:solidFill>
-                <a:latin typeface="微软雅黑" panose="020B0503020204020204" pitchFamily="34" charset="-122"/>
-                <a:ea typeface="微软雅黑" panose="020B0503020204020204" pitchFamily="34" charset="-122"/>
-              </a:rPr>
-              <a:t>：进程实体的一次执行过程，有生命周期。</a:t>
+              <a:t>进程：进程实体的一次执行过程，有生命周期。</a:t>
             </a:r>
           </a:p>
           <a:p>
@@ -8859,34 +8631,14 @@
               <a:buNone/>
             </a:pPr>
             <a:r>
-              <a:rPr lang="zh-CN" altLang="en-US" sz="2800" smtClean="0">
+              <a:rPr lang="zh-CN" altLang="en-US" sz="2800">
                 <a:solidFill>
                   <a:srgbClr val="C00000"/>
                 </a:solidFill>
                 <a:latin typeface="微软雅黑" panose="020B0503020204020204" pitchFamily="34" charset="-122"/>
                 <a:ea typeface="微软雅黑" panose="020B0503020204020204" pitchFamily="34" charset="-122"/>
               </a:rPr>
-              <a:t>程序</a:t>
-            </a:r>
-            <a:r>
-              <a:rPr lang="zh-CN" altLang="en-US" sz="2800">
-                <a:solidFill>
-                  <a:srgbClr val="C00000"/>
-                </a:solidFill>
-                <a:latin typeface="微软雅黑" panose="020B0503020204020204" pitchFamily="34" charset="-122"/>
-                <a:ea typeface="微软雅黑" panose="020B0503020204020204" pitchFamily="34" charset="-122"/>
-              </a:rPr>
-              <a:t>：程序是一组有序指令的集合，是静态的概念</a:t>
-            </a:r>
-            <a:r>
-              <a:rPr lang="zh-CN" altLang="en-US" sz="2800" smtClean="0">
-                <a:solidFill>
-                  <a:srgbClr val="C00000"/>
-                </a:solidFill>
-                <a:latin typeface="微软雅黑" panose="020B0503020204020204" pitchFamily="34" charset="-122"/>
-                <a:ea typeface="微软雅黑" panose="020B0503020204020204" pitchFamily="34" charset="-122"/>
-              </a:rPr>
-              <a:t>。</a:t>
+              <a:t>程序：程序是一组有序指令的集合，是静态的概念。</a:t>
             </a:r>
             <a:endParaRPr lang="en-US" altLang="zh-CN" sz="2800">
               <a:solidFill>
@@ -8905,7 +8657,7 @@
               <a:buAutoNum type="arabicPeriod"/>
             </a:pPr>
             <a:r>
-              <a:rPr lang="zh-CN" altLang="en-US" sz="3200" smtClean="0">
+              <a:rPr lang="zh-CN" altLang="en-US" sz="3200">
                 <a:solidFill>
                   <a:schemeClr val="tx1">
                     <a:lumMod val="75000"/>
@@ -8915,20 +8667,7 @@
                 <a:latin typeface="微软雅黑" panose="020B0503020204020204" pitchFamily="34" charset="-122"/>
                 <a:ea typeface="微软雅黑" panose="020B0503020204020204" pitchFamily="34" charset="-122"/>
               </a:rPr>
-              <a:t>并发</a:t>
-            </a:r>
-            <a:r>
-              <a:rPr lang="zh-CN" altLang="en-US" sz="3200">
-                <a:solidFill>
-                  <a:schemeClr val="tx1">
-                    <a:lumMod val="75000"/>
-                    <a:lumOff val="25000"/>
-                  </a:schemeClr>
-                </a:solidFill>
-                <a:latin typeface="微软雅黑" panose="020B0503020204020204" pitchFamily="34" charset="-122"/>
-                <a:ea typeface="微软雅黑" panose="020B0503020204020204" pitchFamily="34" charset="-122"/>
-              </a:rPr>
-              <a:t>性</a:t>
+              <a:t>并发性</a:t>
             </a:r>
           </a:p>
           <a:p>
@@ -8940,7 +8679,7 @@
               <a:buAutoNum type="arabicPeriod"/>
             </a:pPr>
             <a:r>
-              <a:rPr lang="zh-CN" altLang="en-US" sz="3200" smtClean="0">
+              <a:rPr lang="zh-CN" altLang="en-US" sz="3200">
                 <a:solidFill>
                   <a:schemeClr val="tx1">
                     <a:lumMod val="75000"/>
@@ -8952,16 +8691,6 @@
               </a:rPr>
               <a:t>独立性</a:t>
             </a:r>
-            <a:endParaRPr lang="zh-CN" altLang="en-US" sz="3200">
-              <a:solidFill>
-                <a:schemeClr val="tx1">
-                  <a:lumMod val="75000"/>
-                  <a:lumOff val="25000"/>
-                </a:schemeClr>
-              </a:solidFill>
-              <a:latin typeface="微软雅黑" panose="020B0503020204020204" pitchFamily="34" charset="-122"/>
-              <a:ea typeface="微软雅黑" panose="020B0503020204020204" pitchFamily="34" charset="-122"/>
-            </a:endParaRPr>
           </a:p>
           <a:p>
             <a:pPr marL="1028700" lvl="1" indent="-514350" eaLnBrk="1">
@@ -8972,7 +8701,7 @@
               <a:buAutoNum type="arabicPeriod"/>
             </a:pPr>
             <a:r>
-              <a:rPr lang="zh-CN" altLang="en-US" sz="3200" smtClean="0">
+              <a:rPr lang="zh-CN" altLang="en-US" sz="3200">
                 <a:solidFill>
                   <a:schemeClr val="tx1">
                     <a:lumMod val="75000"/>
@@ -8982,20 +8711,7 @@
                 <a:latin typeface="微软雅黑" panose="020B0503020204020204" pitchFamily="34" charset="-122"/>
                 <a:ea typeface="微软雅黑" panose="020B0503020204020204" pitchFamily="34" charset="-122"/>
               </a:rPr>
-              <a:t>异步</a:t>
-            </a:r>
-            <a:r>
-              <a:rPr lang="zh-CN" altLang="en-US" sz="3200">
-                <a:solidFill>
-                  <a:schemeClr val="tx1">
-                    <a:lumMod val="75000"/>
-                    <a:lumOff val="25000"/>
-                  </a:schemeClr>
-                </a:solidFill>
-                <a:latin typeface="微软雅黑" panose="020B0503020204020204" pitchFamily="34" charset="-122"/>
-                <a:ea typeface="微软雅黑" panose="020B0503020204020204" pitchFamily="34" charset="-122"/>
-              </a:rPr>
-              <a:t>性</a:t>
+              <a:t>异步性</a:t>
             </a:r>
           </a:p>
           <a:p>
@@ -9008,7 +8724,7 @@
               </a:spcBef>
               <a:buNone/>
             </a:pPr>
-            <a:endParaRPr lang="en-US" altLang="zh-CN" sz="3200" smtClean="0">
+            <a:endParaRPr lang="en-US" altLang="zh-CN" sz="3200">
               <a:solidFill>
                 <a:schemeClr val="tx1">
                   <a:lumMod val="75000"/>
@@ -9043,13 +8759,6 @@
       </p:transition>
     </mc:Fallback>
   </mc:AlternateContent>
-  <p:timing>
-    <p:tnLst>
-      <p:par>
-        <p:cTn id="1" dur="indefinite" restart="never" nodeType="tmRoot"/>
-      </p:par>
-    </p:tnLst>
-  </p:timing>
 </p:sld>
 </file>
 
@@ -9220,20 +8929,7 @@
                 <a:latin typeface="微软雅黑" panose="020B0503020204020204" pitchFamily="34" charset="-122"/>
                 <a:ea typeface="微软雅黑" panose="020B0503020204020204" pitchFamily="34" charset="-122"/>
               </a:rPr>
-              <a:t>的</a:t>
-            </a:r>
-            <a:r>
-              <a:rPr lang="zh-CN" altLang="en-US" sz="4000" smtClean="0">
-                <a:solidFill>
-                  <a:schemeClr val="tx1">
-                    <a:lumMod val="75000"/>
-                    <a:lumOff val="25000"/>
-                  </a:schemeClr>
-                </a:solidFill>
-                <a:latin typeface="微软雅黑" panose="020B0503020204020204" pitchFamily="34" charset="-122"/>
-                <a:ea typeface="微软雅黑" panose="020B0503020204020204" pitchFamily="34" charset="-122"/>
-              </a:rPr>
-              <a:t>管理</a:t>
+              <a:t>的管理</a:t>
             </a:r>
             <a:endParaRPr lang="en-US" altLang="zh-CN" sz="4000" dirty="0">
               <a:solidFill>
@@ -9255,7 +8951,7 @@
               <a:buChar char="Ø"/>
             </a:pPr>
             <a:r>
-              <a:rPr lang="zh-CN" altLang="en-US" sz="4000" smtClean="0">
+              <a:rPr lang="zh-CN" altLang="en-US" sz="4000">
                 <a:solidFill>
                   <a:schemeClr val="tx1">
                     <a:lumMod val="75000"/>
@@ -9544,31 +9240,8 @@
                 <a:latin typeface="微软雅黑" panose="020B0503020204020204" pitchFamily="34" charset="-122"/>
                 <a:ea typeface="微软雅黑" panose="020B0503020204020204" pitchFamily="34" charset="-122"/>
               </a:rPr>
-              <a:t>就绪队列与阻塞</a:t>
-            </a:r>
-            <a:r>
-              <a:rPr lang="zh-CN" altLang="en-US" sz="3200" smtClean="0">
-                <a:solidFill>
-                  <a:schemeClr val="tx1">
-                    <a:lumMod val="75000"/>
-                    <a:lumOff val="25000"/>
-                  </a:schemeClr>
-                </a:solidFill>
-                <a:latin typeface="微软雅黑" panose="020B0503020204020204" pitchFamily="34" charset="-122"/>
-                <a:ea typeface="微软雅黑" panose="020B0503020204020204" pitchFamily="34" charset="-122"/>
-              </a:rPr>
-              <a:t>队列</a:t>
-            </a:r>
-            <a:endParaRPr lang="zh-CN" altLang="en-US" sz="3200">
-              <a:solidFill>
-                <a:schemeClr val="tx1">
-                  <a:lumMod val="75000"/>
-                  <a:lumOff val="25000"/>
-                </a:schemeClr>
-              </a:solidFill>
-              <a:latin typeface="微软雅黑" panose="020B0503020204020204" pitchFamily="34" charset="-122"/>
-              <a:ea typeface="微软雅黑" panose="020B0503020204020204" pitchFamily="34" charset="-122"/>
-            </a:endParaRPr>
+              <a:t>就绪队列与阻塞队列</a:t>
+            </a:r>
           </a:p>
         </p:txBody>
       </p:sp>
@@ -9594,13 +9267,6 @@
       </p:transition>
     </mc:Fallback>
   </mc:AlternateContent>
-  <p:timing>
-    <p:tnLst>
-      <p:par>
-        <p:cTn id="1" dur="indefinite" restart="never" nodeType="tmRoot"/>
-      </p:par>
-    </p:tnLst>
-  </p:timing>
 </p:sld>
 </file>
 
@@ -10237,7 +9903,7 @@
             <a:p>
               <a:pPr algn="ctr"/>
               <a:r>
-                <a:rPr lang="zh-CN" altLang="en-US" sz="3200" smtClean="0">
+                <a:rPr lang="zh-CN" altLang="en-US" sz="3200">
                   <a:solidFill>
                     <a:schemeClr val="tx1">
                       <a:lumMod val="75000"/>
@@ -10249,16 +9915,6 @@
                 </a:rPr>
                 <a:t>就 绪</a:t>
               </a:r>
-              <a:endParaRPr lang="zh-CN" altLang="en-US" sz="3200">
-                <a:solidFill>
-                  <a:schemeClr val="tx1">
-                    <a:lumMod val="75000"/>
-                    <a:lumOff val="25000"/>
-                  </a:schemeClr>
-                </a:solidFill>
-                <a:latin typeface="微软雅黑" panose="020B0503020204020204" pitchFamily="34" charset="-122"/>
-                <a:ea typeface="微软雅黑" panose="020B0503020204020204" pitchFamily="34" charset="-122"/>
-              </a:endParaRPr>
             </a:p>
           </p:txBody>
         </p:sp>
@@ -10319,7 +9975,7 @@
             <a:p>
               <a:pPr algn="ctr"/>
               <a:r>
-                <a:rPr lang="zh-CN" altLang="en-US" sz="3200" smtClean="0">
+                <a:rPr lang="zh-CN" altLang="en-US" sz="3200">
                   <a:solidFill>
                     <a:schemeClr val="tx1">
                       <a:lumMod val="75000"/>
@@ -10331,16 +9987,6 @@
                 </a:rPr>
                 <a:t>阻 塞</a:t>
               </a:r>
-              <a:endParaRPr lang="zh-CN" altLang="en-US" sz="3200">
-                <a:solidFill>
-                  <a:schemeClr val="tx1">
-                    <a:lumMod val="75000"/>
-                    <a:lumOff val="25000"/>
-                  </a:schemeClr>
-                </a:solidFill>
-                <a:latin typeface="微软雅黑" panose="020B0503020204020204" pitchFamily="34" charset="-122"/>
-                <a:ea typeface="微软雅黑" panose="020B0503020204020204" pitchFamily="34" charset="-122"/>
-              </a:endParaRPr>
             </a:p>
           </p:txBody>
         </p:sp>
@@ -10399,7 +10045,7 @@
             <a:p>
               <a:pPr algn="ctr"/>
               <a:r>
-                <a:rPr lang="zh-CN" altLang="en-US" sz="3200" smtClean="0">
+                <a:rPr lang="zh-CN" altLang="en-US" sz="3200">
                   <a:solidFill>
                     <a:schemeClr val="tx1">
                       <a:lumMod val="75000"/>
@@ -10411,16 +10057,6 @@
                 </a:rPr>
                 <a:t>执 行</a:t>
               </a:r>
-              <a:endParaRPr lang="zh-CN" altLang="en-US" sz="3200">
-                <a:solidFill>
-                  <a:schemeClr val="tx1">
-                    <a:lumMod val="75000"/>
-                    <a:lumOff val="25000"/>
-                  </a:schemeClr>
-                </a:solidFill>
-                <a:latin typeface="微软雅黑" panose="020B0503020204020204" pitchFamily="34" charset="-122"/>
-                <a:ea typeface="微软雅黑" panose="020B0503020204020204" pitchFamily="34" charset="-122"/>
-              </a:endParaRPr>
             </a:p>
           </p:txBody>
         </p:sp>
@@ -10438,13 +10074,6 @@
   <p:transition>
     <p:fade/>
   </p:transition>
-  <p:timing>
-    <p:tnLst>
-      <p:par>
-        <p:cTn id="1" dur="indefinite" restart="never" nodeType="tmRoot"/>
-      </p:par>
-    </p:tnLst>
-  </p:timing>
 </p:sld>
 </file>
 
@@ -10516,7 +10145,7 @@
               </a:spcBef>
             </a:pPr>
             <a:r>
-              <a:rPr lang="zh-CN" altLang="en-US" sz="3200" smtClean="0">
+              <a:rPr lang="zh-CN" altLang="en-US" sz="3200">
                 <a:solidFill>
                   <a:schemeClr val="tx1">
                     <a:lumMod val="75000"/>
@@ -10526,20 +10155,7 @@
                 <a:latin typeface="微软雅黑" panose="020B0503020204020204" pitchFamily="34" charset="-122"/>
                 <a:ea typeface="微软雅黑" panose="020B0503020204020204" pitchFamily="34" charset="-122"/>
               </a:rPr>
-              <a:t>高级</a:t>
-            </a:r>
-            <a:r>
-              <a:rPr lang="zh-CN" altLang="en-US" sz="3200">
-                <a:solidFill>
-                  <a:schemeClr val="tx1">
-                    <a:lumMod val="75000"/>
-                    <a:lumOff val="25000"/>
-                  </a:schemeClr>
-                </a:solidFill>
-                <a:latin typeface="微软雅黑" panose="020B0503020204020204" pitchFamily="34" charset="-122"/>
-                <a:ea typeface="微软雅黑" panose="020B0503020204020204" pitchFamily="34" charset="-122"/>
-              </a:rPr>
-              <a:t>调度（</a:t>
+              <a:t>高级调度（</a:t>
             </a:r>
             <a:r>
               <a:rPr lang="en-US" altLang="zh-CN" sz="3200">
@@ -10675,7 +10291,7 @@
               <a:buNone/>
             </a:pPr>
             <a:r>
-              <a:rPr lang="zh-CN" altLang="en-US" sz="3200" smtClean="0">
+              <a:rPr lang="zh-CN" altLang="en-US" sz="3200">
                 <a:solidFill>
                   <a:schemeClr val="tx1">
                     <a:lumMod val="75000"/>
@@ -10685,7 +10301,17 @@
                 <a:latin typeface="微软雅黑" panose="020B0503020204020204" pitchFamily="34" charset="-122"/>
                 <a:ea typeface="微软雅黑" panose="020B0503020204020204" pitchFamily="34" charset="-122"/>
               </a:rPr>
-              <a:t>因此</a:t>
+              <a:t>因此有时也称作业调度为</a:t>
+            </a:r>
+            <a:r>
+              <a:rPr lang="zh-CN" altLang="en-US" sz="3200">
+                <a:solidFill>
+                  <a:srgbClr val="C00000"/>
+                </a:solidFill>
+                <a:latin typeface="微软雅黑" panose="020B0503020204020204" pitchFamily="34" charset="-122"/>
+                <a:ea typeface="微软雅黑" panose="020B0503020204020204" pitchFamily="34" charset="-122"/>
+              </a:rPr>
+              <a:t>接纳调度</a:t>
             </a:r>
             <a:r>
               <a:rPr lang="zh-CN" altLang="en-US" sz="3200">
@@ -10698,20 +10324,10 @@
                 <a:latin typeface="微软雅黑" panose="020B0503020204020204" pitchFamily="34" charset="-122"/>
                 <a:ea typeface="微软雅黑" panose="020B0503020204020204" pitchFamily="34" charset="-122"/>
               </a:rPr>
-              <a:t>有时也称作业调度为</a:t>
-            </a:r>
-            <a:r>
-              <a:rPr lang="zh-CN" altLang="en-US" sz="3200">
-                <a:solidFill>
-                  <a:srgbClr val="C00000"/>
-                </a:solidFill>
-                <a:latin typeface="微软雅黑" panose="020B0503020204020204" pitchFamily="34" charset="-122"/>
-                <a:ea typeface="微软雅黑" panose="020B0503020204020204" pitchFamily="34" charset="-122"/>
-              </a:rPr>
-              <a:t>接纳调度</a:t>
-            </a:r>
-            <a:r>
-              <a:rPr lang="zh-CN" altLang="en-US" sz="3200">
+              <a:t>（</a:t>
+            </a:r>
+            <a:r>
+              <a:rPr lang="en-US" altLang="zh-CN" sz="3200">
                 <a:solidFill>
                   <a:schemeClr val="tx1">
                     <a:lumMod val="75000"/>
@@ -10721,10 +10337,10 @@
                 <a:latin typeface="微软雅黑" panose="020B0503020204020204" pitchFamily="34" charset="-122"/>
                 <a:ea typeface="微软雅黑" panose="020B0503020204020204" pitchFamily="34" charset="-122"/>
               </a:rPr>
-              <a:t>（</a:t>
-            </a:r>
-            <a:r>
-              <a:rPr lang="en-US" altLang="zh-CN" sz="3200">
+              <a:t>Admission Scheduling</a:t>
+            </a:r>
+            <a:r>
+              <a:rPr lang="zh-CN" altLang="en-US" sz="3200">
                 <a:solidFill>
                   <a:schemeClr val="tx1">
                     <a:lumMod val="75000"/>
@@ -10734,44 +10350,8 @@
                 <a:latin typeface="微软雅黑" panose="020B0503020204020204" pitchFamily="34" charset="-122"/>
                 <a:ea typeface="微软雅黑" panose="020B0503020204020204" pitchFamily="34" charset="-122"/>
               </a:rPr>
-              <a:t>Admission Scheduling</a:t>
-            </a:r>
-            <a:r>
-              <a:rPr lang="zh-CN" altLang="en-US" sz="3200">
-                <a:solidFill>
-                  <a:schemeClr val="tx1">
-                    <a:lumMod val="75000"/>
-                    <a:lumOff val="25000"/>
-                  </a:schemeClr>
-                </a:solidFill>
-                <a:latin typeface="微软雅黑" panose="020B0503020204020204" pitchFamily="34" charset="-122"/>
-                <a:ea typeface="微软雅黑" panose="020B0503020204020204" pitchFamily="34" charset="-122"/>
-              </a:rPr>
-              <a:t>）</a:t>
-            </a:r>
-            <a:r>
-              <a:rPr lang="zh-CN" altLang="en-US" sz="3200" smtClean="0">
-                <a:solidFill>
-                  <a:schemeClr val="tx1">
-                    <a:lumMod val="75000"/>
-                    <a:lumOff val="25000"/>
-                  </a:schemeClr>
-                </a:solidFill>
-                <a:latin typeface="微软雅黑" panose="020B0503020204020204" pitchFamily="34" charset="-122"/>
-                <a:ea typeface="微软雅黑" panose="020B0503020204020204" pitchFamily="34" charset="-122"/>
-              </a:rPr>
-              <a:t>。</a:t>
-            </a:r>
-            <a:endParaRPr lang="zh-CN" altLang="en-US" sz="3200">
-              <a:solidFill>
-                <a:schemeClr val="tx1">
-                  <a:lumMod val="75000"/>
-                  <a:lumOff val="25000"/>
-                </a:schemeClr>
-              </a:solidFill>
-              <a:latin typeface="微软雅黑" panose="020B0503020204020204" pitchFamily="34" charset="-122"/>
-              <a:ea typeface="微软雅黑" panose="020B0503020204020204" pitchFamily="34" charset="-122"/>
-            </a:endParaRPr>
+              <a:t>）。</a:t>
+            </a:r>
           </a:p>
         </p:txBody>
       </p:sp>
@@ -10797,13 +10377,6 @@
       </p:transition>
     </mc:Fallback>
   </mc:AlternateContent>
-  <p:timing>
-    <p:tnLst>
-      <p:par>
-        <p:cTn id="1" dur="indefinite" restart="never" nodeType="tmRoot"/>
-      </p:par>
-    </p:tnLst>
-  </p:timing>
 </p:sld>
 </file>
 
@@ -10873,7 +10446,7 @@
               <a:buNone/>
             </a:pPr>
             <a:r>
-              <a:rPr lang="zh-CN" altLang="en-US" sz="3200" smtClean="0">
+              <a:rPr lang="zh-CN" altLang="en-US" sz="3200">
                 <a:solidFill>
                   <a:schemeClr val="tx1">
                     <a:lumMod val="75000"/>
@@ -10954,7 +10527,7 @@
               </a:rPr>
               <a:t>中，通常也不需作业调度。</a:t>
             </a:r>
-            <a:endParaRPr lang="en-US" altLang="zh-CN" sz="3200" smtClean="0">
+            <a:endParaRPr lang="en-US" altLang="zh-CN" sz="3200">
               <a:solidFill>
                 <a:schemeClr val="tx1">
                   <a:lumMod val="75000"/>
@@ -11077,20 +10650,7 @@
                 <a:latin typeface="微软雅黑" panose="020B0503020204020204" pitchFamily="34" charset="-122"/>
                 <a:ea typeface="微软雅黑" panose="020B0503020204020204" pitchFamily="34" charset="-122"/>
               </a:rPr>
-              <a:t>应接纳哪些作业从外存调入内存，取决于所采用的调度算法。如先来先服务，短作业优先等</a:t>
-            </a:r>
-            <a:r>
-              <a:rPr lang="zh-CN" altLang="en-US" sz="2800" smtClean="0">
-                <a:solidFill>
-                  <a:schemeClr val="tx1">
-                    <a:lumMod val="75000"/>
-                    <a:lumOff val="25000"/>
-                  </a:schemeClr>
-                </a:solidFill>
-                <a:latin typeface="微软雅黑" panose="020B0503020204020204" pitchFamily="34" charset="-122"/>
-                <a:ea typeface="微软雅黑" panose="020B0503020204020204" pitchFamily="34" charset="-122"/>
-              </a:rPr>
-              <a:t>。</a:t>
+              <a:t>应接纳哪些作业从外存调入内存，取决于所采用的调度算法。如先来先服务，短作业优先等。</a:t>
             </a:r>
             <a:endParaRPr lang="zh-CN" altLang="en-US" sz="3200">
               <a:solidFill>
@@ -11127,13 +10687,6 @@
       </p:transition>
     </mc:Fallback>
   </mc:AlternateContent>
-  <p:timing>
-    <p:tnLst>
-      <p:par>
-        <p:cTn id="1" dur="indefinite" restart="never" nodeType="tmRoot"/>
-      </p:par>
-    </p:tnLst>
-  </p:timing>
 </p:sld>
 </file>
 
@@ -11255,7 +10808,7 @@
               <a:buNone/>
             </a:pPr>
             <a:r>
-              <a:rPr lang="zh-CN" altLang="en-US" sz="3200" smtClean="0">
+              <a:rPr lang="zh-CN" altLang="en-US" sz="3200">
                 <a:solidFill>
                   <a:schemeClr val="tx1">
                     <a:lumMod val="75000"/>
@@ -11265,7 +10818,17 @@
                 <a:latin typeface="微软雅黑" panose="020B0503020204020204" pitchFamily="34" charset="-122"/>
                 <a:ea typeface="微软雅黑" panose="020B0503020204020204" pitchFamily="34" charset="-122"/>
               </a:rPr>
-              <a:t>通常</a:t>
+              <a:t>通常也称为</a:t>
+            </a:r>
+            <a:r>
+              <a:rPr lang="zh-CN" altLang="en-US" sz="3200">
+                <a:solidFill>
+                  <a:srgbClr val="C00000"/>
+                </a:solidFill>
+                <a:latin typeface="微软雅黑" panose="020B0503020204020204" pitchFamily="34" charset="-122"/>
+                <a:ea typeface="微软雅黑" panose="020B0503020204020204" pitchFamily="34" charset="-122"/>
+              </a:rPr>
+              <a:t>进程调度</a:t>
             </a:r>
             <a:r>
               <a:rPr lang="zh-CN" altLang="en-US" sz="3200">
@@ -11278,7 +10841,7 @@
                 <a:latin typeface="微软雅黑" panose="020B0503020204020204" pitchFamily="34" charset="-122"/>
                 <a:ea typeface="微软雅黑" panose="020B0503020204020204" pitchFamily="34" charset="-122"/>
               </a:rPr>
-              <a:t>也称为</a:t>
+              <a:t>或</a:t>
             </a:r>
             <a:r>
               <a:rPr lang="zh-CN" altLang="en-US" sz="3200">
@@ -11288,7 +10851,7 @@
                 <a:latin typeface="微软雅黑" panose="020B0503020204020204" pitchFamily="34" charset="-122"/>
                 <a:ea typeface="微软雅黑" panose="020B0503020204020204" pitchFamily="34" charset="-122"/>
               </a:rPr>
-              <a:t>进程调度</a:t>
+              <a:t>短程调度</a:t>
             </a:r>
             <a:r>
               <a:rPr lang="zh-CN" altLang="en-US" sz="3200">
@@ -11301,20 +10864,10 @@
                 <a:latin typeface="微软雅黑" panose="020B0503020204020204" pitchFamily="34" charset="-122"/>
                 <a:ea typeface="微软雅黑" panose="020B0503020204020204" pitchFamily="34" charset="-122"/>
               </a:rPr>
-              <a:t>或</a:t>
-            </a:r>
-            <a:r>
-              <a:rPr lang="zh-CN" altLang="en-US" sz="3200">
-                <a:solidFill>
-                  <a:srgbClr val="C00000"/>
-                </a:solidFill>
-                <a:latin typeface="微软雅黑" panose="020B0503020204020204" pitchFamily="34" charset="-122"/>
-                <a:ea typeface="微软雅黑" panose="020B0503020204020204" pitchFamily="34" charset="-122"/>
-              </a:rPr>
-              <a:t>短程调度</a:t>
-            </a:r>
-            <a:r>
-              <a:rPr lang="zh-CN" altLang="en-US" sz="3200">
+              <a:t>（</a:t>
+            </a:r>
+            <a:r>
+              <a:rPr lang="en-US" altLang="zh-CN" sz="3200">
                 <a:solidFill>
                   <a:schemeClr val="tx1">
                     <a:lumMod val="75000"/>
@@ -11324,10 +10877,10 @@
                 <a:latin typeface="微软雅黑" panose="020B0503020204020204" pitchFamily="34" charset="-122"/>
                 <a:ea typeface="微软雅黑" panose="020B0503020204020204" pitchFamily="34" charset="-122"/>
               </a:rPr>
-              <a:t>（</a:t>
-            </a:r>
-            <a:r>
-              <a:rPr lang="en-US" altLang="zh-CN" sz="3200">
+              <a:t>Short-Term Scheduling</a:t>
+            </a:r>
+            <a:r>
+              <a:rPr lang="zh-CN" altLang="en-US" sz="3200">
                 <a:solidFill>
                   <a:schemeClr val="tx1">
                     <a:lumMod val="75000"/>
@@ -11337,7 +10890,37 @@
                 <a:latin typeface="微软雅黑" panose="020B0503020204020204" pitchFamily="34" charset="-122"/>
                 <a:ea typeface="微软雅黑" panose="020B0503020204020204" pitchFamily="34" charset="-122"/>
               </a:rPr>
-              <a:t>Short-Term Scheduling</a:t>
+              <a:t>），用来决定就绪队列中的哪个进程应获得处理机，然后再由分派程序把处理机分配给该进程。为最基本的一种调度，</a:t>
+            </a:r>
+            <a:r>
+              <a:rPr lang="zh-CN" altLang="en-US" sz="3200">
+                <a:solidFill>
+                  <a:srgbClr val="C00000"/>
+                </a:solidFill>
+                <a:latin typeface="微软雅黑" panose="020B0503020204020204" pitchFamily="34" charset="-122"/>
+                <a:ea typeface="微软雅黑" panose="020B0503020204020204" pitchFamily="34" charset="-122"/>
+              </a:rPr>
+              <a:t>三种</a:t>
+            </a:r>
+            <a:r>
+              <a:rPr lang="en-US" altLang="zh-CN" sz="3200">
+                <a:solidFill>
+                  <a:srgbClr val="C00000"/>
+                </a:solidFill>
+                <a:latin typeface="微软雅黑" panose="020B0503020204020204" pitchFamily="34" charset="-122"/>
+                <a:ea typeface="微软雅黑" panose="020B0503020204020204" pitchFamily="34" charset="-122"/>
+              </a:rPr>
+              <a:t>OS</a:t>
+            </a:r>
+            <a:r>
+              <a:rPr lang="zh-CN" altLang="en-US" sz="3200">
+                <a:solidFill>
+                  <a:srgbClr val="C00000"/>
+                </a:solidFill>
+                <a:latin typeface="微软雅黑" panose="020B0503020204020204" pitchFamily="34" charset="-122"/>
+                <a:ea typeface="微软雅黑" panose="020B0503020204020204" pitchFamily="34" charset="-122"/>
+              </a:rPr>
+              <a:t>中都有</a:t>
             </a:r>
             <a:r>
               <a:rPr lang="zh-CN" altLang="en-US" sz="3200">
@@ -11350,62 +10933,9 @@
                 <a:latin typeface="微软雅黑" panose="020B0503020204020204" pitchFamily="34" charset="-122"/>
                 <a:ea typeface="微软雅黑" panose="020B0503020204020204" pitchFamily="34" charset="-122"/>
               </a:rPr>
-              <a:t>），用来决定就绪队列中的哪个进程应获得处理机，然后再由分派程序把处理机分配给该进程。为最基本的一种调度，</a:t>
-            </a:r>
-            <a:r>
-              <a:rPr lang="zh-CN" altLang="en-US" sz="3200">
-                <a:solidFill>
-                  <a:srgbClr val="C00000"/>
-                </a:solidFill>
-                <a:latin typeface="微软雅黑" panose="020B0503020204020204" pitchFamily="34" charset="-122"/>
-                <a:ea typeface="微软雅黑" panose="020B0503020204020204" pitchFamily="34" charset="-122"/>
-              </a:rPr>
-              <a:t>三种</a:t>
-            </a:r>
-            <a:r>
-              <a:rPr lang="en-US" altLang="zh-CN" sz="3200">
-                <a:solidFill>
-                  <a:srgbClr val="C00000"/>
-                </a:solidFill>
-                <a:latin typeface="微软雅黑" panose="020B0503020204020204" pitchFamily="34" charset="-122"/>
-                <a:ea typeface="微软雅黑" panose="020B0503020204020204" pitchFamily="34" charset="-122"/>
-              </a:rPr>
-              <a:t>OS</a:t>
-            </a:r>
-            <a:r>
-              <a:rPr lang="zh-CN" altLang="en-US" sz="3200">
-                <a:solidFill>
-                  <a:srgbClr val="C00000"/>
-                </a:solidFill>
-                <a:latin typeface="微软雅黑" panose="020B0503020204020204" pitchFamily="34" charset="-122"/>
-                <a:ea typeface="微软雅黑" panose="020B0503020204020204" pitchFamily="34" charset="-122"/>
-              </a:rPr>
-              <a:t>中都</a:t>
-            </a:r>
-            <a:r>
-              <a:rPr lang="zh-CN" altLang="en-US" sz="3200" smtClean="0">
-                <a:solidFill>
-                  <a:srgbClr val="C00000"/>
-                </a:solidFill>
-                <a:latin typeface="微软雅黑" panose="020B0503020204020204" pitchFamily="34" charset="-122"/>
-                <a:ea typeface="微软雅黑" panose="020B0503020204020204" pitchFamily="34" charset="-122"/>
-              </a:rPr>
-              <a:t>有</a:t>
-            </a:r>
-            <a:r>
-              <a:rPr lang="zh-CN" altLang="en-US" sz="3200">
-                <a:solidFill>
-                  <a:schemeClr val="tx1">
-                    <a:lumMod val="75000"/>
-                    <a:lumOff val="25000"/>
-                  </a:schemeClr>
-                </a:solidFill>
-                <a:latin typeface="微软雅黑" panose="020B0503020204020204" pitchFamily="34" charset="-122"/>
-                <a:ea typeface="微软雅黑" panose="020B0503020204020204" pitchFamily="34" charset="-122"/>
-              </a:rPr>
               <a:t>。</a:t>
             </a:r>
-            <a:endParaRPr lang="en-US" altLang="zh-CN" sz="3200" smtClean="0">
+            <a:endParaRPr lang="en-US" altLang="zh-CN" sz="3200">
               <a:solidFill>
                 <a:schemeClr val="tx1">
                   <a:lumMod val="75000"/>
@@ -11579,13 +11109,6 @@
       </p:transition>
     </mc:Fallback>
   </mc:AlternateContent>
-  <p:timing>
-    <p:tnLst>
-      <p:par>
-        <p:cTn id="1" dur="indefinite" restart="never" nodeType="tmRoot"/>
-      </p:par>
-    </p:tnLst>
-  </p:timing>
 </p:sld>
 </file>
 
@@ -11683,7 +11206,7 @@
               <a:t>Low Level Scheduling</a:t>
             </a:r>
             <a:r>
-              <a:rPr lang="zh-CN" altLang="en-US" sz="3200" smtClean="0">
+              <a:rPr lang="zh-CN" altLang="en-US" sz="3200">
                 <a:solidFill>
                   <a:schemeClr val="tx1">
                     <a:lumMod val="75000"/>
@@ -11695,16 +11218,6 @@
               </a:rPr>
               <a:t>）</a:t>
             </a:r>
-            <a:endParaRPr lang="zh-CN" altLang="en-US" sz="3200">
-              <a:solidFill>
-                <a:schemeClr val="tx1">
-                  <a:lumMod val="75000"/>
-                  <a:lumOff val="25000"/>
-                </a:schemeClr>
-              </a:solidFill>
-              <a:latin typeface="微软雅黑" panose="020B0503020204020204" pitchFamily="34" charset="-122"/>
-              <a:ea typeface="微软雅黑" panose="020B0503020204020204" pitchFamily="34" charset="-122"/>
-            </a:endParaRPr>
           </a:p>
           <a:p>
             <a:pPr marL="0" indent="457200" eaLnBrk="1">
@@ -11849,13 +11362,6 @@
       </p:transition>
     </mc:Fallback>
   </mc:AlternateContent>
-  <p:timing>
-    <p:tnLst>
-      <p:par>
-        <p:cTn id="1" dur="indefinite" restart="never" nodeType="tmRoot"/>
-      </p:par>
-    </p:tnLst>
-  </p:timing>
 </p:sld>
 </file>
 
@@ -12092,13 +11598,6 @@
       </p:transition>
     </mc:Fallback>
   </mc:AlternateContent>
-  <p:timing>
-    <p:tnLst>
-      <p:par>
-        <p:cTn id="1" dur="indefinite" restart="never" nodeType="tmRoot"/>
-      </p:par>
-    </p:tnLst>
-  </p:timing>
 </p:sld>
 </file>
 
@@ -12234,22 +11733,9 @@
                 <a:latin typeface="微软雅黑" panose="020B0503020204020204" pitchFamily="34" charset="-122"/>
                 <a:ea typeface="微软雅黑" panose="020B0503020204020204" pitchFamily="34" charset="-122"/>
               </a:rPr>
-              <a:t>的类型和目标。如在批处理系统、分时系统和实时系统中，通常都采用不同的调度方式和算法。选择的准则，有的是面向用户的，有的是面向系统</a:t>
-            </a:r>
-            <a:r>
-              <a:rPr lang="zh-CN" altLang="en-US" sz="3200" smtClean="0">
-                <a:solidFill>
-                  <a:schemeClr val="tx1">
-                    <a:lumMod val="75000"/>
-                    <a:lumOff val="25000"/>
-                  </a:schemeClr>
-                </a:solidFill>
-                <a:latin typeface="微软雅黑" panose="020B0503020204020204" pitchFamily="34" charset="-122"/>
-                <a:ea typeface="微软雅黑" panose="020B0503020204020204" pitchFamily="34" charset="-122"/>
-              </a:rPr>
-              <a:t>的。</a:t>
-            </a:r>
-            <a:endParaRPr lang="en-US" altLang="zh-CN" sz="3200" smtClean="0">
+              <a:t>的类型和目标。如在批处理系统、分时系统和实时系统中，通常都采用不同的调度方式和算法。选择的准则，有的是面向用户的，有的是面向系统的。</a:t>
+            </a:r>
+            <a:endParaRPr lang="en-US" altLang="zh-CN" sz="3200">
               <a:solidFill>
                 <a:schemeClr val="tx1">
                   <a:lumMod val="75000"/>
@@ -12282,31 +11768,8 @@
                 <a:latin typeface="微软雅黑" panose="020B0503020204020204" pitchFamily="34" charset="-122"/>
                 <a:ea typeface="微软雅黑" panose="020B0503020204020204" pitchFamily="34" charset="-122"/>
               </a:rPr>
-              <a:t>处理机调度算法的共同</a:t>
-            </a:r>
-            <a:r>
-              <a:rPr lang="zh-CN" altLang="en-US" sz="3200" smtClean="0">
-                <a:solidFill>
-                  <a:schemeClr val="tx1">
-                    <a:lumMod val="75000"/>
-                    <a:lumOff val="25000"/>
-                  </a:schemeClr>
-                </a:solidFill>
-                <a:latin typeface="微软雅黑" panose="020B0503020204020204" pitchFamily="34" charset="-122"/>
-                <a:ea typeface="微软雅黑" panose="020B0503020204020204" pitchFamily="34" charset="-122"/>
-              </a:rPr>
-              <a:t>目标</a:t>
-            </a:r>
-            <a:endParaRPr lang="zh-CN" altLang="en-US" sz="3200">
-              <a:solidFill>
-                <a:schemeClr val="tx1">
-                  <a:lumMod val="75000"/>
-                  <a:lumOff val="25000"/>
-                </a:schemeClr>
-              </a:solidFill>
-              <a:latin typeface="微软雅黑" panose="020B0503020204020204" pitchFamily="34" charset="-122"/>
-              <a:ea typeface="微软雅黑" panose="020B0503020204020204" pitchFamily="34" charset="-122"/>
-            </a:endParaRPr>
+              <a:t>处理机调度算法的共同目标</a:t>
+            </a:r>
           </a:p>
           <a:p>
             <a:pPr lvl="1" eaLnBrk="1">
@@ -12412,13 +11875,6 @@
       </p:transition>
     </mc:Fallback>
   </mc:AlternateContent>
-  <p:timing>
-    <p:tnLst>
-      <p:par>
-        <p:cTn id="1" dur="indefinite" restart="never" nodeType="tmRoot"/>
-      </p:par>
-    </p:tnLst>
-  </p:timing>
 </p:sld>
 </file>
 
@@ -12496,7 +11952,7 @@
               <a:buAutoNum type="arabicPeriod" startAt="2"/>
             </a:pPr>
             <a:r>
-              <a:rPr lang="zh-CN" altLang="en-US" sz="3200" smtClean="0">
+              <a:rPr lang="zh-CN" altLang="en-US" sz="3200" dirty="0">
                 <a:solidFill>
                   <a:schemeClr val="tx1">
                     <a:lumMod val="75000"/>
@@ -12506,10 +11962,17 @@
                 <a:latin typeface="微软雅黑" panose="020B0503020204020204" pitchFamily="34" charset="-122"/>
                 <a:ea typeface="微软雅黑" panose="020B0503020204020204" pitchFamily="34" charset="-122"/>
               </a:rPr>
-              <a:t>批处理</a:t>
-            </a:r>
-            <a:r>
-              <a:rPr lang="zh-CN" altLang="en-US" sz="3200">
+              <a:t>批处理系统的目标</a:t>
+            </a:r>
+          </a:p>
+          <a:p>
+            <a:pPr lvl="1" eaLnBrk="1">
+              <a:spcBef>
+                <a:spcPts val="0"/>
+              </a:spcBef>
+            </a:pPr>
+            <a:r>
+              <a:rPr lang="zh-CN" altLang="en-US" sz="2800" dirty="0">
                 <a:solidFill>
                   <a:schemeClr val="tx1">
                     <a:lumMod val="75000"/>
@@ -12519,10 +11982,18 @@
                 <a:latin typeface="微软雅黑" panose="020B0503020204020204" pitchFamily="34" charset="-122"/>
                 <a:ea typeface="微软雅黑" panose="020B0503020204020204" pitchFamily="34" charset="-122"/>
               </a:rPr>
-              <a:t>系统的</a:t>
-            </a:r>
-            <a:r>
-              <a:rPr lang="zh-CN" altLang="en-US" sz="3200" smtClean="0">
+              <a:t>周转时间短：      周转时间；          平均周转时间</a:t>
+            </a:r>
+          </a:p>
+          <a:p>
+            <a:pPr marL="457200" lvl="1" indent="0" eaLnBrk="1">
+              <a:spcBef>
+                <a:spcPts val="0"/>
+              </a:spcBef>
+              <a:buNone/>
+            </a:pPr>
+            <a:r>
+              <a:rPr lang="zh-CN" altLang="en-US" sz="2800" dirty="0">
                 <a:solidFill>
                   <a:schemeClr val="tx1">
                     <a:lumMod val="75000"/>
@@ -12532,9 +12003,9 @@
                 <a:latin typeface="微软雅黑" panose="020B0503020204020204" pitchFamily="34" charset="-122"/>
                 <a:ea typeface="微软雅黑" panose="020B0503020204020204" pitchFamily="34" charset="-122"/>
               </a:rPr>
-              <a:t>目标</a:t>
-            </a:r>
-            <a:endParaRPr lang="zh-CN" altLang="en-US" sz="3200">
+              <a:t>                             带权周转时间；   平均带权周转时间</a:t>
+            </a:r>
+            <a:endParaRPr lang="en-US" altLang="zh-CN" sz="2800" dirty="0">
               <a:solidFill>
                 <a:schemeClr val="tx1">
                   <a:lumMod val="75000"/>
@@ -12552,7 +12023,7 @@
               </a:spcBef>
             </a:pPr>
             <a:r>
-              <a:rPr lang="zh-CN" altLang="en-US" sz="2800">
+              <a:rPr lang="zh-CN" altLang="en-US" sz="2800" dirty="0">
                 <a:solidFill>
                   <a:schemeClr val="tx1">
                     <a:lumMod val="75000"/>
@@ -12562,143 +12033,8 @@
                 <a:latin typeface="微软雅黑" panose="020B0503020204020204" pitchFamily="34" charset="-122"/>
                 <a:ea typeface="微软雅黑" panose="020B0503020204020204" pitchFamily="34" charset="-122"/>
               </a:rPr>
-              <a:t>周转时间</a:t>
-            </a:r>
-            <a:r>
-              <a:rPr lang="zh-CN" altLang="en-US" sz="2800" smtClean="0">
-                <a:solidFill>
-                  <a:schemeClr val="tx1">
-                    <a:lumMod val="75000"/>
-                    <a:lumOff val="25000"/>
-                  </a:schemeClr>
-                </a:solidFill>
-                <a:latin typeface="微软雅黑" panose="020B0503020204020204" pitchFamily="34" charset="-122"/>
-                <a:ea typeface="微软雅黑" panose="020B0503020204020204" pitchFamily="34" charset="-122"/>
-              </a:rPr>
-              <a:t>短</a:t>
-            </a:r>
-            <a:r>
-              <a:rPr lang="zh-CN" altLang="en-US" sz="2800">
-                <a:solidFill>
-                  <a:schemeClr val="tx1">
-                    <a:lumMod val="75000"/>
-                    <a:lumOff val="25000"/>
-                  </a:schemeClr>
-                </a:solidFill>
-                <a:latin typeface="微软雅黑" panose="020B0503020204020204" pitchFamily="34" charset="-122"/>
-                <a:ea typeface="微软雅黑" panose="020B0503020204020204" pitchFamily="34" charset="-122"/>
-              </a:rPr>
-              <a:t>：</a:t>
-            </a:r>
-            <a:r>
-              <a:rPr lang="zh-CN" altLang="en-US" sz="2800" smtClean="0">
-                <a:solidFill>
-                  <a:schemeClr val="tx1">
-                    <a:lumMod val="75000"/>
-                    <a:lumOff val="25000"/>
-                  </a:schemeClr>
-                </a:solidFill>
-                <a:latin typeface="微软雅黑" panose="020B0503020204020204" pitchFamily="34" charset="-122"/>
-                <a:ea typeface="微软雅黑" panose="020B0503020204020204" pitchFamily="34" charset="-122"/>
-              </a:rPr>
-              <a:t>      </a:t>
-            </a:r>
-            <a:r>
-              <a:rPr lang="zh-CN" altLang="en-US" sz="2800" smtClean="0">
-                <a:solidFill>
-                  <a:schemeClr val="tx1">
-                    <a:lumMod val="75000"/>
-                    <a:lumOff val="25000"/>
-                  </a:schemeClr>
-                </a:solidFill>
-                <a:latin typeface="微软雅黑" panose="020B0503020204020204" pitchFamily="34" charset="-122"/>
-                <a:ea typeface="微软雅黑" panose="020B0503020204020204" pitchFamily="34" charset="-122"/>
-              </a:rPr>
-              <a:t>周转时间</a:t>
-            </a:r>
-            <a:r>
-              <a:rPr lang="zh-CN" altLang="en-US" sz="2800">
-                <a:solidFill>
-                  <a:schemeClr val="tx1">
-                    <a:lumMod val="75000"/>
-                    <a:lumOff val="25000"/>
-                  </a:schemeClr>
-                </a:solidFill>
-                <a:latin typeface="微软雅黑" panose="020B0503020204020204" pitchFamily="34" charset="-122"/>
-                <a:ea typeface="微软雅黑" panose="020B0503020204020204" pitchFamily="34" charset="-122"/>
-              </a:rPr>
-              <a:t>；          平均周转时间</a:t>
-            </a:r>
-          </a:p>
-          <a:p>
-            <a:pPr marL="457200" lvl="1" indent="0" eaLnBrk="1">
-              <a:spcBef>
-                <a:spcPts val="0"/>
-              </a:spcBef>
-              <a:buNone/>
-            </a:pPr>
-            <a:r>
-              <a:rPr lang="zh-CN" altLang="en-US" sz="2800">
-                <a:solidFill>
-                  <a:schemeClr val="tx1">
-                    <a:lumMod val="75000"/>
-                    <a:lumOff val="25000"/>
-                  </a:schemeClr>
-                </a:solidFill>
-                <a:latin typeface="微软雅黑" panose="020B0503020204020204" pitchFamily="34" charset="-122"/>
-                <a:ea typeface="微软雅黑" panose="020B0503020204020204" pitchFamily="34" charset="-122"/>
-              </a:rPr>
-              <a:t>    </a:t>
-            </a:r>
-            <a:r>
-              <a:rPr lang="zh-CN" altLang="en-US" sz="2800" smtClean="0">
-                <a:solidFill>
-                  <a:schemeClr val="tx1">
-                    <a:lumMod val="75000"/>
-                    <a:lumOff val="25000"/>
-                  </a:schemeClr>
-                </a:solidFill>
-                <a:latin typeface="微软雅黑" panose="020B0503020204020204" pitchFamily="34" charset="-122"/>
-                <a:ea typeface="微软雅黑" panose="020B0503020204020204" pitchFamily="34" charset="-122"/>
-              </a:rPr>
-              <a:t>                         带</a:t>
-            </a:r>
-            <a:r>
-              <a:rPr lang="zh-CN" altLang="en-US" sz="2800">
-                <a:solidFill>
-                  <a:schemeClr val="tx1">
-                    <a:lumMod val="75000"/>
-                    <a:lumOff val="25000"/>
-                  </a:schemeClr>
-                </a:solidFill>
-                <a:latin typeface="微软雅黑" panose="020B0503020204020204" pitchFamily="34" charset="-122"/>
-                <a:ea typeface="微软雅黑" panose="020B0503020204020204" pitchFamily="34" charset="-122"/>
-              </a:rPr>
-              <a:t>权周转时间；   平均带权</a:t>
-            </a:r>
-            <a:r>
-              <a:rPr lang="zh-CN" altLang="en-US" sz="2800" smtClean="0">
-                <a:solidFill>
-                  <a:schemeClr val="tx1">
-                    <a:lumMod val="75000"/>
-                    <a:lumOff val="25000"/>
-                  </a:schemeClr>
-                </a:solidFill>
-                <a:latin typeface="微软雅黑" panose="020B0503020204020204" pitchFamily="34" charset="-122"/>
-                <a:ea typeface="微软雅黑" panose="020B0503020204020204" pitchFamily="34" charset="-122"/>
-              </a:rPr>
-              <a:t>周转时间</a:t>
-            </a:r>
-            <a:endParaRPr lang="en-US" altLang="zh-CN" sz="2800" smtClean="0">
-              <a:solidFill>
-                <a:schemeClr val="tx1">
-                  <a:lumMod val="75000"/>
-                  <a:lumOff val="25000"/>
-                </a:schemeClr>
-              </a:solidFill>
-              <a:latin typeface="微软雅黑" panose="020B0503020204020204" pitchFamily="34" charset="-122"/>
-              <a:ea typeface="微软雅黑" panose="020B0503020204020204" pitchFamily="34" charset="-122"/>
-            </a:endParaRPr>
+              <a:t>系统吞吐量高</a:t>
+            </a:r>
           </a:p>
           <a:p>
             <a:pPr lvl="1" eaLnBrk="1">
@@ -12707,7 +12043,7 @@
               </a:spcBef>
             </a:pPr>
             <a:r>
-              <a:rPr lang="zh-CN" altLang="en-US" sz="2800">
+              <a:rPr lang="zh-CN" altLang="en-US" sz="2800" dirty="0">
                 <a:solidFill>
                   <a:schemeClr val="tx1">
                     <a:lumMod val="75000"/>
@@ -12717,42 +12053,9 @@
                 <a:latin typeface="微软雅黑" panose="020B0503020204020204" pitchFamily="34" charset="-122"/>
                 <a:ea typeface="微软雅黑" panose="020B0503020204020204" pitchFamily="34" charset="-122"/>
               </a:rPr>
-              <a:t>系统吞吐量高</a:t>
-            </a:r>
-          </a:p>
-          <a:p>
-            <a:pPr lvl="1" eaLnBrk="1">
-              <a:spcBef>
-                <a:spcPts val="0"/>
-              </a:spcBef>
-            </a:pPr>
-            <a:r>
-              <a:rPr lang="zh-CN" altLang="en-US" sz="2800">
-                <a:solidFill>
-                  <a:schemeClr val="tx1">
-                    <a:lumMod val="75000"/>
-                    <a:lumOff val="25000"/>
-                  </a:schemeClr>
-                </a:solidFill>
-                <a:latin typeface="微软雅黑" panose="020B0503020204020204" pitchFamily="34" charset="-122"/>
-                <a:ea typeface="微软雅黑" panose="020B0503020204020204" pitchFamily="34" charset="-122"/>
-              </a:rPr>
-              <a:t>处理机利用率</a:t>
-            </a:r>
-            <a:r>
-              <a:rPr lang="zh-CN" altLang="en-US" sz="2800" smtClean="0">
-                <a:solidFill>
-                  <a:schemeClr val="tx1">
-                    <a:lumMod val="75000"/>
-                    <a:lumOff val="25000"/>
-                  </a:schemeClr>
-                </a:solidFill>
-                <a:latin typeface="微软雅黑" panose="020B0503020204020204" pitchFamily="34" charset="-122"/>
-                <a:ea typeface="微软雅黑" panose="020B0503020204020204" pitchFamily="34" charset="-122"/>
-              </a:rPr>
-              <a:t>好</a:t>
-            </a:r>
-            <a:endParaRPr lang="en-US" altLang="zh-CN" sz="2800" smtClean="0">
+              <a:t>处理机利用率好</a:t>
+            </a:r>
+            <a:endParaRPr lang="en-US" altLang="zh-CN" sz="2800" dirty="0">
               <a:solidFill>
                 <a:schemeClr val="tx1">
                   <a:lumMod val="75000"/>
@@ -12772,7 +12075,7 @@
               <a:buAutoNum type="arabicPeriod" startAt="2"/>
             </a:pPr>
             <a:r>
-              <a:rPr lang="zh-CN" altLang="en-US" sz="3200">
+              <a:rPr lang="zh-CN" altLang="en-US" sz="3200" dirty="0">
                 <a:solidFill>
                   <a:schemeClr val="tx1">
                     <a:lumMod val="75000"/>
@@ -12792,7 +12095,7 @@
               </a:spcBef>
             </a:pPr>
             <a:r>
-              <a:rPr lang="zh-CN" altLang="en-US" sz="2800">
+              <a:rPr lang="zh-CN" altLang="en-US" sz="2800" dirty="0">
                 <a:solidFill>
                   <a:schemeClr val="tx1">
                     <a:lumMod val="75000"/>
@@ -12802,31 +12105,8 @@
                 <a:latin typeface="微软雅黑" panose="020B0503020204020204" pitchFamily="34" charset="-122"/>
                 <a:ea typeface="微软雅黑" panose="020B0503020204020204" pitchFamily="34" charset="-122"/>
               </a:rPr>
-              <a:t>响应时间快：      </a:t>
-            </a:r>
-            <a:r>
-              <a:rPr lang="zh-CN" altLang="en-US" sz="2800" smtClean="0">
-                <a:solidFill>
-                  <a:schemeClr val="tx1">
-                    <a:lumMod val="75000"/>
-                    <a:lumOff val="25000"/>
-                  </a:schemeClr>
-                </a:solidFill>
-                <a:latin typeface="微软雅黑" panose="020B0503020204020204" pitchFamily="34" charset="-122"/>
-                <a:ea typeface="微软雅黑" panose="020B0503020204020204" pitchFamily="34" charset="-122"/>
-              </a:rPr>
-              <a:t>响应时间</a:t>
-            </a:r>
-            <a:endParaRPr lang="zh-CN" altLang="en-US" sz="2800">
-              <a:solidFill>
-                <a:schemeClr val="tx1">
-                  <a:lumMod val="75000"/>
-                  <a:lumOff val="25000"/>
-                </a:schemeClr>
-              </a:solidFill>
-              <a:latin typeface="微软雅黑" panose="020B0503020204020204" pitchFamily="34" charset="-122"/>
-              <a:ea typeface="微软雅黑" panose="020B0503020204020204" pitchFamily="34" charset="-122"/>
-            </a:endParaRPr>
+              <a:t>响应时间快：      响应时间</a:t>
+            </a:r>
           </a:p>
           <a:p>
             <a:pPr lvl="1" eaLnBrk="1">
@@ -12835,7 +12115,7 @@
               </a:spcBef>
             </a:pPr>
             <a:r>
-              <a:rPr lang="zh-CN" altLang="en-US" sz="2800">
+              <a:rPr lang="zh-CN" altLang="en-US" sz="2800" dirty="0">
                 <a:solidFill>
                   <a:schemeClr val="tx1">
                     <a:lumMod val="75000"/>
@@ -12857,22 +12137,13 @@
               <a:buAutoNum type="arabicPeriod" startAt="2"/>
             </a:pPr>
             <a:r>
-              <a:rPr lang="zh-CN" altLang="en-US" sz="3200" smtClean="0">
+              <a:rPr lang="zh-CN" altLang="en-US" sz="3200" dirty="0">
                 <a:solidFill>
                   <a:schemeClr val="tx2"/>
                 </a:solidFill>
                 <a:latin typeface="Tahoma" panose="020B0604030504040204" pitchFamily="34" charset="0"/>
               </a:rPr>
-              <a:t>实时系统</a:t>
-            </a:r>
-            <a:r>
-              <a:rPr lang="zh-CN" altLang="en-US" sz="3200">
-                <a:solidFill>
-                  <a:schemeClr val="tx2"/>
-                </a:solidFill>
-                <a:latin typeface="Tahoma" panose="020B0604030504040204" pitchFamily="34" charset="0"/>
-              </a:rPr>
-              <a:t>的目标</a:t>
+              <a:t>实时系统的目标</a:t>
             </a:r>
           </a:p>
           <a:p>
@@ -12882,7 +12153,7 @@
               </a:spcBef>
             </a:pPr>
             <a:r>
-              <a:rPr lang="zh-CN" altLang="en-US" sz="2800">
+              <a:rPr lang="zh-CN" altLang="en-US" sz="2800" dirty="0">
                 <a:solidFill>
                   <a:schemeClr val="tx1">
                     <a:lumMod val="75000"/>
@@ -12902,7 +12173,7 @@
               </a:spcBef>
             </a:pPr>
             <a:r>
-              <a:rPr lang="zh-CN" altLang="en-US" sz="2800">
+              <a:rPr lang="zh-CN" altLang="en-US" sz="2800" dirty="0">
                 <a:solidFill>
                   <a:schemeClr val="tx1">
                     <a:lumMod val="75000"/>
@@ -12912,31 +12183,8 @@
                 <a:latin typeface="微软雅黑" panose="020B0503020204020204" pitchFamily="34" charset="-122"/>
                 <a:ea typeface="微软雅黑" panose="020B0503020204020204" pitchFamily="34" charset="-122"/>
               </a:rPr>
-              <a:t>可</a:t>
-            </a:r>
-            <a:r>
-              <a:rPr lang="zh-CN" altLang="en-US" sz="2800" smtClean="0">
-                <a:solidFill>
-                  <a:schemeClr val="tx1">
-                    <a:lumMod val="75000"/>
-                    <a:lumOff val="25000"/>
-                  </a:schemeClr>
-                </a:solidFill>
-                <a:latin typeface="微软雅黑" panose="020B0503020204020204" pitchFamily="34" charset="-122"/>
-                <a:ea typeface="微软雅黑" panose="020B0503020204020204" pitchFamily="34" charset="-122"/>
-              </a:rPr>
-              <a:t>预测性</a:t>
-            </a:r>
-            <a:endParaRPr lang="zh-CN" altLang="en-US" sz="2800">
-              <a:solidFill>
-                <a:schemeClr val="tx1">
-                  <a:lumMod val="75000"/>
-                  <a:lumOff val="25000"/>
-                </a:schemeClr>
-              </a:solidFill>
-              <a:latin typeface="微软雅黑" panose="020B0503020204020204" pitchFamily="34" charset="-122"/>
-              <a:ea typeface="微软雅黑" panose="020B0503020204020204" pitchFamily="34" charset="-122"/>
-            </a:endParaRPr>
+              <a:t>可预测性</a:t>
+            </a:r>
           </a:p>
           <a:p>
             <a:pPr lvl="1" eaLnBrk="1">
@@ -12944,7 +12192,7 @@
                 <a:spcPts val="600"/>
               </a:spcBef>
             </a:pPr>
-            <a:endParaRPr lang="zh-CN" altLang="en-US" sz="3200">
+            <a:endParaRPr lang="zh-CN" altLang="en-US" sz="3200" dirty="0">
               <a:solidFill>
                 <a:schemeClr val="tx1">
                   <a:lumMod val="75000"/>
@@ -12979,13 +12227,6 @@
       </p:transition>
     </mc:Fallback>
   </mc:AlternateContent>
-  <p:timing>
-    <p:tnLst>
-      <p:par>
-        <p:cTn id="1" dur="indefinite" restart="never" nodeType="tmRoot"/>
-      </p:par>
-    </p:tnLst>
-  </p:timing>
 </p:sld>
 </file>
 
@@ -13093,33 +12334,7 @@
                 <a:latin typeface="微软雅黑" panose="020B0503020204020204" pitchFamily="34" charset="-122"/>
                 <a:ea typeface="微软雅黑" panose="020B0503020204020204" pitchFamily="34" charset="-122"/>
               </a:rPr>
-              <a:t>分配给处于就绪队列中的进程，并将该进程从就绪态转换到</a:t>
-            </a:r>
-            <a:r>
-              <a:rPr lang="zh-CN" altLang="en-US" sz="3200" smtClean="0">
-                <a:solidFill>
-                  <a:schemeClr val="tx1">
-                    <a:lumMod val="75000"/>
-                    <a:lumOff val="25000"/>
-                  </a:schemeClr>
-                </a:solidFill>
-                <a:latin typeface="微软雅黑" panose="020B0503020204020204" pitchFamily="34" charset="-122"/>
-                <a:ea typeface="微软雅黑" panose="020B0503020204020204" pitchFamily="34" charset="-122"/>
-              </a:rPr>
-              <a:t>运行状态</a:t>
-            </a:r>
-            <a:r>
-              <a:rPr lang="zh-CN" altLang="en-US" sz="3200">
-                <a:solidFill>
-                  <a:schemeClr val="tx1">
-                    <a:lumMod val="75000"/>
-                    <a:lumOff val="25000"/>
-                  </a:schemeClr>
-                </a:solidFill>
-                <a:latin typeface="微软雅黑" panose="020B0503020204020204" pitchFamily="34" charset="-122"/>
-                <a:ea typeface="微软雅黑" panose="020B0503020204020204" pitchFamily="34" charset="-122"/>
-              </a:rPr>
-              <a:t>。</a:t>
+              <a:t>分配给处于就绪队列中的进程，并将该进程从就绪态转换到运行状态。</a:t>
             </a:r>
           </a:p>
           <a:p>
@@ -13304,13 +12519,6 @@
       </p:transition>
     </mc:Fallback>
   </mc:AlternateContent>
-  <p:timing>
-    <p:tnLst>
-      <p:par>
-        <p:cTn id="1" dur="indefinite" restart="never" nodeType="tmRoot"/>
-      </p:par>
-    </p:tnLst>
-  </p:timing>
 </p:sld>
 </file>
 
@@ -13475,22 +12683,9 @@
                 <a:latin typeface="微软雅黑" panose="020B0503020204020204" pitchFamily="34" charset="-122"/>
                 <a:ea typeface="微软雅黑" panose="020B0503020204020204" pitchFamily="34" charset="-122"/>
               </a:rPr>
-              <a:t>的</a:t>
-            </a:r>
-            <a:r>
-              <a:rPr lang="zh-CN" altLang="en-US" sz="4000" smtClean="0">
-                <a:solidFill>
-                  <a:schemeClr val="tx1">
-                    <a:lumMod val="75000"/>
-                    <a:lumOff val="25000"/>
-                  </a:schemeClr>
-                </a:solidFill>
-                <a:latin typeface="微软雅黑" panose="020B0503020204020204" pitchFamily="34" charset="-122"/>
-                <a:ea typeface="微软雅黑" panose="020B0503020204020204" pitchFamily="34" charset="-122"/>
-              </a:rPr>
-              <a:t>管理</a:t>
-            </a:r>
-            <a:endParaRPr lang="en-US" altLang="zh-CN" sz="4000" smtClean="0">
+              <a:t>的管理</a:t>
+            </a:r>
+            <a:endParaRPr lang="en-US" altLang="zh-CN" sz="4000">
               <a:solidFill>
                 <a:schemeClr val="tx1">
                   <a:lumMod val="75000"/>
@@ -13510,7 +12705,7 @@
               <a:buChar char="Ø"/>
             </a:pPr>
             <a:r>
-              <a:rPr lang="zh-CN" altLang="en-US" sz="4000" smtClean="0">
+              <a:rPr lang="zh-CN" altLang="en-US" sz="4000">
                 <a:solidFill>
                   <a:schemeClr val="tx1">
                     <a:lumMod val="75000"/>
@@ -13591,15 +12786,7 @@
           <a:p>
             <a:r>
               <a:rPr lang="zh-CN" altLang="en-US"/>
-              <a:t>先来先服务</a:t>
-            </a:r>
-            <a:r>
-              <a:rPr lang="zh-CN" altLang="en-US" smtClean="0"/>
-              <a:t>调度的</a:t>
-            </a:r>
-            <a:r>
-              <a:rPr lang="zh-CN" altLang="en-US"/>
-              <a:t>例子</a:t>
+              <a:t>先来先服务调度的例子</a:t>
             </a:r>
           </a:p>
         </p:txBody>
@@ -13817,23 +13004,10 @@
                 <a:latin typeface="微软雅黑" panose="020B0503020204020204" pitchFamily="34" charset="-122"/>
                 <a:ea typeface="微软雅黑" panose="020B0503020204020204" pitchFamily="34" charset="-122"/>
               </a:rPr>
-              <a:t>周转时间</a:t>
-            </a:r>
-            <a:r>
-              <a:rPr lang="zh-CN" altLang="en-US" sz="2800" smtClean="0">
-                <a:solidFill>
-                  <a:schemeClr val="tx1">
-                    <a:lumMod val="85000"/>
-                    <a:lumOff val="15000"/>
-                  </a:schemeClr>
-                </a:solidFill>
-                <a:latin typeface="微软雅黑" panose="020B0503020204020204" pitchFamily="34" charset="-122"/>
-                <a:ea typeface="微软雅黑" panose="020B0503020204020204" pitchFamily="34" charset="-122"/>
-              </a:rPr>
-              <a:t>：</a:t>
-            </a:r>
-            <a:r>
-              <a:rPr lang="en-US" altLang="zh-CN" sz="2800" smtClean="0">
+              <a:t>周转时间：</a:t>
+            </a:r>
+            <a:r>
+              <a:rPr lang="en-US" altLang="zh-CN" sz="2800">
                 <a:solidFill>
                   <a:schemeClr val="tx1">
                     <a:lumMod val="85000"/>
@@ -14028,23 +13202,10 @@
                 <a:latin typeface="微软雅黑" panose="020B0503020204020204" pitchFamily="34" charset="-122"/>
                 <a:ea typeface="微软雅黑" panose="020B0503020204020204" pitchFamily="34" charset="-122"/>
               </a:rPr>
-              <a:t>时间片</a:t>
-            </a:r>
-            <a:r>
-              <a:rPr lang="zh-CN" altLang="en-US" sz="2400" smtClean="0">
-                <a:solidFill>
-                  <a:schemeClr val="tx1">
-                    <a:lumMod val="85000"/>
-                    <a:lumOff val="15000"/>
-                  </a:schemeClr>
-                </a:solidFill>
-                <a:latin typeface="微软雅黑" panose="020B0503020204020204" pitchFamily="34" charset="-122"/>
-                <a:ea typeface="微软雅黑" panose="020B0503020204020204" pitchFamily="34" charset="-122"/>
-              </a:rPr>
-              <a:t>：</a:t>
-            </a:r>
-            <a:r>
-              <a:rPr lang="en-US" altLang="zh-CN" sz="2400" smtClean="0">
+              <a:t>时间片：</a:t>
+            </a:r>
+            <a:r>
+              <a:rPr lang="en-US" altLang="zh-CN" sz="2400">
                 <a:solidFill>
                   <a:schemeClr val="tx1">
                     <a:lumMod val="85000"/>
@@ -14084,9 +13245,7 @@
           <p:cNvGraphicFramePr>
             <a:graphicFrameLocks noGrp="1"/>
           </p:cNvGraphicFramePr>
-          <p:nvPr>
-            <p:extLst/>
-          </p:nvPr>
+          <p:nvPr/>
         </p:nvGraphicFramePr>
         <p:xfrm>
           <a:off x="1402337" y="3356053"/>
@@ -14157,7 +13316,7 @@
                     <a:p>
                       <a:pPr algn="ctr"/>
                       <a:r>
-                        <a:rPr lang="zh-CN" altLang="en-US" sz="2000" b="0" smtClean="0">
+                        <a:rPr lang="zh-CN" altLang="en-US" sz="2000" b="0">
                           <a:solidFill>
                             <a:schemeClr val="tx1">
                               <a:lumMod val="85000"/>
@@ -14169,16 +13328,6 @@
                         </a:rPr>
                         <a:t>进程</a:t>
                       </a:r>
-                      <a:endParaRPr lang="zh-CN" altLang="en-US" sz="2000" b="0">
-                        <a:solidFill>
-                          <a:schemeClr val="tx1">
-                            <a:lumMod val="85000"/>
-                            <a:lumOff val="15000"/>
-                          </a:schemeClr>
-                        </a:solidFill>
-                        <a:latin typeface="微软雅黑" panose="020B0503020204020204" pitchFamily="34" charset="-122"/>
-                        <a:ea typeface="微软雅黑" panose="020B0503020204020204" pitchFamily="34" charset="-122"/>
-                      </a:endParaRPr>
                     </a:p>
                   </a:txBody>
                   <a:tcPr marL="91445" marR="91445" marT="45721" marB="45721" anchor="ctr">
@@ -14238,7 +13387,7 @@
                     <a:p>
                       <a:pPr algn="ctr"/>
                       <a:r>
-                        <a:rPr lang="zh-CN" altLang="en-US" sz="2000" b="0" smtClean="0">
+                        <a:rPr lang="zh-CN" altLang="en-US" sz="2000" b="0">
                           <a:solidFill>
                             <a:schemeClr val="tx1">
                               <a:lumMod val="85000"/>
@@ -14250,16 +13399,6 @@
                         </a:rPr>
                         <a:t>到达时间</a:t>
                       </a:r>
-                      <a:endParaRPr lang="zh-CN" altLang="en-US" sz="2000" b="0">
-                        <a:solidFill>
-                          <a:schemeClr val="tx1">
-                            <a:lumMod val="85000"/>
-                            <a:lumOff val="15000"/>
-                          </a:schemeClr>
-                        </a:solidFill>
-                        <a:latin typeface="微软雅黑" panose="020B0503020204020204" pitchFamily="34" charset="-122"/>
-                        <a:ea typeface="微软雅黑" panose="020B0503020204020204" pitchFamily="34" charset="-122"/>
-                      </a:endParaRPr>
                     </a:p>
                   </a:txBody>
                   <a:tcPr marL="91445" marR="91445" marT="45721" marB="45721" anchor="ctr">
@@ -14316,7 +13455,7 @@
                     <a:p>
                       <a:pPr algn="ctr"/>
                       <a:r>
-                        <a:rPr lang="zh-CN" altLang="en-US" sz="2000" b="0" smtClean="0">
+                        <a:rPr lang="zh-CN" altLang="en-US" sz="2000" b="0">
                           <a:solidFill>
                             <a:schemeClr val="tx1">
                               <a:lumMod val="85000"/>
@@ -14328,16 +13467,6 @@
                         </a:rPr>
                         <a:t>执行时间</a:t>
                       </a:r>
-                      <a:endParaRPr lang="zh-CN" altLang="en-US" sz="2000" b="0">
-                        <a:solidFill>
-                          <a:schemeClr val="tx1">
-                            <a:lumMod val="85000"/>
-                            <a:lumOff val="15000"/>
-                          </a:schemeClr>
-                        </a:solidFill>
-                        <a:latin typeface="微软雅黑" panose="020B0503020204020204" pitchFamily="34" charset="-122"/>
-                        <a:ea typeface="微软雅黑" panose="020B0503020204020204" pitchFamily="34" charset="-122"/>
-                      </a:endParaRPr>
                     </a:p>
                   </a:txBody>
                   <a:tcPr marL="91445" marR="91445" marT="45721" marB="45721" anchor="ctr">
@@ -14397,7 +13526,7 @@
                     <a:p>
                       <a:pPr algn="ctr"/>
                       <a:r>
-                        <a:rPr lang="zh-CN" altLang="en-US" sz="2000" b="0" smtClean="0">
+                        <a:rPr lang="zh-CN" altLang="en-US" sz="2000" b="0">
                           <a:solidFill>
                             <a:schemeClr val="tx1">
                               <a:lumMod val="85000"/>
@@ -14409,16 +13538,6 @@
                         </a:rPr>
                         <a:t>开始时间</a:t>
                       </a:r>
-                      <a:endParaRPr lang="zh-CN" altLang="en-US" sz="2000" b="0">
-                        <a:solidFill>
-                          <a:schemeClr val="tx1">
-                            <a:lumMod val="85000"/>
-                            <a:lumOff val="15000"/>
-                          </a:schemeClr>
-                        </a:solidFill>
-                        <a:latin typeface="微软雅黑" panose="020B0503020204020204" pitchFamily="34" charset="-122"/>
-                        <a:ea typeface="微软雅黑" panose="020B0503020204020204" pitchFamily="34" charset="-122"/>
-                      </a:endParaRPr>
                     </a:p>
                   </a:txBody>
                   <a:tcPr marL="91445" marR="91445" marT="45721" marB="45721" anchor="ctr">
@@ -14478,7 +13597,7 @@
                     <a:p>
                       <a:pPr algn="ctr"/>
                       <a:r>
-                        <a:rPr lang="zh-CN" altLang="en-US" sz="2000" b="0" smtClean="0">
+                        <a:rPr lang="zh-CN" altLang="en-US" sz="2000" b="0">
                           <a:solidFill>
                             <a:schemeClr val="tx1">
                               <a:lumMod val="85000"/>
@@ -14490,16 +13609,6 @@
                         </a:rPr>
                         <a:t>结束时间</a:t>
                       </a:r>
-                      <a:endParaRPr lang="zh-CN" altLang="en-US" sz="2000" b="0">
-                        <a:solidFill>
-                          <a:schemeClr val="tx1">
-                            <a:lumMod val="85000"/>
-                            <a:lumOff val="15000"/>
-                          </a:schemeClr>
-                        </a:solidFill>
-                        <a:latin typeface="微软雅黑" panose="020B0503020204020204" pitchFamily="34" charset="-122"/>
-                        <a:ea typeface="微软雅黑" panose="020B0503020204020204" pitchFamily="34" charset="-122"/>
-                      </a:endParaRPr>
                     </a:p>
                   </a:txBody>
                   <a:tcPr marL="91445" marR="91445" marT="45721" marB="45721" anchor="ctr">
@@ -14556,7 +13665,7 @@
                     <a:p>
                       <a:pPr algn="ctr"/>
                       <a:r>
-                        <a:rPr lang="zh-CN" altLang="en-US" sz="2000" b="0" smtClean="0">
+                        <a:rPr lang="zh-CN" altLang="en-US" sz="2000" b="0">
                           <a:solidFill>
                             <a:schemeClr val="tx1">
                               <a:lumMod val="85000"/>
@@ -14568,16 +13677,6 @@
                         </a:rPr>
                         <a:t>周转时间</a:t>
                       </a:r>
-                      <a:endParaRPr lang="zh-CN" altLang="en-US" sz="2000" b="0">
-                        <a:solidFill>
-                          <a:schemeClr val="tx1">
-                            <a:lumMod val="85000"/>
-                            <a:lumOff val="15000"/>
-                          </a:schemeClr>
-                        </a:solidFill>
-                        <a:latin typeface="微软雅黑" panose="020B0503020204020204" pitchFamily="34" charset="-122"/>
-                        <a:ea typeface="微软雅黑" panose="020B0503020204020204" pitchFamily="34" charset="-122"/>
-                      </a:endParaRPr>
                     </a:p>
                   </a:txBody>
                   <a:tcPr marL="91445" marR="91445" marT="45721" marB="45721" anchor="ctr">
@@ -14644,7 +13743,7 @@
                     <a:p>
                       <a:pPr algn="ctr"/>
                       <a:r>
-                        <a:rPr lang="en-US" altLang="zh-CN" sz="2400" smtClean="0">
+                        <a:rPr lang="en-US" altLang="zh-CN" sz="2400">
                           <a:solidFill>
                             <a:schemeClr val="tx1">
                               <a:lumMod val="85000"/>
@@ -14720,7 +13819,7 @@
                     <a:p>
                       <a:pPr algn="ctr"/>
                       <a:r>
-                        <a:rPr lang="en-US" altLang="zh-CN" sz="2400" smtClean="0">
+                        <a:rPr lang="en-US" altLang="zh-CN" sz="2400">
                           <a:solidFill>
                             <a:schemeClr val="tx1">
                               <a:lumMod val="85000"/>
@@ -14793,7 +13892,7 @@
                     <a:p>
                       <a:pPr algn="ctr"/>
                       <a:r>
-                        <a:rPr lang="en-US" altLang="zh-CN" sz="2400" smtClean="0">
+                        <a:rPr lang="en-US" altLang="zh-CN" sz="2400">
                           <a:solidFill>
                             <a:schemeClr val="tx1">
                               <a:lumMod val="85000"/>
@@ -15062,7 +14161,7 @@
                     <a:p>
                       <a:pPr algn="ctr"/>
                       <a:r>
-                        <a:rPr lang="en-US" altLang="zh-CN" sz="2400" smtClean="0">
+                        <a:rPr lang="en-US" altLang="zh-CN" sz="2400">
                           <a:solidFill>
                             <a:schemeClr val="tx1">
                               <a:lumMod val="85000"/>
@@ -15138,7 +14237,7 @@
                     <a:p>
                       <a:pPr algn="ctr"/>
                       <a:r>
-                        <a:rPr lang="en-US" altLang="zh-CN" sz="2400" smtClean="0">
+                        <a:rPr lang="en-US" altLang="zh-CN" sz="2400">
                           <a:solidFill>
                             <a:schemeClr val="tx1">
                               <a:lumMod val="85000"/>
@@ -15211,7 +14310,7 @@
                     <a:p>
                       <a:pPr algn="ctr"/>
                       <a:r>
-                        <a:rPr lang="en-US" altLang="zh-CN" sz="2400" smtClean="0">
+                        <a:rPr lang="en-US" altLang="zh-CN" sz="2400">
                           <a:solidFill>
                             <a:schemeClr val="tx1">
                               <a:lumMod val="85000"/>
@@ -15480,7 +14579,7 @@
                     <a:p>
                       <a:pPr algn="ctr"/>
                       <a:r>
-                        <a:rPr lang="en-US" altLang="zh-CN" sz="2400" smtClean="0">
+                        <a:rPr lang="en-US" altLang="zh-CN" sz="2400">
                           <a:solidFill>
                             <a:schemeClr val="tx1">
                               <a:lumMod val="85000"/>
@@ -15556,7 +14655,7 @@
                     <a:p>
                       <a:pPr algn="ctr"/>
                       <a:r>
-                        <a:rPr lang="en-US" altLang="zh-CN" sz="2400" smtClean="0">
+                        <a:rPr lang="en-US" altLang="zh-CN" sz="2400">
                           <a:solidFill>
                             <a:schemeClr val="tx1">
                               <a:lumMod val="85000"/>
@@ -15629,7 +14728,7 @@
                     <a:p>
                       <a:pPr algn="ctr"/>
                       <a:r>
-                        <a:rPr lang="en-US" altLang="zh-CN" sz="2400" smtClean="0">
+                        <a:rPr lang="en-US" altLang="zh-CN" sz="2400">
                           <a:solidFill>
                             <a:schemeClr val="tx1">
                               <a:lumMod val="85000"/>
@@ -15898,7 +14997,7 @@
                     <a:p>
                       <a:pPr algn="ctr"/>
                       <a:r>
-                        <a:rPr lang="en-US" altLang="zh-CN" sz="2400" smtClean="0">
+                        <a:rPr lang="en-US" altLang="zh-CN" sz="2400">
                           <a:solidFill>
                             <a:schemeClr val="tx1">
                               <a:lumMod val="85000"/>
@@ -15980,7 +15079,7 @@
                     <a:p>
                       <a:pPr algn="ctr"/>
                       <a:r>
-                        <a:rPr lang="en-US" altLang="zh-CN" sz="2400" smtClean="0">
+                        <a:rPr lang="en-US" altLang="zh-CN" sz="2400">
                           <a:solidFill>
                             <a:schemeClr val="tx1">
                               <a:lumMod val="85000"/>
@@ -16059,7 +15158,7 @@
                     <a:p>
                       <a:pPr algn="ctr"/>
                       <a:r>
-                        <a:rPr lang="en-US" altLang="zh-CN" sz="2400" smtClean="0">
+                        <a:rPr lang="en-US" altLang="zh-CN" sz="2400">
                           <a:solidFill>
                             <a:schemeClr val="tx1">
                               <a:lumMod val="85000"/>
@@ -16899,7 +15998,7 @@
             <a:p>
               <a:pPr algn="ctr"/>
               <a:r>
-                <a:rPr lang="en-US" altLang="zh-CN" smtClean="0">
+                <a:rPr lang="en-US" altLang="zh-CN">
                   <a:solidFill>
                     <a:schemeClr val="tx1">
                       <a:lumMod val="85000"/>
@@ -16965,7 +16064,7 @@
             <a:p>
               <a:pPr algn="ctr"/>
               <a:r>
-                <a:rPr lang="en-US" altLang="zh-CN" smtClean="0">
+                <a:rPr lang="en-US" altLang="zh-CN">
                   <a:solidFill>
                     <a:schemeClr val="tx1">
                       <a:lumMod val="85000"/>
@@ -17031,7 +16130,7 @@
             <a:p>
               <a:pPr algn="ctr"/>
               <a:r>
-                <a:rPr lang="en-US" altLang="zh-CN" smtClean="0">
+                <a:rPr lang="en-US" altLang="zh-CN">
                   <a:solidFill>
                     <a:schemeClr val="tx1">
                       <a:lumMod val="85000"/>
@@ -17097,7 +16196,7 @@
             <a:p>
               <a:pPr algn="ctr"/>
               <a:r>
-                <a:rPr lang="en-US" altLang="zh-CN" smtClean="0">
+                <a:rPr lang="en-US" altLang="zh-CN">
                   <a:solidFill>
                     <a:schemeClr val="tx1">
                       <a:lumMod val="85000"/>
@@ -17163,7 +16262,7 @@
             <a:p>
               <a:pPr algn="ctr"/>
               <a:r>
-                <a:rPr lang="en-US" altLang="zh-CN" smtClean="0">
+                <a:rPr lang="en-US" altLang="zh-CN">
                   <a:solidFill>
                     <a:schemeClr val="tx1">
                       <a:lumMod val="85000"/>
@@ -17229,7 +16328,7 @@
             <a:p>
               <a:pPr algn="ctr"/>
               <a:r>
-                <a:rPr lang="en-US" altLang="zh-CN" smtClean="0">
+                <a:rPr lang="en-US" altLang="zh-CN">
                   <a:solidFill>
                     <a:schemeClr val="tx1">
                       <a:lumMod val="85000"/>
@@ -17295,7 +16394,7 @@
             <a:p>
               <a:pPr algn="ctr"/>
               <a:r>
-                <a:rPr lang="en-US" altLang="zh-CN" smtClean="0">
+                <a:rPr lang="en-US" altLang="zh-CN">
                   <a:solidFill>
                     <a:schemeClr val="tx1">
                       <a:lumMod val="85000"/>
@@ -17361,7 +16460,7 @@
             <a:p>
               <a:pPr algn="ctr"/>
               <a:r>
-                <a:rPr lang="en-US" altLang="zh-CN" smtClean="0">
+                <a:rPr lang="en-US" altLang="zh-CN">
                   <a:solidFill>
                     <a:schemeClr val="tx1">
                       <a:lumMod val="85000"/>
@@ -17427,7 +16526,7 @@
             <a:p>
               <a:pPr algn="ctr"/>
               <a:r>
-                <a:rPr lang="en-US" altLang="zh-CN" smtClean="0">
+                <a:rPr lang="en-US" altLang="zh-CN">
                   <a:solidFill>
                     <a:schemeClr val="tx1">
                       <a:lumMod val="85000"/>
@@ -17493,7 +16592,7 @@
             <a:p>
               <a:pPr algn="ctr"/>
               <a:r>
-                <a:rPr lang="en-US" altLang="zh-CN" smtClean="0">
+                <a:rPr lang="en-US" altLang="zh-CN">
                   <a:solidFill>
                     <a:schemeClr val="tx1">
                       <a:lumMod val="85000"/>
@@ -17559,7 +16658,7 @@
             <a:p>
               <a:pPr algn="ctr"/>
               <a:r>
-                <a:rPr lang="en-US" altLang="zh-CN" smtClean="0">
+                <a:rPr lang="en-US" altLang="zh-CN">
                   <a:solidFill>
                     <a:schemeClr val="tx1">
                       <a:lumMod val="85000"/>
@@ -17925,7 +17024,7 @@
           <a:p>
             <a:pPr algn="ctr"/>
             <a:r>
-              <a:rPr lang="en-US" altLang="zh-CN" smtClean="0">
+              <a:rPr lang="en-US" altLang="zh-CN">
                 <a:solidFill>
                   <a:schemeClr val="tx1">
                     <a:lumMod val="85000"/>
@@ -17998,7 +17097,7 @@
           <a:p>
             <a:pPr algn="ctr"/>
             <a:r>
-              <a:rPr lang="en-US" altLang="zh-CN" smtClean="0">
+              <a:rPr lang="en-US" altLang="zh-CN">
                 <a:solidFill>
                   <a:schemeClr val="tx1">
                     <a:lumMod val="85000"/>
@@ -18342,7 +17441,7 @@
           <a:p>
             <a:pPr algn="r"/>
             <a:r>
-              <a:rPr lang="zh-CN" altLang="en-US" sz="2400" smtClean="0">
+              <a:rPr lang="zh-CN" altLang="en-US" sz="2400">
                 <a:solidFill>
                   <a:schemeClr val="tx1">
                     <a:lumMod val="85000"/>
@@ -18354,7 +17453,7 @@
               </a:rPr>
               <a:t>时间片：</a:t>
             </a:r>
-            <a:endParaRPr lang="en-US" altLang="zh-CN" sz="2400" smtClean="0">
+            <a:endParaRPr lang="en-US" altLang="zh-CN" sz="2400">
               <a:solidFill>
                 <a:schemeClr val="tx1">
                   <a:lumMod val="85000"/>
@@ -18372,7 +17471,7 @@
               </a:spcBef>
             </a:pPr>
             <a:r>
-              <a:rPr lang="zh-CN" altLang="en-US" sz="2400" smtClean="0">
+              <a:rPr lang="zh-CN" altLang="en-US" sz="2400">
                 <a:solidFill>
                   <a:schemeClr val="tx1">
                     <a:lumMod val="85000"/>
@@ -18384,16 +17483,6 @@
               </a:rPr>
               <a:t>时刻：</a:t>
             </a:r>
-            <a:endParaRPr lang="zh-CN" altLang="en-US" sz="2400">
-              <a:solidFill>
-                <a:schemeClr val="tx1">
-                  <a:lumMod val="85000"/>
-                  <a:lumOff val="15000"/>
-                </a:schemeClr>
-              </a:solidFill>
-              <a:latin typeface="微软雅黑" panose="020B0503020204020204" pitchFamily="34" charset="-122"/>
-              <a:ea typeface="微软雅黑" panose="020B0503020204020204" pitchFamily="34" charset="-122"/>
-            </a:endParaRPr>
           </a:p>
         </p:txBody>
       </p:sp>
@@ -18430,20 +17519,7 @@
                 <a:latin typeface="微软雅黑" panose="020B0503020204020204" pitchFamily="34" charset="-122"/>
                 <a:ea typeface="微软雅黑" panose="020B0503020204020204" pitchFamily="34" charset="-122"/>
               </a:rPr>
-              <a:t> </a:t>
-            </a:r>
-            <a:r>
-              <a:rPr lang="en-US" altLang="zh-CN" sz="2400" smtClean="0">
-                <a:solidFill>
-                  <a:schemeClr val="tx1">
-                    <a:lumMod val="85000"/>
-                    <a:lumOff val="15000"/>
-                  </a:schemeClr>
-                </a:solidFill>
-                <a:latin typeface="微软雅黑" panose="020B0503020204020204" pitchFamily="34" charset="-122"/>
-                <a:ea typeface="微软雅黑" panose="020B0503020204020204" pitchFamily="34" charset="-122"/>
-              </a:rPr>
-              <a:t> 0</a:t>
+              <a:t>  0</a:t>
             </a:r>
             <a:endParaRPr lang="zh-CN" altLang="en-US" sz="2400">
               <a:solidFill>
@@ -18481,7 +17557,7 @@
           <a:lstStyle/>
           <a:p>
             <a:r>
-              <a:rPr lang="en-US" altLang="zh-CN" sz="2400" smtClean="0">
+              <a:rPr lang="en-US" altLang="zh-CN" sz="2400">
                 <a:solidFill>
                   <a:schemeClr val="tx1">
                     <a:lumMod val="85000"/>
@@ -18529,7 +17605,7 @@
           <a:lstStyle/>
           <a:p>
             <a:r>
-              <a:rPr lang="en-US" altLang="zh-CN" sz="2400" smtClean="0">
+              <a:rPr lang="en-US" altLang="zh-CN" sz="2400">
                 <a:solidFill>
                   <a:schemeClr val="tx1">
                     <a:lumMod val="85000"/>
@@ -18577,7 +17653,7 @@
           <a:lstStyle/>
           <a:p>
             <a:r>
-              <a:rPr lang="en-US" altLang="zh-CN" sz="2400" smtClean="0">
+              <a:rPr lang="en-US" altLang="zh-CN" sz="2400">
                 <a:solidFill>
                   <a:schemeClr val="tx1">
                     <a:lumMod val="85000"/>
@@ -18625,7 +17701,7 @@
           <a:lstStyle/>
           <a:p>
             <a:r>
-              <a:rPr lang="en-US" altLang="zh-CN" sz="2400" smtClean="0">
+              <a:rPr lang="en-US" altLang="zh-CN" sz="2400">
                 <a:solidFill>
                   <a:schemeClr val="tx1">
                     <a:lumMod val="85000"/>
@@ -18673,7 +17749,7 @@
           <a:lstStyle/>
           <a:p>
             <a:r>
-              <a:rPr lang="en-US" altLang="zh-CN" sz="2400" smtClean="0">
+              <a:rPr lang="en-US" altLang="zh-CN" sz="2400">
                 <a:solidFill>
                   <a:schemeClr val="tx1">
                     <a:lumMod val="85000"/>
@@ -18721,7 +17797,7 @@
           <a:lstStyle/>
           <a:p>
             <a:r>
-              <a:rPr lang="en-US" altLang="zh-CN" sz="2400" smtClean="0">
+              <a:rPr lang="en-US" altLang="zh-CN" sz="2400">
                 <a:solidFill>
                   <a:schemeClr val="tx1">
                     <a:lumMod val="85000"/>
@@ -18769,7 +17845,7 @@
           <a:lstStyle/>
           <a:p>
             <a:r>
-              <a:rPr lang="en-US" altLang="zh-CN" sz="2400" smtClean="0">
+              <a:rPr lang="en-US" altLang="zh-CN" sz="2400">
                 <a:solidFill>
                   <a:schemeClr val="tx1">
                     <a:lumMod val="85000"/>
@@ -18817,7 +17893,7 @@
           <a:lstStyle/>
           <a:p>
             <a:r>
-              <a:rPr lang="en-US" altLang="zh-CN" sz="2400" smtClean="0">
+              <a:rPr lang="en-US" altLang="zh-CN" sz="2400">
                 <a:solidFill>
                   <a:schemeClr val="tx1">
                     <a:lumMod val="85000"/>
@@ -18865,7 +17941,7 @@
           <a:lstStyle/>
           <a:p>
             <a:r>
-              <a:rPr lang="en-US" altLang="zh-CN" sz="2400" smtClean="0">
+              <a:rPr lang="en-US" altLang="zh-CN" sz="2400">
                 <a:solidFill>
                   <a:schemeClr val="tx1">
                     <a:lumMod val="85000"/>
@@ -18913,7 +17989,7 @@
           <a:lstStyle/>
           <a:p>
             <a:r>
-              <a:rPr lang="en-US" altLang="zh-CN" sz="2400" smtClean="0">
+              <a:rPr lang="en-US" altLang="zh-CN" sz="2400">
                 <a:solidFill>
                   <a:schemeClr val="tx1">
                     <a:lumMod val="85000"/>
@@ -18961,7 +18037,7 @@
           <a:lstStyle/>
           <a:p>
             <a:r>
-              <a:rPr lang="en-US" altLang="zh-CN" sz="2400" smtClean="0">
+              <a:rPr lang="en-US" altLang="zh-CN" sz="2400">
                 <a:solidFill>
                   <a:schemeClr val="tx1">
                     <a:lumMod val="85000"/>
@@ -19013,7 +18089,7 @@
           <a:lstStyle/>
           <a:p>
             <a:r>
-              <a:rPr lang="zh-CN" altLang="en-US" sz="3200" smtClean="0">
+              <a:rPr lang="zh-CN" altLang="en-US" sz="3200">
                 <a:solidFill>
                   <a:schemeClr val="tx1">
                     <a:lumMod val="85000"/>
@@ -20326,13 +19402,8 @@
           <a:p>
             <a:r>
               <a:rPr lang="zh-CN" altLang="en-US"/>
-              <a:t>先来先服务</a:t>
-            </a:r>
-            <a:r>
-              <a:rPr lang="zh-CN" altLang="en-US" smtClean="0"/>
-              <a:t>调度算法的特点</a:t>
-            </a:r>
-            <a:endParaRPr lang="zh-CN" altLang="en-US"/>
+              <a:t>先来先服务调度算法的特点</a:t>
+            </a:r>
           </a:p>
         </p:txBody>
       </p:sp>
@@ -20375,10 +19446,10 @@
                 <a:latin typeface="微软雅黑" panose="020B0503020204020204" pitchFamily="34" charset="-122"/>
                 <a:ea typeface="微软雅黑" panose="020B0503020204020204" pitchFamily="34" charset="-122"/>
               </a:rPr>
-              <a:t>先来先服务</a:t>
-            </a:r>
-            <a:r>
-              <a:rPr lang="zh-CN" altLang="en-US" sz="3200" smtClean="0">
+              <a:t>先来先服务调度（</a:t>
+            </a:r>
+            <a:r>
+              <a:rPr lang="en-US" altLang="zh-CN" sz="3200">
                 <a:solidFill>
                   <a:schemeClr val="tx1">
                     <a:lumMod val="75000"/>
@@ -20388,10 +19459,10 @@
                 <a:latin typeface="微软雅黑" panose="020B0503020204020204" pitchFamily="34" charset="-122"/>
                 <a:ea typeface="微软雅黑" panose="020B0503020204020204" pitchFamily="34" charset="-122"/>
               </a:rPr>
-              <a:t>调度（</a:t>
-            </a:r>
-            <a:r>
-              <a:rPr lang="en-US" altLang="zh-CN" sz="3200" smtClean="0">
+              <a:t>FCFS</a:t>
+            </a:r>
+            <a:r>
+              <a:rPr lang="zh-CN" altLang="en-US" sz="3200">
                 <a:solidFill>
                   <a:schemeClr val="tx1">
                     <a:lumMod val="75000"/>
@@ -20401,33 +19472,7 @@
                 <a:latin typeface="微软雅黑" panose="020B0503020204020204" pitchFamily="34" charset="-122"/>
                 <a:ea typeface="微软雅黑" panose="020B0503020204020204" pitchFamily="34" charset="-122"/>
               </a:rPr>
-              <a:t>FCFS</a:t>
-            </a:r>
-            <a:r>
-              <a:rPr lang="zh-CN" altLang="en-US" sz="3200" smtClean="0">
-                <a:solidFill>
-                  <a:schemeClr val="tx1">
-                    <a:lumMod val="75000"/>
-                    <a:lumOff val="25000"/>
-                  </a:schemeClr>
-                </a:solidFill>
-                <a:latin typeface="微软雅黑" panose="020B0503020204020204" pitchFamily="34" charset="-122"/>
-                <a:ea typeface="微软雅黑" panose="020B0503020204020204" pitchFamily="34" charset="-122"/>
-              </a:rPr>
-              <a:t>）调度</a:t>
-            </a:r>
-            <a:r>
-              <a:rPr lang="zh-CN" altLang="en-US" sz="3200">
-                <a:solidFill>
-                  <a:schemeClr val="tx1">
-                    <a:lumMod val="75000"/>
-                    <a:lumOff val="25000"/>
-                  </a:schemeClr>
-                </a:solidFill>
-                <a:latin typeface="微软雅黑" panose="020B0503020204020204" pitchFamily="34" charset="-122"/>
-                <a:ea typeface="微软雅黑" panose="020B0503020204020204" pitchFamily="34" charset="-122"/>
-              </a:rPr>
-              <a:t>算法的特点：</a:t>
+              <a:t>）调度算法的特点：</a:t>
             </a:r>
           </a:p>
           <a:p>
@@ -20441,7 +19486,7 @@
               <a:buNone/>
             </a:pPr>
             <a:r>
-              <a:rPr lang="en-US" altLang="zh-CN" sz="3200" smtClean="0">
+              <a:rPr lang="en-US" altLang="zh-CN" sz="3200">
                 <a:solidFill>
                   <a:schemeClr val="tx1">
                     <a:lumMod val="75000"/>
@@ -20526,7 +19571,7 @@
               </a:spcBef>
             </a:pPr>
             <a:r>
-              <a:rPr lang="en-US" altLang="zh-CN" sz="3200" smtClean="0">
+              <a:rPr lang="en-US" altLang="zh-CN" sz="3200">
                 <a:solidFill>
                   <a:schemeClr val="tx1">
                     <a:lumMod val="75000"/>
@@ -20624,7 +19669,7 @@
               <a:t>I/O</a:t>
             </a:r>
             <a:r>
-              <a:rPr lang="zh-CN" altLang="en-US" sz="3200" smtClean="0">
+              <a:rPr lang="zh-CN" altLang="en-US" sz="3200">
                 <a:solidFill>
                   <a:schemeClr val="tx1">
                     <a:lumMod val="75000"/>
@@ -20636,16 +19681,6 @@
               </a:rPr>
               <a:t>。</a:t>
             </a:r>
-            <a:endParaRPr lang="zh-CN" altLang="en-US" sz="3200">
-              <a:solidFill>
-                <a:schemeClr val="tx1">
-                  <a:lumMod val="75000"/>
-                  <a:lumOff val="25000"/>
-                </a:schemeClr>
-              </a:solidFill>
-              <a:latin typeface="微软雅黑" panose="020B0503020204020204" pitchFamily="34" charset="-122"/>
-              <a:ea typeface="微软雅黑" panose="020B0503020204020204" pitchFamily="34" charset="-122"/>
-            </a:endParaRPr>
           </a:p>
         </p:txBody>
       </p:sp>
@@ -20671,13 +19706,6 @@
       </p:transition>
     </mc:Fallback>
   </mc:AlternateContent>
-  <p:timing>
-    <p:tnLst>
-      <p:par>
-        <p:cTn id="1" dur="indefinite" restart="never" nodeType="tmRoot"/>
-      </p:par>
-    </p:tnLst>
-  </p:timing>
 </p:sld>
 </file>
 
@@ -20721,15 +19749,7 @@
           <a:p>
             <a:r>
               <a:rPr lang="zh-CN" altLang="en-US"/>
-              <a:t>短作业优先</a:t>
-            </a:r>
-            <a:r>
-              <a:rPr lang="zh-CN" altLang="en-US" smtClean="0"/>
-              <a:t>调度的</a:t>
-            </a:r>
-            <a:r>
-              <a:rPr lang="zh-CN" altLang="en-US"/>
-              <a:t>例子</a:t>
+              <a:t>短作业优先调度的例子</a:t>
             </a:r>
           </a:p>
         </p:txBody>
@@ -20947,23 +19967,10 @@
                 <a:latin typeface="微软雅黑" panose="020B0503020204020204" pitchFamily="34" charset="-122"/>
                 <a:ea typeface="微软雅黑" panose="020B0503020204020204" pitchFamily="34" charset="-122"/>
               </a:rPr>
-              <a:t>周转时间</a:t>
-            </a:r>
-            <a:r>
-              <a:rPr lang="zh-CN" altLang="en-US" sz="2800" smtClean="0">
-                <a:solidFill>
-                  <a:schemeClr val="tx1">
-                    <a:lumMod val="85000"/>
-                    <a:lumOff val="15000"/>
-                  </a:schemeClr>
-                </a:solidFill>
-                <a:latin typeface="微软雅黑" panose="020B0503020204020204" pitchFamily="34" charset="-122"/>
-                <a:ea typeface="微软雅黑" panose="020B0503020204020204" pitchFamily="34" charset="-122"/>
-              </a:rPr>
-              <a:t>：</a:t>
-            </a:r>
-            <a:r>
-              <a:rPr lang="en-US" altLang="zh-CN" sz="2800" smtClean="0">
+              <a:t>周转时间：</a:t>
+            </a:r>
+            <a:r>
+              <a:rPr lang="en-US" altLang="zh-CN" sz="2800">
                 <a:solidFill>
                   <a:schemeClr val="tx1">
                     <a:lumMod val="85000"/>
@@ -21158,23 +20165,10 @@
                 <a:latin typeface="微软雅黑" panose="020B0503020204020204" pitchFamily="34" charset="-122"/>
                 <a:ea typeface="微软雅黑" panose="020B0503020204020204" pitchFamily="34" charset="-122"/>
               </a:rPr>
-              <a:t>时间片</a:t>
-            </a:r>
-            <a:r>
-              <a:rPr lang="zh-CN" altLang="en-US" sz="2400" smtClean="0">
-                <a:solidFill>
-                  <a:schemeClr val="tx1">
-                    <a:lumMod val="85000"/>
-                    <a:lumOff val="15000"/>
-                  </a:schemeClr>
-                </a:solidFill>
-                <a:latin typeface="微软雅黑" panose="020B0503020204020204" pitchFamily="34" charset="-122"/>
-                <a:ea typeface="微软雅黑" panose="020B0503020204020204" pitchFamily="34" charset="-122"/>
-              </a:rPr>
-              <a:t>：</a:t>
-            </a:r>
-            <a:r>
-              <a:rPr lang="en-US" altLang="zh-CN" sz="2400" smtClean="0">
+              <a:t>时间片：</a:t>
+            </a:r>
+            <a:r>
+              <a:rPr lang="en-US" altLang="zh-CN" sz="2400">
                 <a:solidFill>
                   <a:schemeClr val="tx1">
                     <a:lumMod val="85000"/>
@@ -21214,9 +20208,7 @@
           <p:cNvGraphicFramePr>
             <a:graphicFrameLocks noGrp="1"/>
           </p:cNvGraphicFramePr>
-          <p:nvPr>
-            <p:extLst/>
-          </p:nvPr>
+          <p:nvPr/>
         </p:nvGraphicFramePr>
         <p:xfrm>
           <a:off x="1402337" y="3356053"/>
@@ -21287,7 +20279,7 @@
                     <a:p>
                       <a:pPr algn="ctr"/>
                       <a:r>
-                        <a:rPr lang="zh-CN" altLang="en-US" sz="2000" b="0" smtClean="0">
+                        <a:rPr lang="zh-CN" altLang="en-US" sz="2000" b="0">
                           <a:solidFill>
                             <a:schemeClr val="tx1">
                               <a:lumMod val="85000"/>
@@ -21299,16 +20291,6 @@
                         </a:rPr>
                         <a:t>进程</a:t>
                       </a:r>
-                      <a:endParaRPr lang="zh-CN" altLang="en-US" sz="2000" b="0">
-                        <a:solidFill>
-                          <a:schemeClr val="tx1">
-                            <a:lumMod val="85000"/>
-                            <a:lumOff val="15000"/>
-                          </a:schemeClr>
-                        </a:solidFill>
-                        <a:latin typeface="微软雅黑" panose="020B0503020204020204" pitchFamily="34" charset="-122"/>
-                        <a:ea typeface="微软雅黑" panose="020B0503020204020204" pitchFamily="34" charset="-122"/>
-                      </a:endParaRPr>
                     </a:p>
                   </a:txBody>
                   <a:tcPr marL="91445" marR="91445" marT="45721" marB="45721" anchor="ctr">
@@ -21368,7 +20350,7 @@
                     <a:p>
                       <a:pPr algn="ctr"/>
                       <a:r>
-                        <a:rPr lang="zh-CN" altLang="en-US" sz="2000" b="0" smtClean="0">
+                        <a:rPr lang="zh-CN" altLang="en-US" sz="2000" b="0">
                           <a:solidFill>
                             <a:schemeClr val="tx1">
                               <a:lumMod val="85000"/>
@@ -21380,16 +20362,6 @@
                         </a:rPr>
                         <a:t>到达时间</a:t>
                       </a:r>
-                      <a:endParaRPr lang="zh-CN" altLang="en-US" sz="2000" b="0">
-                        <a:solidFill>
-                          <a:schemeClr val="tx1">
-                            <a:lumMod val="85000"/>
-                            <a:lumOff val="15000"/>
-                          </a:schemeClr>
-                        </a:solidFill>
-                        <a:latin typeface="微软雅黑" panose="020B0503020204020204" pitchFamily="34" charset="-122"/>
-                        <a:ea typeface="微软雅黑" panose="020B0503020204020204" pitchFamily="34" charset="-122"/>
-                      </a:endParaRPr>
                     </a:p>
                   </a:txBody>
                   <a:tcPr marL="91445" marR="91445" marT="45721" marB="45721" anchor="ctr">
@@ -21446,7 +20418,7 @@
                     <a:p>
                       <a:pPr algn="ctr"/>
                       <a:r>
-                        <a:rPr lang="zh-CN" altLang="en-US" sz="2000" b="0" smtClean="0">
+                        <a:rPr lang="zh-CN" altLang="en-US" sz="2000" b="0">
                           <a:solidFill>
                             <a:schemeClr val="tx1">
                               <a:lumMod val="85000"/>
@@ -21458,16 +20430,6 @@
                         </a:rPr>
                         <a:t>执行时间</a:t>
                       </a:r>
-                      <a:endParaRPr lang="zh-CN" altLang="en-US" sz="2000" b="0">
-                        <a:solidFill>
-                          <a:schemeClr val="tx1">
-                            <a:lumMod val="85000"/>
-                            <a:lumOff val="15000"/>
-                          </a:schemeClr>
-                        </a:solidFill>
-                        <a:latin typeface="微软雅黑" panose="020B0503020204020204" pitchFamily="34" charset="-122"/>
-                        <a:ea typeface="微软雅黑" panose="020B0503020204020204" pitchFamily="34" charset="-122"/>
-                      </a:endParaRPr>
                     </a:p>
                   </a:txBody>
                   <a:tcPr marL="91445" marR="91445" marT="45721" marB="45721" anchor="ctr">
@@ -21527,7 +20489,7 @@
                     <a:p>
                       <a:pPr algn="ctr"/>
                       <a:r>
-                        <a:rPr lang="zh-CN" altLang="en-US" sz="2000" b="0" smtClean="0">
+                        <a:rPr lang="zh-CN" altLang="en-US" sz="2000" b="0">
                           <a:solidFill>
                             <a:schemeClr val="tx1">
                               <a:lumMod val="85000"/>
@@ -21539,16 +20501,6 @@
                         </a:rPr>
                         <a:t>开始时间</a:t>
                       </a:r>
-                      <a:endParaRPr lang="zh-CN" altLang="en-US" sz="2000" b="0">
-                        <a:solidFill>
-                          <a:schemeClr val="tx1">
-                            <a:lumMod val="85000"/>
-                            <a:lumOff val="15000"/>
-                          </a:schemeClr>
-                        </a:solidFill>
-                        <a:latin typeface="微软雅黑" panose="020B0503020204020204" pitchFamily="34" charset="-122"/>
-                        <a:ea typeface="微软雅黑" panose="020B0503020204020204" pitchFamily="34" charset="-122"/>
-                      </a:endParaRPr>
                     </a:p>
                   </a:txBody>
                   <a:tcPr marL="91445" marR="91445" marT="45721" marB="45721" anchor="ctr">
@@ -21608,7 +20560,7 @@
                     <a:p>
                       <a:pPr algn="ctr"/>
                       <a:r>
-                        <a:rPr lang="zh-CN" altLang="en-US" sz="2000" b="0" smtClean="0">
+                        <a:rPr lang="zh-CN" altLang="en-US" sz="2000" b="0">
                           <a:solidFill>
                             <a:schemeClr val="tx1">
                               <a:lumMod val="85000"/>
@@ -21620,16 +20572,6 @@
                         </a:rPr>
                         <a:t>结束时间</a:t>
                       </a:r>
-                      <a:endParaRPr lang="zh-CN" altLang="en-US" sz="2000" b="0">
-                        <a:solidFill>
-                          <a:schemeClr val="tx1">
-                            <a:lumMod val="85000"/>
-                            <a:lumOff val="15000"/>
-                          </a:schemeClr>
-                        </a:solidFill>
-                        <a:latin typeface="微软雅黑" panose="020B0503020204020204" pitchFamily="34" charset="-122"/>
-                        <a:ea typeface="微软雅黑" panose="020B0503020204020204" pitchFamily="34" charset="-122"/>
-                      </a:endParaRPr>
                     </a:p>
                   </a:txBody>
                   <a:tcPr marL="91445" marR="91445" marT="45721" marB="45721" anchor="ctr">
@@ -21686,7 +20628,7 @@
                     <a:p>
                       <a:pPr algn="ctr"/>
                       <a:r>
-                        <a:rPr lang="zh-CN" altLang="en-US" sz="2000" b="0" smtClean="0">
+                        <a:rPr lang="zh-CN" altLang="en-US" sz="2000" b="0">
                           <a:solidFill>
                             <a:schemeClr val="tx1">
                               <a:lumMod val="85000"/>
@@ -21698,16 +20640,6 @@
                         </a:rPr>
                         <a:t>周转时间</a:t>
                       </a:r>
-                      <a:endParaRPr lang="zh-CN" altLang="en-US" sz="2000" b="0">
-                        <a:solidFill>
-                          <a:schemeClr val="tx1">
-                            <a:lumMod val="85000"/>
-                            <a:lumOff val="15000"/>
-                          </a:schemeClr>
-                        </a:solidFill>
-                        <a:latin typeface="微软雅黑" panose="020B0503020204020204" pitchFamily="34" charset="-122"/>
-                        <a:ea typeface="微软雅黑" panose="020B0503020204020204" pitchFamily="34" charset="-122"/>
-                      </a:endParaRPr>
                     </a:p>
                   </a:txBody>
                   <a:tcPr marL="91445" marR="91445" marT="45721" marB="45721" anchor="ctr">
@@ -21774,7 +20706,7 @@
                     <a:p>
                       <a:pPr algn="ctr"/>
                       <a:r>
-                        <a:rPr lang="en-US" altLang="zh-CN" sz="2400" smtClean="0">
+                        <a:rPr lang="en-US" altLang="zh-CN" sz="2400">
                           <a:solidFill>
                             <a:schemeClr val="tx1">
                               <a:lumMod val="85000"/>
@@ -21850,7 +20782,7 @@
                     <a:p>
                       <a:pPr algn="ctr"/>
                       <a:r>
-                        <a:rPr lang="en-US" altLang="zh-CN" sz="2400" smtClean="0">
+                        <a:rPr lang="en-US" altLang="zh-CN" sz="2400">
                           <a:solidFill>
                             <a:schemeClr val="tx1">
                               <a:lumMod val="85000"/>
@@ -21923,7 +20855,7 @@
                     <a:p>
                       <a:pPr algn="ctr"/>
                       <a:r>
-                        <a:rPr lang="en-US" altLang="zh-CN" sz="2400" smtClean="0">
+                        <a:rPr lang="en-US" altLang="zh-CN" sz="2400">
                           <a:solidFill>
                             <a:schemeClr val="tx1">
                               <a:lumMod val="85000"/>
@@ -22192,7 +21124,7 @@
                     <a:p>
                       <a:pPr algn="ctr"/>
                       <a:r>
-                        <a:rPr lang="en-US" altLang="zh-CN" sz="2400" smtClean="0">
+                        <a:rPr lang="en-US" altLang="zh-CN" sz="2400">
                           <a:solidFill>
                             <a:schemeClr val="tx1">
                               <a:lumMod val="85000"/>
@@ -22268,7 +21200,7 @@
                     <a:p>
                       <a:pPr algn="ctr"/>
                       <a:r>
-                        <a:rPr lang="en-US" altLang="zh-CN" sz="2400" smtClean="0">
+                        <a:rPr lang="en-US" altLang="zh-CN" sz="2400">
                           <a:solidFill>
                             <a:schemeClr val="tx1">
                               <a:lumMod val="85000"/>
@@ -22341,7 +21273,7 @@
                     <a:p>
                       <a:pPr algn="ctr"/>
                       <a:r>
-                        <a:rPr lang="en-US" altLang="zh-CN" sz="2400" smtClean="0">
+                        <a:rPr lang="en-US" altLang="zh-CN" sz="2400">
                           <a:solidFill>
                             <a:schemeClr val="tx1">
                               <a:lumMod val="85000"/>
@@ -22610,7 +21542,7 @@
                     <a:p>
                       <a:pPr algn="ctr"/>
                       <a:r>
-                        <a:rPr lang="en-US" altLang="zh-CN" sz="2400" smtClean="0">
+                        <a:rPr lang="en-US" altLang="zh-CN" sz="2400">
                           <a:solidFill>
                             <a:schemeClr val="tx1">
                               <a:lumMod val="85000"/>
@@ -22686,7 +21618,7 @@
                     <a:p>
                       <a:pPr algn="ctr"/>
                       <a:r>
-                        <a:rPr lang="en-US" altLang="zh-CN" sz="2400" smtClean="0">
+                        <a:rPr lang="en-US" altLang="zh-CN" sz="2400">
                           <a:solidFill>
                             <a:schemeClr val="tx1">
                               <a:lumMod val="85000"/>
@@ -22759,7 +21691,7 @@
                     <a:p>
                       <a:pPr algn="ctr"/>
                       <a:r>
-                        <a:rPr lang="en-US" altLang="zh-CN" sz="2400" smtClean="0">
+                        <a:rPr lang="en-US" altLang="zh-CN" sz="2400">
                           <a:solidFill>
                             <a:schemeClr val="tx1">
                               <a:lumMod val="85000"/>
@@ -23028,7 +21960,7 @@
                     <a:p>
                       <a:pPr algn="ctr"/>
                       <a:r>
-                        <a:rPr lang="en-US" altLang="zh-CN" sz="2400" smtClean="0">
+                        <a:rPr lang="en-US" altLang="zh-CN" sz="2400">
                           <a:solidFill>
                             <a:schemeClr val="tx1">
                               <a:lumMod val="85000"/>
@@ -23110,7 +22042,7 @@
                     <a:p>
                       <a:pPr algn="ctr"/>
                       <a:r>
-                        <a:rPr lang="en-US" altLang="zh-CN" sz="2400" smtClean="0">
+                        <a:rPr lang="en-US" altLang="zh-CN" sz="2400">
                           <a:solidFill>
                             <a:schemeClr val="tx1">
                               <a:lumMod val="85000"/>
@@ -23189,7 +22121,7 @@
                     <a:p>
                       <a:pPr algn="ctr"/>
                       <a:r>
-                        <a:rPr lang="en-US" altLang="zh-CN" sz="2400" smtClean="0">
+                        <a:rPr lang="en-US" altLang="zh-CN" sz="2400">
                           <a:solidFill>
                             <a:schemeClr val="tx1">
                               <a:lumMod val="85000"/>
@@ -24029,7 +22961,7 @@
             <a:p>
               <a:pPr algn="ctr"/>
               <a:r>
-                <a:rPr lang="en-US" altLang="zh-CN" smtClean="0">
+                <a:rPr lang="en-US" altLang="zh-CN">
                   <a:solidFill>
                     <a:schemeClr val="tx1">
                       <a:lumMod val="85000"/>
@@ -24095,7 +23027,7 @@
             <a:p>
               <a:pPr algn="ctr"/>
               <a:r>
-                <a:rPr lang="en-US" altLang="zh-CN" smtClean="0">
+                <a:rPr lang="en-US" altLang="zh-CN">
                   <a:solidFill>
                     <a:schemeClr val="tx1">
                       <a:lumMod val="85000"/>
@@ -24161,7 +23093,7 @@
             <a:p>
               <a:pPr algn="ctr"/>
               <a:r>
-                <a:rPr lang="en-US" altLang="zh-CN" smtClean="0">
+                <a:rPr lang="en-US" altLang="zh-CN">
                   <a:solidFill>
                     <a:schemeClr val="tx1">
                       <a:lumMod val="85000"/>
@@ -24227,7 +23159,7 @@
             <a:p>
               <a:pPr algn="ctr"/>
               <a:r>
-                <a:rPr lang="en-US" altLang="zh-CN" smtClean="0">
+                <a:rPr lang="en-US" altLang="zh-CN">
                   <a:solidFill>
                     <a:schemeClr val="tx1">
                       <a:lumMod val="85000"/>
@@ -24293,7 +23225,7 @@
             <a:p>
               <a:pPr algn="ctr"/>
               <a:r>
-                <a:rPr lang="en-US" altLang="zh-CN" smtClean="0">
+                <a:rPr lang="en-US" altLang="zh-CN">
                   <a:solidFill>
                     <a:schemeClr val="tx1">
                       <a:lumMod val="85000"/>
@@ -24359,7 +23291,7 @@
             <a:p>
               <a:pPr algn="ctr"/>
               <a:r>
-                <a:rPr lang="en-US" altLang="zh-CN" smtClean="0">
+                <a:rPr lang="en-US" altLang="zh-CN">
                   <a:solidFill>
                     <a:schemeClr val="tx1">
                       <a:lumMod val="85000"/>
@@ -24425,7 +23357,7 @@
             <a:p>
               <a:pPr algn="ctr"/>
               <a:r>
-                <a:rPr lang="en-US" altLang="zh-CN" smtClean="0">
+                <a:rPr lang="en-US" altLang="zh-CN">
                   <a:solidFill>
                     <a:schemeClr val="tx1">
                       <a:lumMod val="85000"/>
@@ -24491,7 +23423,7 @@
             <a:p>
               <a:pPr algn="ctr"/>
               <a:r>
-                <a:rPr lang="en-US" altLang="zh-CN" smtClean="0">
+                <a:rPr lang="en-US" altLang="zh-CN">
                   <a:solidFill>
                     <a:schemeClr val="tx1">
                       <a:lumMod val="85000"/>
@@ -24557,7 +23489,7 @@
             <a:p>
               <a:pPr algn="ctr"/>
               <a:r>
-                <a:rPr lang="en-US" altLang="zh-CN" smtClean="0">
+                <a:rPr lang="en-US" altLang="zh-CN">
                   <a:solidFill>
                     <a:schemeClr val="tx1">
                       <a:lumMod val="85000"/>
@@ -24623,7 +23555,7 @@
             <a:p>
               <a:pPr algn="ctr"/>
               <a:r>
-                <a:rPr lang="en-US" altLang="zh-CN" smtClean="0">
+                <a:rPr lang="en-US" altLang="zh-CN">
                   <a:solidFill>
                     <a:schemeClr val="tx1">
                       <a:lumMod val="85000"/>
@@ -24689,7 +23621,7 @@
             <a:p>
               <a:pPr algn="ctr"/>
               <a:r>
-                <a:rPr lang="en-US" altLang="zh-CN" smtClean="0">
+                <a:rPr lang="en-US" altLang="zh-CN">
                   <a:solidFill>
                     <a:schemeClr val="tx1">
                       <a:lumMod val="85000"/>
@@ -24763,7 +23695,7 @@
           <a:p>
             <a:pPr algn="ctr"/>
             <a:r>
-              <a:rPr lang="en-US" altLang="zh-CN" smtClean="0">
+              <a:rPr lang="en-US" altLang="zh-CN">
                 <a:solidFill>
                   <a:schemeClr val="tx1">
                     <a:lumMod val="85000"/>
@@ -24839,7 +23771,7 @@
           <a:p>
             <a:pPr algn="ctr"/>
             <a:r>
-              <a:rPr lang="en-US" altLang="zh-CN" smtClean="0">
+              <a:rPr lang="en-US" altLang="zh-CN">
                 <a:solidFill>
                   <a:schemeClr val="tx1">
                     <a:lumMod val="85000"/>
@@ -24912,7 +23844,7 @@
           <a:p>
             <a:pPr algn="ctr"/>
             <a:r>
-              <a:rPr lang="en-US" altLang="zh-CN" smtClean="0">
+              <a:rPr lang="en-US" altLang="zh-CN">
                 <a:solidFill>
                   <a:schemeClr val="tx1">
                     <a:lumMod val="85000"/>
@@ -24985,7 +23917,7 @@
           <a:p>
             <a:pPr algn="ctr"/>
             <a:r>
-              <a:rPr lang="en-US" altLang="zh-CN" smtClean="0">
+              <a:rPr lang="en-US" altLang="zh-CN">
                 <a:solidFill>
                   <a:schemeClr val="tx1">
                     <a:lumMod val="85000"/>
@@ -25058,7 +23990,7 @@
           <a:p>
             <a:pPr algn="ctr"/>
             <a:r>
-              <a:rPr lang="en-US" altLang="zh-CN" smtClean="0">
+              <a:rPr lang="en-US" altLang="zh-CN">
                 <a:solidFill>
                   <a:schemeClr val="tx1">
                     <a:lumMod val="85000"/>
@@ -25131,7 +24063,7 @@
           <a:p>
             <a:pPr algn="ctr"/>
             <a:r>
-              <a:rPr lang="en-US" altLang="zh-CN" smtClean="0">
+              <a:rPr lang="en-US" altLang="zh-CN">
                 <a:solidFill>
                   <a:schemeClr val="tx1">
                     <a:lumMod val="85000"/>
@@ -25204,7 +24136,7 @@
           <a:p>
             <a:pPr algn="ctr"/>
             <a:r>
-              <a:rPr lang="en-US" altLang="zh-CN" smtClean="0">
+              <a:rPr lang="en-US" altLang="zh-CN">
                 <a:solidFill>
                   <a:schemeClr val="tx1">
                     <a:lumMod val="85000"/>
@@ -25277,7 +24209,7 @@
           <a:p>
             <a:pPr algn="ctr"/>
             <a:r>
-              <a:rPr lang="en-US" altLang="zh-CN" smtClean="0">
+              <a:rPr lang="en-US" altLang="zh-CN">
                 <a:solidFill>
                   <a:schemeClr val="tx1">
                     <a:lumMod val="85000"/>
@@ -25350,7 +24282,7 @@
           <a:p>
             <a:pPr algn="ctr"/>
             <a:r>
-              <a:rPr lang="en-US" altLang="zh-CN" smtClean="0">
+              <a:rPr lang="en-US" altLang="zh-CN">
                 <a:solidFill>
                   <a:schemeClr val="tx1">
                     <a:lumMod val="85000"/>
@@ -25423,7 +24355,7 @@
           <a:p>
             <a:pPr algn="ctr"/>
             <a:r>
-              <a:rPr lang="en-US" altLang="zh-CN" smtClean="0">
+              <a:rPr lang="en-US" altLang="zh-CN">
                 <a:solidFill>
                   <a:schemeClr val="tx1">
                     <a:lumMod val="85000"/>
@@ -25472,7 +24404,7 @@
           <a:p>
             <a:pPr algn="r"/>
             <a:r>
-              <a:rPr lang="zh-CN" altLang="en-US" sz="2400" smtClean="0">
+              <a:rPr lang="zh-CN" altLang="en-US" sz="2400">
                 <a:solidFill>
                   <a:schemeClr val="tx1">
                     <a:lumMod val="85000"/>
@@ -25484,7 +24416,7 @@
               </a:rPr>
               <a:t>时间片：</a:t>
             </a:r>
-            <a:endParaRPr lang="en-US" altLang="zh-CN" sz="2400" smtClean="0">
+            <a:endParaRPr lang="en-US" altLang="zh-CN" sz="2400">
               <a:solidFill>
                 <a:schemeClr val="tx1">
                   <a:lumMod val="85000"/>
@@ -25502,7 +24434,7 @@
               </a:spcBef>
             </a:pPr>
             <a:r>
-              <a:rPr lang="zh-CN" altLang="en-US" sz="2400" smtClean="0">
+              <a:rPr lang="zh-CN" altLang="en-US" sz="2400">
                 <a:solidFill>
                   <a:schemeClr val="tx1">
                     <a:lumMod val="85000"/>
@@ -25514,16 +24446,6 @@
               </a:rPr>
               <a:t>时刻：</a:t>
             </a:r>
-            <a:endParaRPr lang="zh-CN" altLang="en-US" sz="2400">
-              <a:solidFill>
-                <a:schemeClr val="tx1">
-                  <a:lumMod val="85000"/>
-                  <a:lumOff val="15000"/>
-                </a:schemeClr>
-              </a:solidFill>
-              <a:latin typeface="微软雅黑" panose="020B0503020204020204" pitchFamily="34" charset="-122"/>
-              <a:ea typeface="微软雅黑" panose="020B0503020204020204" pitchFamily="34" charset="-122"/>
-            </a:endParaRPr>
           </a:p>
         </p:txBody>
       </p:sp>
@@ -25550,7 +24472,7 @@
           <a:lstStyle/>
           <a:p>
             <a:r>
-              <a:rPr lang="en-US" altLang="zh-CN" sz="2400" smtClean="0">
+              <a:rPr lang="en-US" altLang="zh-CN" sz="2400">
                 <a:solidFill>
                   <a:schemeClr val="tx1">
                     <a:lumMod val="85000"/>
@@ -25598,7 +24520,7 @@
           <a:lstStyle/>
           <a:p>
             <a:r>
-              <a:rPr lang="en-US" altLang="zh-CN" sz="2400" smtClean="0">
+              <a:rPr lang="en-US" altLang="zh-CN" sz="2400">
                 <a:solidFill>
                   <a:schemeClr val="tx1">
                     <a:lumMod val="85000"/>
@@ -25646,7 +24568,7 @@
           <a:lstStyle/>
           <a:p>
             <a:r>
-              <a:rPr lang="en-US" altLang="zh-CN" sz="2400" smtClean="0">
+              <a:rPr lang="en-US" altLang="zh-CN" sz="2400">
                 <a:solidFill>
                   <a:schemeClr val="tx1">
                     <a:lumMod val="85000"/>
@@ -25694,7 +24616,7 @@
           <a:lstStyle/>
           <a:p>
             <a:r>
-              <a:rPr lang="en-US" altLang="zh-CN" sz="2400" smtClean="0">
+              <a:rPr lang="en-US" altLang="zh-CN" sz="2400">
                 <a:solidFill>
                   <a:schemeClr val="tx1">
                     <a:lumMod val="85000"/>
@@ -25752,20 +24674,7 @@
                 <a:latin typeface="微软雅黑" panose="020B0503020204020204" pitchFamily="34" charset="-122"/>
                 <a:ea typeface="微软雅黑" panose="020B0503020204020204" pitchFamily="34" charset="-122"/>
               </a:rPr>
-              <a:t>5</a:t>
-            </a:r>
-            <a:r>
-              <a:rPr lang="en-US" altLang="zh-CN" sz="2400" smtClean="0">
-                <a:solidFill>
-                  <a:schemeClr val="tx1">
-                    <a:lumMod val="85000"/>
-                    <a:lumOff val="15000"/>
-                  </a:schemeClr>
-                </a:solidFill>
-                <a:latin typeface="微软雅黑" panose="020B0503020204020204" pitchFamily="34" charset="-122"/>
-                <a:ea typeface="微软雅黑" panose="020B0503020204020204" pitchFamily="34" charset="-122"/>
-              </a:rPr>
-              <a:t>0</a:t>
+              <a:t>50</a:t>
             </a:r>
             <a:endParaRPr lang="zh-CN" altLang="en-US" sz="2400">
               <a:solidFill>
@@ -25803,7 +24712,7 @@
           <a:lstStyle/>
           <a:p>
             <a:r>
-              <a:rPr lang="en-US" altLang="zh-CN" sz="2400" smtClean="0">
+              <a:rPr lang="en-US" altLang="zh-CN" sz="2400">
                 <a:solidFill>
                   <a:schemeClr val="tx1">
                     <a:lumMod val="85000"/>
@@ -25851,7 +24760,7 @@
           <a:lstStyle/>
           <a:p>
             <a:r>
-              <a:rPr lang="en-US" altLang="zh-CN" sz="2400" smtClean="0">
+              <a:rPr lang="en-US" altLang="zh-CN" sz="2400">
                 <a:solidFill>
                   <a:schemeClr val="tx1">
                     <a:lumMod val="85000"/>
@@ -25899,7 +24808,7 @@
           <a:lstStyle/>
           <a:p>
             <a:r>
-              <a:rPr lang="en-US" altLang="zh-CN" sz="2400" smtClean="0">
+              <a:rPr lang="en-US" altLang="zh-CN" sz="2400">
                 <a:solidFill>
                   <a:schemeClr val="tx1">
                     <a:lumMod val="85000"/>
@@ -25957,20 +24866,7 @@
                 <a:latin typeface="微软雅黑" panose="020B0503020204020204" pitchFamily="34" charset="-122"/>
                 <a:ea typeface="微软雅黑" panose="020B0503020204020204" pitchFamily="34" charset="-122"/>
               </a:rPr>
-              <a:t>5</a:t>
-            </a:r>
-            <a:r>
-              <a:rPr lang="en-US" altLang="zh-CN" sz="2400" smtClean="0">
-                <a:solidFill>
-                  <a:schemeClr val="tx1">
-                    <a:lumMod val="85000"/>
-                    <a:lumOff val="15000"/>
-                  </a:schemeClr>
-                </a:solidFill>
-                <a:latin typeface="微软雅黑" panose="020B0503020204020204" pitchFamily="34" charset="-122"/>
-                <a:ea typeface="微软雅黑" panose="020B0503020204020204" pitchFamily="34" charset="-122"/>
-              </a:rPr>
-              <a:t>0</a:t>
+              <a:t>50</a:t>
             </a:r>
             <a:endParaRPr lang="zh-CN" altLang="en-US" sz="2400">
               <a:solidFill>
@@ -26008,7 +24904,7 @@
           <a:lstStyle/>
           <a:p>
             <a:r>
-              <a:rPr lang="en-US" altLang="zh-CN" sz="2400" smtClean="0">
+              <a:rPr lang="en-US" altLang="zh-CN" sz="2400">
                 <a:solidFill>
                   <a:schemeClr val="tx1">
                     <a:lumMod val="85000"/>
@@ -26056,7 +24952,7 @@
           <a:lstStyle/>
           <a:p>
             <a:r>
-              <a:rPr lang="en-US" altLang="zh-CN" sz="2400" smtClean="0">
+              <a:rPr lang="en-US" altLang="zh-CN" sz="2400">
                 <a:solidFill>
                   <a:schemeClr val="tx1">
                     <a:lumMod val="85000"/>
@@ -26104,7 +25000,7 @@
           <a:lstStyle/>
           <a:p>
             <a:r>
-              <a:rPr lang="en-US" altLang="zh-CN" sz="2400" smtClean="0">
+              <a:rPr lang="en-US" altLang="zh-CN" sz="2400">
                 <a:solidFill>
                   <a:schemeClr val="tx1">
                     <a:lumMod val="85000"/>
@@ -26166,20 +25062,7 @@
                 <a:latin typeface="微软雅黑" panose="020B0503020204020204" pitchFamily="34" charset="-122"/>
                 <a:ea typeface="微软雅黑" panose="020B0503020204020204" pitchFamily="34" charset="-122"/>
               </a:rPr>
-              <a:t>短</a:t>
-            </a:r>
-            <a:r>
-              <a:rPr lang="zh-CN" altLang="en-US" sz="3200" smtClean="0">
-                <a:solidFill>
-                  <a:schemeClr val="tx1">
-                    <a:lumMod val="85000"/>
-                    <a:lumOff val="15000"/>
-                  </a:schemeClr>
-                </a:solidFill>
-                <a:latin typeface="微软雅黑" panose="020B0503020204020204" pitchFamily="34" charset="-122"/>
-                <a:ea typeface="微软雅黑" panose="020B0503020204020204" pitchFamily="34" charset="-122"/>
-              </a:rPr>
-              <a:t>作业优先调度</a:t>
+              <a:t>短作业优先调度</a:t>
             </a:r>
             <a:endParaRPr lang="en-US" altLang="zh-CN" sz="3200" dirty="0">
               <a:solidFill>
@@ -27526,10 +26409,10 @@
                 <a:latin typeface="微软雅黑" panose="020B0503020204020204" pitchFamily="34" charset="-122"/>
                 <a:ea typeface="微软雅黑" panose="020B0503020204020204" pitchFamily="34" charset="-122"/>
               </a:rPr>
-              <a:t>短作业优先</a:t>
-            </a:r>
-            <a:r>
-              <a:rPr lang="zh-CN" altLang="en-US" sz="3200" smtClean="0">
+              <a:t>短作业优先调度（</a:t>
+            </a:r>
+            <a:r>
+              <a:rPr lang="en-US" altLang="zh-CN" sz="3200">
                 <a:solidFill>
                   <a:schemeClr val="tx1">
                     <a:lumMod val="75000"/>
@@ -27539,10 +26422,10 @@
                 <a:latin typeface="微软雅黑" panose="020B0503020204020204" pitchFamily="34" charset="-122"/>
                 <a:ea typeface="微软雅黑" panose="020B0503020204020204" pitchFamily="34" charset="-122"/>
               </a:rPr>
-              <a:t>调度（</a:t>
-            </a:r>
-            <a:r>
-              <a:rPr lang="en-US" altLang="zh-CN" sz="3200" smtClean="0">
+              <a:t>SJF</a:t>
+            </a:r>
+            <a:r>
+              <a:rPr lang="zh-CN" altLang="en-US" sz="3200">
                 <a:solidFill>
                   <a:schemeClr val="tx1">
                     <a:lumMod val="75000"/>
@@ -27552,33 +26435,7 @@
                 <a:latin typeface="微软雅黑" panose="020B0503020204020204" pitchFamily="34" charset="-122"/>
                 <a:ea typeface="微软雅黑" panose="020B0503020204020204" pitchFamily="34" charset="-122"/>
               </a:rPr>
-              <a:t>SJF</a:t>
-            </a:r>
-            <a:r>
-              <a:rPr lang="zh-CN" altLang="en-US" sz="3200" smtClean="0">
-                <a:solidFill>
-                  <a:schemeClr val="tx1">
-                    <a:lumMod val="75000"/>
-                    <a:lumOff val="25000"/>
-                  </a:schemeClr>
-                </a:solidFill>
-                <a:latin typeface="微软雅黑" panose="020B0503020204020204" pitchFamily="34" charset="-122"/>
-                <a:ea typeface="微软雅黑" panose="020B0503020204020204" pitchFamily="34" charset="-122"/>
-              </a:rPr>
-              <a:t>）调度</a:t>
-            </a:r>
-            <a:r>
-              <a:rPr lang="zh-CN" altLang="en-US" sz="3200">
-                <a:solidFill>
-                  <a:schemeClr val="tx1">
-                    <a:lumMod val="75000"/>
-                    <a:lumOff val="25000"/>
-                  </a:schemeClr>
-                </a:solidFill>
-                <a:latin typeface="微软雅黑" panose="020B0503020204020204" pitchFamily="34" charset="-122"/>
-                <a:ea typeface="微软雅黑" panose="020B0503020204020204" pitchFamily="34" charset="-122"/>
-              </a:rPr>
-              <a:t>算法的优缺点：</a:t>
+              <a:t>）调度算法的优缺点：</a:t>
             </a:r>
           </a:p>
           <a:p>
@@ -27636,7 +26493,7 @@
               <a:t>缺点</a:t>
             </a:r>
             <a:r>
-              <a:rPr lang="zh-CN" altLang="en-US" sz="3200" smtClean="0">
+              <a:rPr lang="zh-CN" altLang="en-US" sz="3200">
                 <a:solidFill>
                   <a:schemeClr val="tx1">
                     <a:lumMod val="75000"/>
@@ -27648,16 +26505,6 @@
               </a:rPr>
               <a:t>：</a:t>
             </a:r>
-            <a:endParaRPr lang="zh-CN" altLang="en-US" sz="3200">
-              <a:solidFill>
-                <a:schemeClr val="tx1">
-                  <a:lumMod val="75000"/>
-                  <a:lumOff val="25000"/>
-                </a:schemeClr>
-              </a:solidFill>
-              <a:latin typeface="微软雅黑" panose="020B0503020204020204" pitchFamily="34" charset="-122"/>
-              <a:ea typeface="微软雅黑" panose="020B0503020204020204" pitchFamily="34" charset="-122"/>
-            </a:endParaRPr>
           </a:p>
           <a:p>
             <a:pPr lvl="2" eaLnBrk="1">
@@ -27722,31 +26569,8 @@
                 <a:latin typeface="微软雅黑" panose="020B0503020204020204" pitchFamily="34" charset="-122"/>
                 <a:ea typeface="微软雅黑" panose="020B0503020204020204" pitchFamily="34" charset="-122"/>
               </a:rPr>
-              <a:t>由于作业（进程）的长短含主观因素，不一定能真正做到短作业优先</a:t>
-            </a:r>
-            <a:r>
-              <a:rPr lang="zh-CN" altLang="en-US" sz="3200" smtClean="0">
-                <a:solidFill>
-                  <a:schemeClr val="tx1">
-                    <a:lumMod val="75000"/>
-                    <a:lumOff val="25000"/>
-                  </a:schemeClr>
-                </a:solidFill>
-                <a:latin typeface="微软雅黑" panose="020B0503020204020204" pitchFamily="34" charset="-122"/>
-                <a:ea typeface="微软雅黑" panose="020B0503020204020204" pitchFamily="34" charset="-122"/>
-              </a:rPr>
-              <a:t>。</a:t>
-            </a:r>
-            <a:endParaRPr lang="zh-CN" altLang="en-US" sz="3200">
-              <a:solidFill>
-                <a:schemeClr val="tx1">
-                  <a:lumMod val="75000"/>
-                  <a:lumOff val="25000"/>
-                </a:schemeClr>
-              </a:solidFill>
-              <a:latin typeface="微软雅黑" panose="020B0503020204020204" pitchFamily="34" charset="-122"/>
-              <a:ea typeface="微软雅黑" panose="020B0503020204020204" pitchFamily="34" charset="-122"/>
-            </a:endParaRPr>
+              <a:t>由于作业（进程）的长短含主观因素，不一定能真正做到短作业优先。</a:t>
+            </a:r>
           </a:p>
         </p:txBody>
       </p:sp>
@@ -27772,13 +26596,6 @@
       </p:transition>
     </mc:Fallback>
   </mc:AlternateContent>
-  <p:timing>
-    <p:tnLst>
-      <p:par>
-        <p:cTn id="1" dur="indefinite" restart="never" nodeType="tmRoot"/>
-      </p:par>
-    </p:tnLst>
-  </p:timing>
 </p:sld>
 </file>
 
@@ -27901,13 +26718,6 @@
       </p:transition>
     </mc:Fallback>
   </mc:AlternateContent>
-  <p:timing>
-    <p:tnLst>
-      <p:par>
-        <p:cTn id="1" dur="indefinite" restart="never" nodeType="tmRoot"/>
-      </p:par>
-    </p:tnLst>
-  </p:timing>
 </p:sld>
 </file>
 
@@ -27947,7 +26757,6 @@
               <a:rPr lang="zh-CN" altLang="en-US"/>
               <a:t>存储器管理</a:t>
             </a:r>
-            <a:endParaRPr lang="zh-CN" altLang="en-US"/>
           </a:p>
         </p:txBody>
       </p:sp>
@@ -28005,7 +26814,7 @@
               <a:buNone/>
             </a:pPr>
             <a:r>
-              <a:rPr lang="zh-CN" altLang="en-US" sz="3200" smtClean="0">
+              <a:rPr lang="zh-CN" altLang="en-US" sz="3200">
                 <a:solidFill>
                   <a:schemeClr val="tx1">
                     <a:lumMod val="75000"/>
@@ -28015,20 +26824,7 @@
                 <a:latin typeface="微软雅黑" panose="020B0503020204020204" pitchFamily="34" charset="-122"/>
                 <a:ea typeface="微软雅黑" panose="020B0503020204020204" pitchFamily="34" charset="-122"/>
               </a:rPr>
-              <a:t>存储器管理</a:t>
-            </a:r>
-            <a:r>
-              <a:rPr lang="zh-CN" altLang="en-US" sz="3200">
-                <a:solidFill>
-                  <a:schemeClr val="tx1">
-                    <a:lumMod val="75000"/>
-                    <a:lumOff val="25000"/>
-                  </a:schemeClr>
-                </a:solidFill>
-                <a:latin typeface="微软雅黑" panose="020B0503020204020204" pitchFamily="34" charset="-122"/>
-                <a:ea typeface="微软雅黑" panose="020B0503020204020204" pitchFamily="34" charset="-122"/>
-              </a:rPr>
-              <a:t>的主要对象是内存，对外存的管理在文件管理中。</a:t>
+              <a:t>存储器管理的主要对象是内存，对外存的管理在文件管理中。</a:t>
             </a:r>
             <a:endParaRPr lang="zh-CN" altLang="en-US" sz="2800">
               <a:solidFill>
@@ -28065,13 +26861,6 @@
       </p:transition>
     </mc:Fallback>
   </mc:AlternateContent>
-  <p:timing>
-    <p:tnLst>
-      <p:par>
-        <p:cTn id="1" dur="indefinite" restart="never" nodeType="tmRoot"/>
-      </p:par>
-    </p:tnLst>
-  </p:timing>
 </p:sld>
 </file>
 
@@ -28111,7 +26900,6 @@
               <a:rPr lang="zh-CN" altLang="en-US"/>
               <a:t>存储器的层次结构</a:t>
             </a:r>
-            <a:endParaRPr lang="zh-CN" altLang="en-US"/>
           </a:p>
         </p:txBody>
       </p:sp>
@@ -28154,44 +26942,8 @@
                 <a:latin typeface="微软雅黑" panose="020B0503020204020204" pitchFamily="34" charset="-122"/>
                 <a:ea typeface="微软雅黑" panose="020B0503020204020204" pitchFamily="34" charset="-122"/>
               </a:rPr>
-              <a:t>多级</a:t>
-            </a:r>
-            <a:r>
-              <a:rPr lang="zh-CN" altLang="en-US" sz="3200">
-                <a:solidFill>
-                  <a:schemeClr val="tx1">
-                    <a:lumMod val="75000"/>
-                    <a:lumOff val="25000"/>
-                  </a:schemeClr>
-                </a:solidFill>
-                <a:latin typeface="微软雅黑" panose="020B0503020204020204" pitchFamily="34" charset="-122"/>
-                <a:ea typeface="微软雅黑" panose="020B0503020204020204" pitchFamily="34" charset="-122"/>
-              </a:rPr>
-              <a:t>存储器</a:t>
-            </a:r>
-            <a:r>
-              <a:rPr lang="zh-CN" altLang="en-US" sz="3200" smtClean="0">
-                <a:solidFill>
-                  <a:schemeClr val="tx1">
-                    <a:lumMod val="75000"/>
-                    <a:lumOff val="25000"/>
-                  </a:schemeClr>
-                </a:solidFill>
-                <a:latin typeface="微软雅黑" panose="020B0503020204020204" pitchFamily="34" charset="-122"/>
-                <a:ea typeface="微软雅黑" panose="020B0503020204020204" pitchFamily="34" charset="-122"/>
-              </a:rPr>
-              <a:t>结构</a:t>
-            </a:r>
-            <a:endParaRPr lang="zh-CN" altLang="en-US" sz="3200">
-              <a:solidFill>
-                <a:schemeClr val="tx1">
-                  <a:lumMod val="75000"/>
-                  <a:lumOff val="25000"/>
-                </a:schemeClr>
-              </a:solidFill>
-              <a:latin typeface="微软雅黑" panose="020B0503020204020204" pitchFamily="34" charset="-122"/>
-              <a:ea typeface="微软雅黑" panose="020B0503020204020204" pitchFamily="34" charset="-122"/>
-            </a:endParaRPr>
+              <a:t>多级存储器结构</a:t>
+            </a:r>
           </a:p>
         </p:txBody>
       </p:sp>
@@ -29078,7 +27830,6 @@
                     </a:prstClr>
                   </a:outerShdw>
                 </a:effectLst>
-                <a:extLst/>
               </p:spPr>
               <p:txBody>
                 <a:bodyPr rot="10800000" wrap="none" lIns="90000" tIns="46800" rIns="90000" bIns="46800" anchor="ctr"/>
@@ -29227,7 +27978,6 @@
                     </a:prstClr>
                   </a:outerShdw>
                 </a:effectLst>
-                <a:extLst/>
               </p:spPr>
               <p:txBody>
                 <a:bodyPr rot="10800000" wrap="none" lIns="90000" tIns="46800" rIns="90000" bIns="46800" anchor="ctr"/>
@@ -29406,7 +28156,6 @@
                     </a:prstClr>
                   </a:outerShdw>
                 </a:effectLst>
-                <a:extLst/>
               </p:spPr>
               <p:txBody>
                 <a:bodyPr rot="10800000" wrap="none" lIns="90000" tIns="46800" rIns="90000" bIns="46800" anchor="ctr"/>
@@ -29709,7 +28458,7 @@
                   <a:defRPr/>
                 </a:pPr>
                 <a:r>
-                  <a:rPr lang="zh-CN" altLang="en-US" sz="2800" smtClean="0">
+                  <a:rPr lang="zh-CN" altLang="en-US" sz="2800">
                     <a:solidFill>
                       <a:schemeClr val="tx1">
                         <a:lumMod val="75000"/>
@@ -29721,16 +28470,6 @@
                   </a:rPr>
                   <a:t>寄存器</a:t>
                 </a:r>
-                <a:endParaRPr lang="zh-CN" altLang="en-US" sz="2800">
-                  <a:solidFill>
-                    <a:schemeClr val="tx1">
-                      <a:lumMod val="75000"/>
-                      <a:lumOff val="25000"/>
-                    </a:schemeClr>
-                  </a:solidFill>
-                  <a:latin typeface="微软雅黑" panose="020B0503020204020204" pitchFamily="34" charset="-122"/>
-                  <a:ea typeface="微软雅黑" panose="020B0503020204020204" pitchFamily="34" charset="-122"/>
-                </a:endParaRPr>
               </a:p>
             </p:txBody>
           </p:sp>
@@ -29800,7 +28539,7 @@
                   <a:defRPr/>
                 </a:pPr>
                 <a:r>
-                  <a:rPr lang="zh-CN" altLang="en-US" sz="2800" smtClean="0">
+                  <a:rPr lang="zh-CN" altLang="en-US" sz="2800">
                     <a:solidFill>
                       <a:schemeClr val="tx1">
                         <a:lumMod val="75000"/>
@@ -29812,16 +28551,6 @@
                   </a:rPr>
                   <a:t>高速缓存</a:t>
                 </a:r>
-                <a:endParaRPr lang="zh-CN" altLang="en-US" sz="2800">
-                  <a:solidFill>
-                    <a:schemeClr val="tx1">
-                      <a:lumMod val="75000"/>
-                      <a:lumOff val="25000"/>
-                    </a:schemeClr>
-                  </a:solidFill>
-                  <a:latin typeface="微软雅黑" panose="020B0503020204020204" pitchFamily="34" charset="-122"/>
-                  <a:ea typeface="微软雅黑" panose="020B0503020204020204" pitchFamily="34" charset="-122"/>
-                </a:endParaRPr>
               </a:p>
             </p:txBody>
           </p:sp>
@@ -29891,7 +28620,7 @@
                   <a:defRPr/>
                 </a:pPr>
                 <a:r>
-                  <a:rPr lang="zh-CN" altLang="en-US" sz="2800" smtClean="0">
+                  <a:rPr lang="zh-CN" altLang="en-US" sz="2800">
                     <a:solidFill>
                       <a:schemeClr val="tx1">
                         <a:lumMod val="75000"/>
@@ -29903,16 +28632,6 @@
                   </a:rPr>
                   <a:t>主存</a:t>
                 </a:r>
-                <a:endParaRPr lang="zh-CN" altLang="en-US" sz="2800">
-                  <a:solidFill>
-                    <a:schemeClr val="tx1">
-                      <a:lumMod val="75000"/>
-                      <a:lumOff val="25000"/>
-                    </a:schemeClr>
-                  </a:solidFill>
-                  <a:latin typeface="微软雅黑" panose="020B0503020204020204" pitchFamily="34" charset="-122"/>
-                  <a:ea typeface="微软雅黑" panose="020B0503020204020204" pitchFamily="34" charset="-122"/>
-                </a:endParaRPr>
               </a:p>
             </p:txBody>
           </p:sp>
@@ -29982,7 +28701,7 @@
                   <a:defRPr/>
                 </a:pPr>
                 <a:r>
-                  <a:rPr lang="zh-CN" altLang="en-US" sz="2800" smtClean="0">
+                  <a:rPr lang="zh-CN" altLang="en-US" sz="2800">
                     <a:solidFill>
                       <a:schemeClr val="tx1">
                         <a:lumMod val="75000"/>
@@ -29994,16 +28713,6 @@
                   </a:rPr>
                   <a:t>磁盘缓存</a:t>
                 </a:r>
-                <a:endParaRPr lang="zh-CN" altLang="en-US" sz="2800">
-                  <a:solidFill>
-                    <a:schemeClr val="tx1">
-                      <a:lumMod val="75000"/>
-                      <a:lumOff val="25000"/>
-                    </a:schemeClr>
-                  </a:solidFill>
-                  <a:latin typeface="微软雅黑" panose="020B0503020204020204" pitchFamily="34" charset="-122"/>
-                  <a:ea typeface="微软雅黑" panose="020B0503020204020204" pitchFamily="34" charset="-122"/>
-                </a:endParaRPr>
               </a:p>
             </p:txBody>
           </p:sp>
@@ -30073,7 +28782,7 @@
                   <a:defRPr/>
                 </a:pPr>
                 <a:r>
-                  <a:rPr lang="zh-CN" altLang="en-US" sz="2800" smtClean="0">
+                  <a:rPr lang="zh-CN" altLang="en-US" sz="2800">
                     <a:solidFill>
                       <a:schemeClr val="tx1">
                         <a:lumMod val="75000"/>
@@ -30085,16 +28794,6 @@
                   </a:rPr>
                   <a:t>磁盘</a:t>
                 </a:r>
-                <a:endParaRPr lang="zh-CN" altLang="en-US" sz="2800">
-                  <a:solidFill>
-                    <a:schemeClr val="tx1">
-                      <a:lumMod val="75000"/>
-                      <a:lumOff val="25000"/>
-                    </a:schemeClr>
-                  </a:solidFill>
-                  <a:latin typeface="微软雅黑" panose="020B0503020204020204" pitchFamily="34" charset="-122"/>
-                  <a:ea typeface="微软雅黑" panose="020B0503020204020204" pitchFamily="34" charset="-122"/>
-                </a:endParaRPr>
               </a:p>
             </p:txBody>
           </p:sp>
@@ -30164,7 +28863,7 @@
                   <a:defRPr/>
                 </a:pPr>
                 <a:r>
-                  <a:rPr lang="zh-CN" altLang="en-US" sz="2800" smtClean="0">
+                  <a:rPr lang="zh-CN" altLang="en-US" sz="2800">
                     <a:solidFill>
                       <a:schemeClr val="tx1">
                         <a:lumMod val="75000"/>
@@ -30176,16 +28875,6 @@
                   </a:rPr>
                   <a:t>可移动存储介质</a:t>
                 </a:r>
-                <a:endParaRPr lang="zh-CN" altLang="en-US" sz="2800">
-                  <a:solidFill>
-                    <a:schemeClr val="tx1">
-                      <a:lumMod val="75000"/>
-                      <a:lumOff val="25000"/>
-                    </a:schemeClr>
-                  </a:solidFill>
-                  <a:latin typeface="微软雅黑" panose="020B0503020204020204" pitchFamily="34" charset="-122"/>
-                  <a:ea typeface="微软雅黑" panose="020B0503020204020204" pitchFamily="34" charset="-122"/>
-                </a:endParaRPr>
               </a:p>
             </p:txBody>
           </p:sp>
@@ -30213,13 +28902,6 @@
       </p:transition>
     </mc:Fallback>
   </mc:AlternateContent>
-  <p:timing>
-    <p:tnLst>
-      <p:par>
-        <p:cTn id="1" dur="indefinite" restart="never" nodeType="tmRoot"/>
-      </p:par>
-    </p:tnLst>
-  </p:timing>
 </p:sld>
 </file>
 
@@ -30259,7 +28941,6 @@
               <a:rPr lang="zh-CN" altLang="en-US"/>
               <a:t>存储器的层次结构</a:t>
             </a:r>
-            <a:endParaRPr lang="zh-CN" altLang="en-US"/>
           </a:p>
         </p:txBody>
       </p:sp>
@@ -30302,35 +28983,9 @@
                 <a:latin typeface="微软雅黑" panose="020B0503020204020204" pitchFamily="34" charset="-122"/>
                 <a:ea typeface="微软雅黑" panose="020B0503020204020204" pitchFamily="34" charset="-122"/>
               </a:rPr>
-              <a:t>主存储器</a:t>
-            </a:r>
-            <a:r>
-              <a:rPr lang="zh-CN" altLang="en-US" sz="3200">
-                <a:solidFill>
-                  <a:schemeClr val="tx1">
-                    <a:lumMod val="75000"/>
-                    <a:lumOff val="25000"/>
-                  </a:schemeClr>
-                </a:solidFill>
-                <a:latin typeface="微软雅黑" panose="020B0503020204020204" pitchFamily="34" charset="-122"/>
-                <a:ea typeface="微软雅黑" panose="020B0503020204020204" pitchFamily="34" charset="-122"/>
-              </a:rPr>
-              <a:t>与</a:t>
-            </a:r>
-            <a:r>
-              <a:rPr lang="zh-CN" altLang="en-US" sz="3200" smtClean="0">
-                <a:solidFill>
-                  <a:schemeClr val="tx1">
-                    <a:lumMod val="75000"/>
-                    <a:lumOff val="25000"/>
-                  </a:schemeClr>
-                </a:solidFill>
-                <a:latin typeface="微软雅黑" panose="020B0503020204020204" pitchFamily="34" charset="-122"/>
-                <a:ea typeface="微软雅黑" panose="020B0503020204020204" pitchFamily="34" charset="-122"/>
-              </a:rPr>
-              <a:t>寄存器</a:t>
-            </a:r>
-            <a:endParaRPr lang="en-US" altLang="zh-CN" sz="3200" smtClean="0">
+              <a:t>主存储器与寄存器</a:t>
+            </a:r>
+            <a:endParaRPr lang="en-US" altLang="zh-CN" sz="3200">
               <a:solidFill>
                 <a:schemeClr val="tx1">
                   <a:lumMod val="75000"/>
@@ -30351,7 +29006,7 @@
               </a:spcBef>
             </a:pPr>
             <a:r>
-              <a:rPr lang="zh-CN" altLang="en-US" sz="3200" smtClean="0">
+              <a:rPr lang="zh-CN" altLang="en-US" sz="3200">
                 <a:solidFill>
                   <a:schemeClr val="tx1">
                     <a:lumMod val="75000"/>
@@ -30361,10 +29016,10 @@
                 <a:latin typeface="微软雅黑" panose="020B0503020204020204" pitchFamily="34" charset="-122"/>
                 <a:ea typeface="微软雅黑" panose="020B0503020204020204" pitchFamily="34" charset="-122"/>
               </a:rPr>
-              <a:t> 主存储器</a:t>
-            </a:r>
-            <a:r>
-              <a:rPr lang="zh-CN" altLang="en-US" sz="3200">
+              <a:t> 主存储器：是计算机硬件的一个重要部件，其作用是存放指令和数据，并能由</a:t>
+            </a:r>
+            <a:r>
+              <a:rPr lang="en-US" altLang="zh-CN" sz="3200">
                 <a:solidFill>
                   <a:schemeClr val="tx1">
                     <a:lumMod val="75000"/>
@@ -30374,7 +29029,7 @@
                 <a:latin typeface="微软雅黑" panose="020B0503020204020204" pitchFamily="34" charset="-122"/>
                 <a:ea typeface="微软雅黑" panose="020B0503020204020204" pitchFamily="34" charset="-122"/>
               </a:rPr>
-              <a:t>：是计算机硬件的一个重要部件，</a:t>
+              <a:t>CPU</a:t>
             </a:r>
             <a:r>
               <a:rPr lang="zh-CN" altLang="en-US" sz="3200">
@@ -30387,85 +29042,7 @@
                 <a:latin typeface="微软雅黑" panose="020B0503020204020204" pitchFamily="34" charset="-122"/>
                 <a:ea typeface="微软雅黑" panose="020B0503020204020204" pitchFamily="34" charset="-122"/>
               </a:rPr>
-              <a:t>其</a:t>
-            </a:r>
-            <a:r>
-              <a:rPr lang="zh-CN" altLang="en-US" sz="3200" smtClean="0">
-                <a:solidFill>
-                  <a:schemeClr val="tx1">
-                    <a:lumMod val="75000"/>
-                    <a:lumOff val="25000"/>
-                  </a:schemeClr>
-                </a:solidFill>
-                <a:latin typeface="微软雅黑" panose="020B0503020204020204" pitchFamily="34" charset="-122"/>
-                <a:ea typeface="微软雅黑" panose="020B0503020204020204" pitchFamily="34" charset="-122"/>
-              </a:rPr>
-              <a:t>作用是</a:t>
-            </a:r>
-            <a:r>
-              <a:rPr lang="zh-CN" altLang="en-US" sz="3200">
-                <a:solidFill>
-                  <a:schemeClr val="tx1">
-                    <a:lumMod val="75000"/>
-                    <a:lumOff val="25000"/>
-                  </a:schemeClr>
-                </a:solidFill>
-                <a:latin typeface="微软雅黑" panose="020B0503020204020204" pitchFamily="34" charset="-122"/>
-                <a:ea typeface="微软雅黑" panose="020B0503020204020204" pitchFamily="34" charset="-122"/>
-              </a:rPr>
-              <a:t>存放指令和数据，并能由</a:t>
-            </a:r>
-            <a:r>
-              <a:rPr lang="en-US" altLang="zh-CN" sz="3200">
-                <a:solidFill>
-                  <a:schemeClr val="tx1">
-                    <a:lumMod val="75000"/>
-                    <a:lumOff val="25000"/>
-                  </a:schemeClr>
-                </a:solidFill>
-                <a:latin typeface="微软雅黑" panose="020B0503020204020204" pitchFamily="34" charset="-122"/>
-                <a:ea typeface="微软雅黑" panose="020B0503020204020204" pitchFamily="34" charset="-122"/>
-              </a:rPr>
-              <a:t>CPU</a:t>
-            </a:r>
-            <a:r>
-              <a:rPr lang="zh-CN" altLang="en-US" sz="3200">
-                <a:solidFill>
-                  <a:schemeClr val="tx1">
-                    <a:lumMod val="75000"/>
-                    <a:lumOff val="25000"/>
-                  </a:schemeClr>
-                </a:solidFill>
-                <a:latin typeface="微软雅黑" panose="020B0503020204020204" pitchFamily="34" charset="-122"/>
-                <a:ea typeface="微软雅黑" panose="020B0503020204020204" pitchFamily="34" charset="-122"/>
-              </a:rPr>
-              <a:t>直接</a:t>
-            </a:r>
-            <a:r>
-              <a:rPr lang="zh-CN" altLang="en-US" sz="3200" smtClean="0">
-                <a:solidFill>
-                  <a:schemeClr val="tx1">
-                    <a:lumMod val="75000"/>
-                    <a:lumOff val="25000"/>
-                  </a:schemeClr>
-                </a:solidFill>
-                <a:latin typeface="微软雅黑" panose="020B0503020204020204" pitchFamily="34" charset="-122"/>
-                <a:ea typeface="微软雅黑" panose="020B0503020204020204" pitchFamily="34" charset="-122"/>
-              </a:rPr>
-              <a:t>随机存取</a:t>
-            </a:r>
-            <a:r>
-              <a:rPr lang="zh-CN" altLang="en-US" sz="3200">
-                <a:solidFill>
-                  <a:schemeClr val="tx1">
-                    <a:lumMod val="75000"/>
-                    <a:lumOff val="25000"/>
-                  </a:schemeClr>
-                </a:solidFill>
-                <a:latin typeface="微软雅黑" panose="020B0503020204020204" pitchFamily="34" charset="-122"/>
-                <a:ea typeface="微软雅黑" panose="020B0503020204020204" pitchFamily="34" charset="-122"/>
-              </a:rPr>
-              <a:t>。</a:t>
+              <a:t>直接随机存取。</a:t>
             </a:r>
             <a:endParaRPr lang="zh-CN" altLang="en-US" sz="2800">
               <a:solidFill>
@@ -30488,7 +29065,7 @@
               </a:spcBef>
             </a:pPr>
             <a:r>
-              <a:rPr lang="zh-CN" altLang="en-US" sz="3200" smtClean="0">
+              <a:rPr lang="zh-CN" altLang="en-US" sz="3200">
                 <a:solidFill>
                   <a:schemeClr val="tx1">
                     <a:lumMod val="75000"/>
@@ -30498,20 +29075,7 @@
                 <a:latin typeface="微软雅黑" panose="020B0503020204020204" pitchFamily="34" charset="-122"/>
                 <a:ea typeface="微软雅黑" panose="020B0503020204020204" pitchFamily="34" charset="-122"/>
               </a:rPr>
-              <a:t> 寄存器</a:t>
-            </a:r>
-            <a:r>
-              <a:rPr lang="zh-CN" altLang="en-US" sz="3200">
-                <a:solidFill>
-                  <a:schemeClr val="tx1">
-                    <a:lumMod val="75000"/>
-                    <a:lumOff val="25000"/>
-                  </a:schemeClr>
-                </a:solidFill>
-                <a:latin typeface="微软雅黑" panose="020B0503020204020204" pitchFamily="34" charset="-122"/>
-                <a:ea typeface="微软雅黑" panose="020B0503020204020204" pitchFamily="34" charset="-122"/>
-              </a:rPr>
-              <a:t>：访问速度最快。</a:t>
+              <a:t> 寄存器：访问速度最快。</a:t>
             </a:r>
           </a:p>
           <a:p>
@@ -30547,7 +29111,7 @@
               </a:spcBef>
             </a:pPr>
             <a:r>
-              <a:rPr lang="zh-CN" altLang="en-US" sz="3200" smtClean="0">
+              <a:rPr lang="zh-CN" altLang="en-US" sz="3200">
                 <a:solidFill>
                   <a:schemeClr val="tx1">
                     <a:lumMod val="75000"/>
@@ -30557,57 +29121,8 @@
                 <a:latin typeface="微软雅黑" panose="020B0503020204020204" pitchFamily="34" charset="-122"/>
                 <a:ea typeface="微软雅黑" panose="020B0503020204020204" pitchFamily="34" charset="-122"/>
               </a:rPr>
-              <a:t> 高速缓存</a:t>
-            </a:r>
-            <a:r>
-              <a:rPr lang="zh-CN" altLang="en-US" sz="3200">
-                <a:solidFill>
-                  <a:schemeClr val="tx1">
-                    <a:lumMod val="75000"/>
-                    <a:lumOff val="25000"/>
-                  </a:schemeClr>
-                </a:solidFill>
-                <a:latin typeface="微软雅黑" panose="020B0503020204020204" pitchFamily="34" charset="-122"/>
-                <a:ea typeface="微软雅黑" panose="020B0503020204020204" pitchFamily="34" charset="-122"/>
-              </a:rPr>
-              <a:t>：访问速度快</a:t>
-            </a:r>
-            <a:r>
-              <a:rPr lang="zh-CN" altLang="en-US" sz="3200">
-                <a:solidFill>
-                  <a:schemeClr val="tx1">
-                    <a:lumMod val="75000"/>
-                    <a:lumOff val="25000"/>
-                  </a:schemeClr>
-                </a:solidFill>
-                <a:latin typeface="微软雅黑" panose="020B0503020204020204" pitchFamily="34" charset="-122"/>
-                <a:ea typeface="微软雅黑" panose="020B0503020204020204" pitchFamily="34" charset="-122"/>
-              </a:rPr>
-              <a:t>于</a:t>
-            </a:r>
-            <a:r>
-              <a:rPr lang="zh-CN" altLang="en-US" sz="3200" smtClean="0">
-                <a:solidFill>
-                  <a:schemeClr val="tx1">
-                    <a:lumMod val="75000"/>
-                    <a:lumOff val="25000"/>
-                  </a:schemeClr>
-                </a:solidFill>
-                <a:latin typeface="微软雅黑" panose="020B0503020204020204" pitchFamily="34" charset="-122"/>
-                <a:ea typeface="微软雅黑" panose="020B0503020204020204" pitchFamily="34" charset="-122"/>
-              </a:rPr>
-              <a:t>主存储器。</a:t>
-            </a:r>
-            <a:endParaRPr lang="zh-CN" altLang="en-US" sz="3200">
-              <a:solidFill>
-                <a:schemeClr val="tx1">
-                  <a:lumMod val="75000"/>
-                  <a:lumOff val="25000"/>
-                </a:schemeClr>
-              </a:solidFill>
-              <a:latin typeface="微软雅黑" panose="020B0503020204020204" pitchFamily="34" charset="-122"/>
-              <a:ea typeface="微软雅黑" panose="020B0503020204020204" pitchFamily="34" charset="-122"/>
-            </a:endParaRPr>
+              <a:t> 高速缓存：访问速度快于主存储器。</a:t>
+            </a:r>
           </a:p>
           <a:p>
             <a:pPr lvl="1" eaLnBrk="1">
@@ -30619,7 +29134,7 @@
               </a:spcBef>
             </a:pPr>
             <a:r>
-              <a:rPr lang="zh-CN" altLang="en-US" sz="3200" smtClean="0">
+              <a:rPr lang="zh-CN" altLang="en-US" sz="3200">
                 <a:solidFill>
                   <a:schemeClr val="tx1">
                     <a:lumMod val="75000"/>
@@ -30629,70 +29144,8 @@
                 <a:latin typeface="微软雅黑" panose="020B0503020204020204" pitchFamily="34" charset="-122"/>
                 <a:ea typeface="微软雅黑" panose="020B0503020204020204" pitchFamily="34" charset="-122"/>
               </a:rPr>
-              <a:t> 磁盘</a:t>
-            </a:r>
-            <a:r>
-              <a:rPr lang="zh-CN" altLang="en-US" sz="3200">
-                <a:solidFill>
-                  <a:schemeClr val="tx1">
-                    <a:lumMod val="75000"/>
-                    <a:lumOff val="25000"/>
-                  </a:schemeClr>
-                </a:solidFill>
-                <a:latin typeface="微软雅黑" panose="020B0503020204020204" pitchFamily="34" charset="-122"/>
-                <a:ea typeface="微软雅黑" panose="020B0503020204020204" pitchFamily="34" charset="-122"/>
-              </a:rPr>
-              <a:t>缓存：利用主存中</a:t>
-            </a:r>
-            <a:r>
-              <a:rPr lang="zh-CN" altLang="en-US" sz="3200">
-                <a:solidFill>
-                  <a:schemeClr val="tx1">
-                    <a:lumMod val="75000"/>
-                    <a:lumOff val="25000"/>
-                  </a:schemeClr>
-                </a:solidFill>
-                <a:latin typeface="微软雅黑" panose="020B0503020204020204" pitchFamily="34" charset="-122"/>
-                <a:ea typeface="微软雅黑" panose="020B0503020204020204" pitchFamily="34" charset="-122"/>
-              </a:rPr>
-              <a:t>的</a:t>
-            </a:r>
-            <a:r>
-              <a:rPr lang="zh-CN" altLang="en-US" sz="3200" smtClean="0">
-                <a:solidFill>
-                  <a:schemeClr val="tx1">
-                    <a:lumMod val="75000"/>
-                    <a:lumOff val="25000"/>
-                  </a:schemeClr>
-                </a:solidFill>
-                <a:latin typeface="微软雅黑" panose="020B0503020204020204" pitchFamily="34" charset="-122"/>
-                <a:ea typeface="微软雅黑" panose="020B0503020204020204" pitchFamily="34" charset="-122"/>
-              </a:rPr>
-              <a:t>存储空间</a:t>
-            </a:r>
-            <a:r>
-              <a:rPr lang="zh-CN" altLang="en-US" sz="3200">
-                <a:solidFill>
-                  <a:schemeClr val="tx1">
-                    <a:lumMod val="75000"/>
-                    <a:lumOff val="25000"/>
-                  </a:schemeClr>
-                </a:solidFill>
-                <a:latin typeface="微软雅黑" panose="020B0503020204020204" pitchFamily="34" charset="-122"/>
-                <a:ea typeface="微软雅黑" panose="020B0503020204020204" pitchFamily="34" charset="-122"/>
-              </a:rPr>
-              <a:t>。</a:t>
-            </a:r>
-            <a:endParaRPr lang="zh-CN" altLang="en-US" sz="3200">
-              <a:solidFill>
-                <a:schemeClr val="tx1">
-                  <a:lumMod val="75000"/>
-                  <a:lumOff val="25000"/>
-                </a:schemeClr>
-              </a:solidFill>
-              <a:latin typeface="微软雅黑" panose="020B0503020204020204" pitchFamily="34" charset="-122"/>
-              <a:ea typeface="微软雅黑" panose="020B0503020204020204" pitchFamily="34" charset="-122"/>
-            </a:endParaRPr>
+              <a:t> 磁盘缓存：利用主存中的存储空间。</a:t>
+            </a:r>
           </a:p>
         </p:txBody>
       </p:sp>
@@ -30718,13 +29171,6 @@
       </p:transition>
     </mc:Fallback>
   </mc:AlternateContent>
-  <p:timing>
-    <p:tnLst>
-      <p:par>
-        <p:cTn id="1" dur="indefinite" restart="never" nodeType="tmRoot"/>
-      </p:par>
-    </p:tnLst>
-  </p:timing>
 </p:sld>
 </file>
 
@@ -30764,7 +29210,6 @@
               <a:rPr lang="zh-CN" altLang="en-US"/>
               <a:t>程序的装入和链接</a:t>
             </a:r>
-            <a:endParaRPr lang="zh-CN" altLang="en-US"/>
           </a:p>
         </p:txBody>
       </p:sp>
@@ -30950,44 +29395,8 @@
                 <a:latin typeface="微软雅黑" panose="020B0503020204020204" pitchFamily="34" charset="-122"/>
                 <a:ea typeface="微软雅黑" panose="020B0503020204020204" pitchFamily="34" charset="-122"/>
               </a:rPr>
-              <a:t>运行时</a:t>
-            </a:r>
-            <a:r>
-              <a:rPr lang="zh-CN" altLang="en-US" sz="3200">
-                <a:solidFill>
-                  <a:schemeClr val="tx1">
-                    <a:lumMod val="75000"/>
-                    <a:lumOff val="25000"/>
-                  </a:schemeClr>
-                </a:solidFill>
-                <a:latin typeface="微软雅黑" panose="020B0503020204020204" pitchFamily="34" charset="-122"/>
-                <a:ea typeface="微软雅黑" panose="020B0503020204020204" pitchFamily="34" charset="-122"/>
-              </a:rPr>
-              <a:t>动态</a:t>
-            </a:r>
-            <a:r>
-              <a:rPr lang="zh-CN" altLang="en-US" sz="3200" smtClean="0">
-                <a:solidFill>
-                  <a:schemeClr val="tx1">
-                    <a:lumMod val="75000"/>
-                    <a:lumOff val="25000"/>
-                  </a:schemeClr>
-                </a:solidFill>
-                <a:latin typeface="微软雅黑" panose="020B0503020204020204" pitchFamily="34" charset="-122"/>
-                <a:ea typeface="微软雅黑" panose="020B0503020204020204" pitchFamily="34" charset="-122"/>
-              </a:rPr>
-              <a:t>链接</a:t>
-            </a:r>
-            <a:endParaRPr lang="zh-CN" altLang="en-US" sz="3200">
-              <a:solidFill>
-                <a:schemeClr val="tx1">
-                  <a:lumMod val="75000"/>
-                  <a:lumOff val="25000"/>
-                </a:schemeClr>
-              </a:solidFill>
-              <a:latin typeface="微软雅黑" panose="020B0503020204020204" pitchFamily="34" charset="-122"/>
-              <a:ea typeface="微软雅黑" panose="020B0503020204020204" pitchFamily="34" charset="-122"/>
-            </a:endParaRPr>
+              <a:t>运行时动态链接</a:t>
+            </a:r>
           </a:p>
         </p:txBody>
       </p:sp>
@@ -31013,13 +29422,6 @@
       </p:transition>
     </mc:Fallback>
   </mc:AlternateContent>
-  <p:timing>
-    <p:tnLst>
-      <p:par>
-        <p:cTn id="1" dur="indefinite" restart="never" nodeType="tmRoot"/>
-      </p:par>
-    </p:tnLst>
-  </p:timing>
 </p:sld>
 </file>
 
@@ -31059,7 +29461,6 @@
               <a:rPr lang="zh-CN" altLang="en-US"/>
               <a:t>连续分配方式</a:t>
             </a:r>
-            <a:endParaRPr lang="zh-CN" altLang="en-US"/>
           </a:p>
         </p:txBody>
       </p:sp>
@@ -31102,46 +29503,7 @@
                 <a:latin typeface="微软雅黑" panose="020B0503020204020204" pitchFamily="34" charset="-122"/>
                 <a:ea typeface="微软雅黑" panose="020B0503020204020204" pitchFamily="34" charset="-122"/>
               </a:rPr>
-              <a:t>连续分配方式：是指为一个用户程序分配一个</a:t>
-            </a:r>
-            <a:r>
-              <a:rPr lang="zh-CN" altLang="en-US" sz="3200">
-                <a:solidFill>
-                  <a:schemeClr val="tx1">
-                    <a:lumMod val="75000"/>
-                    <a:lumOff val="25000"/>
-                  </a:schemeClr>
-                </a:solidFill>
-                <a:latin typeface="微软雅黑" panose="020B0503020204020204" pitchFamily="34" charset="-122"/>
-                <a:ea typeface="微软雅黑" panose="020B0503020204020204" pitchFamily="34" charset="-122"/>
-              </a:rPr>
-              <a:t>连续的</a:t>
-            </a:r>
-            <a:r>
-              <a:rPr lang="zh-CN" altLang="en-US" sz="3200" smtClean="0">
-                <a:solidFill>
-                  <a:schemeClr val="tx1">
-                    <a:lumMod val="75000"/>
-                    <a:lumOff val="25000"/>
-                  </a:schemeClr>
-                </a:solidFill>
-                <a:latin typeface="微软雅黑" panose="020B0503020204020204" pitchFamily="34" charset="-122"/>
-                <a:ea typeface="微软雅黑" panose="020B0503020204020204" pitchFamily="34" charset="-122"/>
-              </a:rPr>
-              <a:t>内存</a:t>
-            </a:r>
-            <a:r>
-              <a:rPr lang="zh-CN" altLang="en-US" sz="3200">
-                <a:solidFill>
-                  <a:schemeClr val="tx1">
-                    <a:lumMod val="75000"/>
-                    <a:lumOff val="25000"/>
-                  </a:schemeClr>
-                </a:solidFill>
-                <a:latin typeface="微软雅黑" panose="020B0503020204020204" pitchFamily="34" charset="-122"/>
-                <a:ea typeface="微软雅黑" panose="020B0503020204020204" pitchFamily="34" charset="-122"/>
-              </a:rPr>
-              <a:t>空间。</a:t>
+              <a:t>连续分配方式：是指为一个用户程序分配一个连续的内存空间。</a:t>
             </a:r>
           </a:p>
           <a:p>
@@ -31283,13 +29645,6 @@
       </p:transition>
     </mc:Fallback>
   </mc:AlternateContent>
-  <p:timing>
-    <p:tnLst>
-      <p:par>
-        <p:cTn id="1" dur="indefinite" restart="never" nodeType="tmRoot"/>
-      </p:par>
-    </p:tnLst>
-  </p:timing>
 </p:sld>
 </file>
 
@@ -31450,7 +29805,7 @@
               <a:lstStyle/>
               <a:p>
                 <a:r>
-                  <a:rPr lang="zh-CN" altLang="en-US" sz="3600" smtClean="0">
+                  <a:rPr lang="zh-CN" altLang="en-US" sz="3600">
                     <a:solidFill>
                       <a:schemeClr val="tx1">
                         <a:lumMod val="75000"/>
@@ -31462,16 +29817,6 @@
                   </a:rPr>
                   <a:t>硬件</a:t>
                 </a:r>
-                <a:endParaRPr lang="zh-CN" altLang="en-US" sz="3600">
-                  <a:solidFill>
-                    <a:schemeClr val="tx1">
-                      <a:lumMod val="75000"/>
-                      <a:lumOff val="25000"/>
-                    </a:schemeClr>
-                  </a:solidFill>
-                  <a:latin typeface="微软雅黑" panose="020B0503020204020204" pitchFamily="34" charset="-122"/>
-                  <a:ea typeface="微软雅黑" panose="020B0503020204020204" pitchFamily="34" charset="-122"/>
-                </a:endParaRPr>
               </a:p>
             </p:txBody>
           </p:sp>
@@ -31485,79 +29830,6 @@
               <a:xfrm>
                 <a:off x="3215680" y="4761147"/>
                 <a:ext cx="1320800" cy="936104"/>
-              </a:xfrm>
-              <a:prstGeom prst="ellipse">
-                <a:avLst/>
-              </a:prstGeom>
-              <a:solidFill>
-                <a:srgbClr val="FFCC99"/>
-              </a:solidFill>
-              <a:ln w="38100">
-                <a:solidFill>
-                  <a:schemeClr val="tx1">
-                    <a:lumMod val="75000"/>
-                    <a:lumOff val="25000"/>
-                  </a:schemeClr>
-                </a:solidFill>
-              </a:ln>
-            </p:spPr>
-            <p:style>
-              <a:lnRef idx="2">
-                <a:schemeClr val="accent1">
-                  <a:shade val="50000"/>
-                </a:schemeClr>
-              </a:lnRef>
-              <a:fillRef idx="1">
-                <a:schemeClr val="accent1"/>
-              </a:fillRef>
-              <a:effectRef idx="0">
-                <a:schemeClr val="accent1"/>
-              </a:effectRef>
-              <a:fontRef idx="minor">
-                <a:schemeClr val="lt1"/>
-              </a:fontRef>
-            </p:style>
-            <p:txBody>
-              <a:bodyPr rtlCol="0" anchor="ctr"/>
-              <a:lstStyle/>
-              <a:p>
-                <a:pPr algn="ctr"/>
-                <a:r>
-                  <a:rPr lang="zh-CN" altLang="en-US" sz="2800" smtClean="0">
-                    <a:solidFill>
-                      <a:schemeClr val="tx1">
-                        <a:lumMod val="75000"/>
-                        <a:lumOff val="25000"/>
-                      </a:schemeClr>
-                    </a:solidFill>
-                    <a:latin typeface="微软雅黑" panose="020B0503020204020204" pitchFamily="34" charset="-122"/>
-                    <a:ea typeface="微软雅黑" panose="020B0503020204020204" pitchFamily="34" charset="-122"/>
-                  </a:rPr>
-                  <a:t>显卡</a:t>
-                </a:r>
-                <a:endParaRPr lang="zh-CN" altLang="en-US" sz="2800">
-                  <a:solidFill>
-                    <a:schemeClr val="tx1">
-                      <a:lumMod val="75000"/>
-                      <a:lumOff val="25000"/>
-                    </a:schemeClr>
-                  </a:solidFill>
-                  <a:latin typeface="微软雅黑" panose="020B0503020204020204" pitchFamily="34" charset="-122"/>
-                  <a:ea typeface="微软雅黑" panose="020B0503020204020204" pitchFamily="34" charset="-122"/>
-                </a:endParaRPr>
-              </a:p>
-            </p:txBody>
-          </p:sp>
-          <p:sp>
-            <p:nvSpPr>
-              <p:cNvPr id="11" name="椭圆 10"/>
-              <p:cNvSpPr/>
-              <p:nvPr/>
-            </p:nvSpPr>
-            <p:spPr>
-              <a:xfrm>
-                <a:off x="4986530" y="4761147"/>
-                <a:ext cx="1332148" cy="936104"/>
               </a:xfrm>
               <a:prstGeom prst="ellipse">
                 <a:avLst/>
@@ -31606,44 +29878,21 @@
                     <a:latin typeface="微软雅黑" panose="020B0503020204020204" pitchFamily="34" charset="-122"/>
                     <a:ea typeface="微软雅黑" panose="020B0503020204020204" pitchFamily="34" charset="-122"/>
                   </a:rPr>
-                  <a:t>声</a:t>
+                  <a:t>显卡</a:t>
                 </a:r>
-                <a:r>
-                  <a:rPr lang="zh-CN" altLang="en-US" sz="2800" smtClean="0">
-                    <a:solidFill>
-                      <a:schemeClr val="tx1">
-                        <a:lumMod val="75000"/>
-                        <a:lumOff val="25000"/>
-                      </a:schemeClr>
-                    </a:solidFill>
-                    <a:latin typeface="微软雅黑" panose="020B0503020204020204" pitchFamily="34" charset="-122"/>
-                    <a:ea typeface="微软雅黑" panose="020B0503020204020204" pitchFamily="34" charset="-122"/>
-                  </a:rPr>
-                  <a:t>卡</a:t>
-                </a:r>
-                <a:endParaRPr lang="zh-CN" altLang="en-US" sz="2800">
-                  <a:solidFill>
-                    <a:schemeClr val="tx1">
-                      <a:lumMod val="75000"/>
-                      <a:lumOff val="25000"/>
-                    </a:schemeClr>
-                  </a:solidFill>
-                  <a:latin typeface="微软雅黑" panose="020B0503020204020204" pitchFamily="34" charset="-122"/>
-                  <a:ea typeface="微软雅黑" panose="020B0503020204020204" pitchFamily="34" charset="-122"/>
-                </a:endParaRPr>
               </a:p>
             </p:txBody>
           </p:sp>
           <p:sp>
             <p:nvSpPr>
-              <p:cNvPr id="12" name="椭圆 11"/>
+              <p:cNvPr id="11" name="椭圆 10"/>
               <p:cNvSpPr/>
               <p:nvPr/>
             </p:nvSpPr>
             <p:spPr>
               <a:xfrm>
-                <a:off x="6768728" y="4761147"/>
-                <a:ext cx="1271488" cy="936104"/>
+                <a:off x="4986530" y="4761147"/>
+                <a:ext cx="1332148" cy="936104"/>
               </a:xfrm>
               <a:prstGeom prst="ellipse">
                 <a:avLst/>
@@ -31682,7 +29931,70 @@
               <a:p>
                 <a:pPr algn="ctr"/>
                 <a:r>
-                  <a:rPr lang="en-US" altLang="zh-CN" sz="2800" smtClean="0">
+                  <a:rPr lang="zh-CN" altLang="en-US" sz="2800">
+                    <a:solidFill>
+                      <a:schemeClr val="tx1">
+                        <a:lumMod val="75000"/>
+                        <a:lumOff val="25000"/>
+                      </a:schemeClr>
+                    </a:solidFill>
+                    <a:latin typeface="微软雅黑" panose="020B0503020204020204" pitchFamily="34" charset="-122"/>
+                    <a:ea typeface="微软雅黑" panose="020B0503020204020204" pitchFamily="34" charset="-122"/>
+                  </a:rPr>
+                  <a:t>声卡</a:t>
+                </a:r>
+              </a:p>
+            </p:txBody>
+          </p:sp>
+          <p:sp>
+            <p:nvSpPr>
+              <p:cNvPr id="12" name="椭圆 11"/>
+              <p:cNvSpPr/>
+              <p:nvPr/>
+            </p:nvSpPr>
+            <p:spPr>
+              <a:xfrm>
+                <a:off x="6768728" y="4761147"/>
+                <a:ext cx="1271488" cy="936104"/>
+              </a:xfrm>
+              <a:prstGeom prst="ellipse">
+                <a:avLst/>
+              </a:prstGeom>
+              <a:solidFill>
+                <a:srgbClr val="FFCC99"/>
+              </a:solidFill>
+              <a:ln w="38100">
+                <a:solidFill>
+                  <a:schemeClr val="tx1">
+                    <a:lumMod val="75000"/>
+                    <a:lumOff val="25000"/>
+                  </a:schemeClr>
+                </a:solidFill>
+              </a:ln>
+            </p:spPr>
+            <p:style>
+              <a:lnRef idx="2">
+                <a:schemeClr val="accent1">
+                  <a:shade val="50000"/>
+                </a:schemeClr>
+              </a:lnRef>
+              <a:fillRef idx="1">
+                <a:schemeClr val="accent1"/>
+              </a:fillRef>
+              <a:effectRef idx="0">
+                <a:schemeClr val="accent1"/>
+              </a:effectRef>
+              <a:fontRef idx="minor">
+                <a:schemeClr val="lt1"/>
+              </a:fontRef>
+            </p:style>
+            <p:txBody>
+              <a:bodyPr rtlCol="0" anchor="ctr"/>
+              <a:lstStyle/>
+              <a:p>
+                <a:pPr algn="ctr"/>
+                <a:r>
+                  <a:rPr lang="en-US" altLang="zh-CN" sz="2800">
                     <a:solidFill>
                       <a:schemeClr val="tx1">
                         <a:lumMod val="75000"/>
@@ -31806,7 +30118,7 @@
               <a:lstStyle/>
               <a:p>
                 <a:r>
-                  <a:rPr lang="zh-CN" altLang="en-US" sz="3600" smtClean="0">
+                  <a:rPr lang="zh-CN" altLang="en-US" sz="3600">
                     <a:solidFill>
                       <a:schemeClr val="tx1">
                         <a:lumMod val="75000"/>
@@ -31818,16 +30130,6 @@
                   </a:rPr>
                   <a:t>系统软件</a:t>
                 </a:r>
-                <a:endParaRPr lang="zh-CN" altLang="en-US" sz="3600">
-                  <a:solidFill>
-                    <a:schemeClr val="tx1">
-                      <a:lumMod val="75000"/>
-                      <a:lumOff val="25000"/>
-                    </a:schemeClr>
-                  </a:solidFill>
-                  <a:latin typeface="微软雅黑" panose="020B0503020204020204" pitchFamily="34" charset="-122"/>
-                  <a:ea typeface="微软雅黑" panose="020B0503020204020204" pitchFamily="34" charset="-122"/>
-                </a:endParaRPr>
               </a:p>
             </p:txBody>
           </p:sp>
@@ -31881,7 +30183,7 @@
               <a:p>
                 <a:pPr algn="ctr"/>
                 <a:r>
-                  <a:rPr lang="zh-CN" altLang="en-US" sz="2800" smtClean="0">
+                  <a:rPr lang="zh-CN" altLang="en-US" sz="2800">
                     <a:solidFill>
                       <a:schemeClr val="tx1">
                         <a:lumMod val="75000"/>
@@ -31893,16 +30195,6 @@
                   </a:rPr>
                   <a:t>驱动程序</a:t>
                 </a:r>
-                <a:endParaRPr lang="zh-CN" altLang="en-US" sz="2800">
-                  <a:solidFill>
-                    <a:schemeClr val="tx1">
-                      <a:lumMod val="75000"/>
-                      <a:lumOff val="25000"/>
-                    </a:schemeClr>
-                  </a:solidFill>
-                  <a:latin typeface="微软雅黑" panose="020B0503020204020204" pitchFamily="34" charset="-122"/>
-                  <a:ea typeface="微软雅黑" panose="020B0503020204020204" pitchFamily="34" charset="-122"/>
-                </a:endParaRPr>
               </a:p>
             </p:txBody>
           </p:sp>
@@ -31956,7 +30248,7 @@
               <a:p>
                 <a:pPr algn="ctr"/>
                 <a:r>
-                  <a:rPr lang="zh-CN" altLang="en-US" sz="2800" smtClean="0">
+                  <a:rPr lang="zh-CN" altLang="en-US" sz="2800">
                     <a:solidFill>
                       <a:schemeClr val="tx1">
                         <a:lumMod val="75000"/>
@@ -31968,16 +30260,6 @@
                   </a:rPr>
                   <a:t>操作系统</a:t>
                 </a:r>
-                <a:endParaRPr lang="zh-CN" altLang="en-US" sz="2800">
-                  <a:solidFill>
-                    <a:schemeClr val="tx1">
-                      <a:lumMod val="75000"/>
-                      <a:lumOff val="25000"/>
-                    </a:schemeClr>
-                  </a:solidFill>
-                  <a:latin typeface="微软雅黑" panose="020B0503020204020204" pitchFamily="34" charset="-122"/>
-                  <a:ea typeface="微软雅黑" panose="020B0503020204020204" pitchFamily="34" charset="-122"/>
-                </a:endParaRPr>
               </a:p>
             </p:txBody>
           </p:sp>
@@ -32094,7 +30376,7 @@
                 <a:lstStyle/>
                 <a:p>
                   <a:r>
-                    <a:rPr lang="zh-CN" altLang="en-US" sz="3600" smtClean="0">
+                    <a:rPr lang="zh-CN" altLang="en-US" sz="3600">
                       <a:solidFill>
                         <a:schemeClr val="tx1">
                           <a:lumMod val="75000"/>
@@ -32106,16 +30388,6 @@
                     </a:rPr>
                     <a:t>应用软件</a:t>
                   </a:r>
-                  <a:endParaRPr lang="zh-CN" altLang="en-US" sz="3600">
-                    <a:solidFill>
-                      <a:schemeClr val="tx1">
-                        <a:lumMod val="75000"/>
-                        <a:lumOff val="25000"/>
-                      </a:schemeClr>
-                    </a:solidFill>
-                    <a:latin typeface="微软雅黑" panose="020B0503020204020204" pitchFamily="34" charset="-122"/>
-                    <a:ea typeface="微软雅黑" panose="020B0503020204020204" pitchFamily="34" charset="-122"/>
-                  </a:endParaRPr>
                 </a:p>
               </p:txBody>
             </p:sp>
@@ -32171,7 +30443,7 @@
               <a:p>
                 <a:pPr algn="ctr"/>
                 <a:r>
-                  <a:rPr lang="en-US" altLang="zh-CN" sz="2800" smtClean="0">
+                  <a:rPr lang="en-US" altLang="zh-CN" sz="2800">
                     <a:solidFill>
                       <a:schemeClr val="tx1">
                         <a:lumMod val="75000"/>
@@ -32247,7 +30519,7 @@
               <a:p>
                 <a:pPr algn="ctr"/>
                 <a:r>
-                  <a:rPr lang="zh-CN" altLang="en-US" sz="2800" smtClean="0">
+                  <a:rPr lang="zh-CN" altLang="en-US" sz="2800">
                     <a:solidFill>
                       <a:schemeClr val="tx1">
                         <a:lumMod val="75000"/>
@@ -32259,16 +30531,6 @@
                   </a:rPr>
                   <a:t>迅雷</a:t>
                 </a:r>
-                <a:endParaRPr lang="zh-CN" altLang="en-US" sz="2800">
-                  <a:solidFill>
-                    <a:schemeClr val="tx1">
-                      <a:lumMod val="75000"/>
-                      <a:lumOff val="25000"/>
-                    </a:schemeClr>
-                  </a:solidFill>
-                  <a:latin typeface="微软雅黑" panose="020B0503020204020204" pitchFamily="34" charset="-122"/>
-                  <a:ea typeface="微软雅黑" panose="020B0503020204020204" pitchFamily="34" charset="-122"/>
-                </a:endParaRPr>
               </a:p>
             </p:txBody>
           </p:sp>
@@ -32323,7 +30585,7 @@
               <a:p>
                 <a:pPr algn="ctr"/>
                 <a:r>
-                  <a:rPr lang="en-US" altLang="zh-CN" sz="2800" smtClean="0">
+                  <a:rPr lang="en-US" altLang="zh-CN" sz="2800">
                     <a:solidFill>
                       <a:schemeClr val="tx1">
                         <a:lumMod val="75000"/>
@@ -32512,20 +30774,9 @@
                   </a:schemeClr>
                 </a:solidFill>
               </a:rPr>
-              <a:t>的</a:t>
-            </a:r>
-            <a:r>
-              <a:rPr lang="zh-CN" altLang="en-US" sz="4000" smtClean="0">
-                <a:solidFill>
-                  <a:schemeClr val="tx1">
-                    <a:lumMod val="75000"/>
-                    <a:lumOff val="25000"/>
-                  </a:schemeClr>
-                </a:solidFill>
-              </a:rPr>
-              <a:t>管理</a:t>
-            </a:r>
-            <a:endParaRPr lang="en-US" altLang="zh-CN" sz="4000" smtClean="0">
+              <a:t>的管理</a:t>
+            </a:r>
+            <a:endParaRPr lang="en-US" altLang="zh-CN" sz="4000">
               <a:solidFill>
                 <a:schemeClr val="tx1">
                   <a:lumMod val="75000"/>
@@ -32540,14 +30791,14 @@
               <a:buChar char="Ø"/>
             </a:pPr>
             <a:r>
-              <a:rPr lang="zh-CN" altLang="en-US" sz="4000" smtClean="0">
+              <a:rPr lang="zh-CN" altLang="en-US" sz="4000">
                 <a:solidFill>
                   <a:srgbClr val="C00000"/>
                 </a:solidFill>
               </a:rPr>
               <a:t>文件系统</a:t>
             </a:r>
-            <a:endParaRPr lang="en-US" altLang="zh-CN" sz="4000" smtClean="0">
+            <a:endParaRPr lang="en-US" altLang="zh-CN" sz="4000">
               <a:solidFill>
                 <a:srgbClr val="C00000"/>
               </a:solidFill>
@@ -32571,13 +30822,6 @@
   <p:transition>
     <p:fade/>
   </p:transition>
-  <p:timing>
-    <p:tnLst>
-      <p:par>
-        <p:cTn id="1" dur="indefinite" restart="never" nodeType="tmRoot"/>
-      </p:par>
-    </p:tnLst>
-  </p:timing>
 </p:sld>
 </file>
 
@@ -32744,7 +30988,7 @@
               <a:t>目录</a:t>
             </a:r>
             <a:r>
-              <a:rPr lang="zh-CN" altLang="en-US" sz="3200" smtClean="0">
+              <a:rPr lang="zh-CN" altLang="en-US" sz="3200">
                 <a:solidFill>
                   <a:schemeClr val="tx1">
                     <a:lumMod val="75000"/>
@@ -32756,16 +31000,6 @@
               </a:rPr>
               <a:t>。</a:t>
             </a:r>
-            <a:endParaRPr lang="zh-CN" altLang="en-US" sz="3200">
-              <a:solidFill>
-                <a:schemeClr val="tx1">
-                  <a:lumMod val="75000"/>
-                  <a:lumOff val="25000"/>
-                </a:schemeClr>
-              </a:solidFill>
-              <a:latin typeface="微软雅黑" panose="020B0503020204020204" pitchFamily="34" charset="-122"/>
-              <a:ea typeface="微软雅黑" panose="020B0503020204020204" pitchFamily="34" charset="-122"/>
-            </a:endParaRPr>
           </a:p>
         </p:txBody>
       </p:sp>
@@ -32791,13 +31025,6 @@
       </p:transition>
     </mc:Fallback>
   </mc:AlternateContent>
-  <p:timing>
-    <p:tnLst>
-      <p:par>
-        <p:cTn id="1" dur="indefinite" restart="never" nodeType="tmRoot"/>
-      </p:par>
-    </p:tnLst>
-  </p:timing>
 </p:sld>
 </file>
 
@@ -32899,7 +31126,7 @@
           <a:p>
             <a:pPr lvl="1"/>
             <a:r>
-              <a:rPr lang="zh-CN" altLang="en-US" sz="2800" smtClean="0">
+              <a:rPr lang="zh-CN" altLang="en-US" sz="2800">
                 <a:solidFill>
                   <a:schemeClr val="tx1">
                     <a:lumMod val="75000"/>
@@ -32912,7 +31139,7 @@
               <a:t>实现 </a:t>
             </a:r>
             <a:r>
-              <a:rPr lang="en-US" altLang="zh-CN" sz="2800" smtClean="0">
+              <a:rPr lang="en-US" altLang="zh-CN" sz="2800">
                 <a:solidFill>
                   <a:schemeClr val="tx1">
                     <a:lumMod val="75000"/>
@@ -32925,7 +31152,7 @@
               <a:t>"</a:t>
             </a:r>
             <a:r>
-              <a:rPr lang="zh-CN" altLang="en-US" sz="2800" smtClean="0">
+              <a:rPr lang="zh-CN" altLang="en-US" sz="2800">
                 <a:solidFill>
                   <a:schemeClr val="tx1">
                     <a:lumMod val="75000"/>
@@ -32935,36 +31162,10 @@
                 <a:latin typeface="微软雅黑" panose="020B0503020204020204" pitchFamily="34" charset="-122"/>
                 <a:ea typeface="微软雅黑" panose="020B0503020204020204" pitchFamily="34" charset="-122"/>
               </a:rPr>
-              <a:t>按</a:t>
-            </a:r>
-            <a:r>
-              <a:rPr lang="zh-CN" altLang="en-US" sz="2800">
-                <a:solidFill>
-                  <a:schemeClr val="tx1">
-                    <a:lumMod val="75000"/>
-                    <a:lumOff val="25000"/>
-                  </a:schemeClr>
-                </a:solidFill>
-                <a:latin typeface="微软雅黑" panose="020B0503020204020204" pitchFamily="34" charset="-122"/>
-                <a:ea typeface="微软雅黑" panose="020B0503020204020204" pitchFamily="34" charset="-122"/>
-              </a:rPr>
-              <a:t>名</a:t>
-            </a:r>
-            <a:r>
-              <a:rPr lang="zh-CN" altLang="en-US" sz="2800" smtClean="0">
-                <a:solidFill>
-                  <a:schemeClr val="tx1">
-                    <a:lumMod val="75000"/>
-                    <a:lumOff val="25000"/>
-                  </a:schemeClr>
-                </a:solidFill>
-                <a:latin typeface="微软雅黑" panose="020B0503020204020204" pitchFamily="34" charset="-122"/>
-                <a:ea typeface="微软雅黑" panose="020B0503020204020204" pitchFamily="34" charset="-122"/>
-              </a:rPr>
-              <a:t>存取</a:t>
-            </a:r>
-            <a:r>
-              <a:rPr lang="en-US" altLang="zh-CN" sz="2800" smtClean="0">
+              <a:t>按名存取</a:t>
+            </a:r>
+            <a:r>
+              <a:rPr lang="en-US" altLang="zh-CN" sz="2800">
                 <a:solidFill>
                   <a:schemeClr val="tx1">
                     <a:lumMod val="75000"/>
@@ -33055,20 +31256,7 @@
                 <a:latin typeface="微软雅黑" panose="020B0503020204020204" pitchFamily="34" charset="-122"/>
                 <a:ea typeface="微软雅黑" panose="020B0503020204020204" pitchFamily="34" charset="-122"/>
               </a:rPr>
-              <a:t>文件</a:t>
-            </a:r>
-            <a:r>
-              <a:rPr lang="zh-CN" altLang="en-US" sz="2800" smtClean="0">
-                <a:solidFill>
-                  <a:schemeClr val="tx1">
-                    <a:lumMod val="75000"/>
-                    <a:lumOff val="25000"/>
-                  </a:schemeClr>
-                </a:solidFill>
-                <a:latin typeface="微软雅黑" panose="020B0503020204020204" pitchFamily="34" charset="-122"/>
-                <a:ea typeface="微软雅黑" panose="020B0503020204020204" pitchFamily="34" charset="-122"/>
-              </a:rPr>
-              <a:t>重名</a:t>
+              <a:t>文件重名</a:t>
             </a:r>
             <a:endParaRPr lang="zh-CN" altLang="en-US" sz="2800" dirty="0">
               <a:solidFill>
@@ -33429,7 +31617,7 @@
               <a:t>内存</a:t>
             </a:r>
             <a:r>
-              <a:rPr lang="zh-CN" altLang="en-US" sz="3200" smtClean="0">
+              <a:rPr lang="zh-CN" altLang="en-US" sz="3200">
                 <a:solidFill>
                   <a:schemeClr val="tx1">
                     <a:lumMod val="75000"/>
@@ -33467,13 +31655,6 @@
   <p:transition>
     <p:fade/>
   </p:transition>
-  <p:timing>
-    <p:tnLst>
-      <p:par>
-        <p:cTn id="1" dur="indefinite" restart="never" nodeType="tmRoot"/>
-      </p:par>
-    </p:tnLst>
-  </p:timing>
 </p:sld>
 </file>
 
@@ -33896,13 +32077,6 @@
       </p:transition>
     </mc:Fallback>
   </mc:AlternateContent>
-  <p:timing>
-    <p:tnLst>
-      <p:par>
-        <p:cTn id="1" dur="indefinite" restart="never" nodeType="tmRoot"/>
-      </p:par>
-    </p:tnLst>
-  </p:timing>
 </p:sld>
 </file>
 
@@ -34143,20 +32317,7 @@
                 <a:latin typeface="微软雅黑" panose="020B0503020204020204" pitchFamily="34" charset="-122"/>
                 <a:ea typeface="微软雅黑" panose="020B0503020204020204" pitchFamily="34" charset="-122"/>
               </a:rPr>
-              <a:t>启动</a:t>
-            </a:r>
-            <a:r>
-              <a:rPr lang="zh-CN" altLang="en-US" sz="3200" smtClean="0">
-                <a:solidFill>
-                  <a:schemeClr val="tx1">
-                    <a:lumMod val="75000"/>
-                    <a:lumOff val="25000"/>
-                  </a:schemeClr>
-                </a:solidFill>
-                <a:latin typeface="微软雅黑" panose="020B0503020204020204" pitchFamily="34" charset="-122"/>
-                <a:ea typeface="微软雅黑" panose="020B0503020204020204" pitchFamily="34" charset="-122"/>
-              </a:rPr>
-              <a:t>过程</a:t>
+              <a:t>启动过程</a:t>
             </a:r>
             <a:endParaRPr lang="en-US" altLang="zh-CN" sz="3200" dirty="0">
               <a:solidFill>
@@ -34204,7 +32365,7 @@
               <a:defRPr/>
             </a:pPr>
             <a:r>
-              <a:rPr lang="zh-CN" altLang="en-US" sz="2800">
+              <a:rPr lang="zh-CN" altLang="en-US" sz="2800" dirty="0">
                 <a:solidFill>
                   <a:schemeClr val="tx1">
                     <a:lumMod val="75000"/>
@@ -34214,22 +32375,9 @@
                 <a:latin typeface="微软雅黑" panose="020B0503020204020204" pitchFamily="34" charset="-122"/>
                 <a:ea typeface="微软雅黑" panose="020B0503020204020204" pitchFamily="34" charset="-122"/>
               </a:rPr>
-              <a:t>启动自检</a:t>
-            </a:r>
-            <a:r>
-              <a:rPr lang="zh-CN" altLang="en-US" sz="2800" smtClean="0">
-                <a:solidFill>
-                  <a:schemeClr val="tx1">
-                    <a:lumMod val="75000"/>
-                    <a:lumOff val="25000"/>
-                  </a:schemeClr>
-                </a:solidFill>
-                <a:latin typeface="微软雅黑" panose="020B0503020204020204" pitchFamily="34" charset="-122"/>
-                <a:ea typeface="微软雅黑" panose="020B0503020204020204" pitchFamily="34" charset="-122"/>
-              </a:rPr>
-              <a:t>阶段</a:t>
-            </a:r>
-            <a:endParaRPr lang="en-US" altLang="zh-CN" sz="2800" smtClean="0">
+              <a:t>启动自检阶段</a:t>
+            </a:r>
+            <a:endParaRPr lang="en-US" altLang="zh-CN" sz="2800" dirty="0">
               <a:solidFill>
                 <a:schemeClr val="tx1">
                   <a:lumMod val="75000"/>
@@ -34253,7 +32401,7 @@
               <a:defRPr/>
             </a:pPr>
             <a:r>
-              <a:rPr lang="zh-CN" altLang="en-US" sz="2800" smtClean="0">
+              <a:rPr lang="zh-CN" altLang="en-US" sz="2800" dirty="0">
                 <a:solidFill>
                   <a:schemeClr val="tx1">
                     <a:lumMod val="75000"/>
@@ -34263,35 +32411,9 @@
                 <a:latin typeface="微软雅黑" panose="020B0503020204020204" pitchFamily="34" charset="-122"/>
                 <a:ea typeface="微软雅黑" panose="020B0503020204020204" pitchFamily="34" charset="-122"/>
               </a:rPr>
-              <a:t>启动</a:t>
-            </a:r>
-            <a:r>
-              <a:rPr lang="zh-CN" altLang="en-US" sz="2800">
-                <a:solidFill>
-                  <a:schemeClr val="tx1">
-                    <a:lumMod val="75000"/>
-                    <a:lumOff val="25000"/>
-                  </a:schemeClr>
-                </a:solidFill>
-                <a:latin typeface="微软雅黑" panose="020B0503020204020204" pitchFamily="34" charset="-122"/>
-                <a:ea typeface="微软雅黑" panose="020B0503020204020204" pitchFamily="34" charset="-122"/>
-              </a:rPr>
-              <a:t>加载</a:t>
-            </a:r>
-            <a:r>
-              <a:rPr lang="zh-CN" altLang="en-US" sz="2800" smtClean="0">
-                <a:solidFill>
-                  <a:schemeClr val="tx1">
-                    <a:lumMod val="75000"/>
-                    <a:lumOff val="25000"/>
-                  </a:schemeClr>
-                </a:solidFill>
-                <a:latin typeface="微软雅黑" panose="020B0503020204020204" pitchFamily="34" charset="-122"/>
-                <a:ea typeface="微软雅黑" panose="020B0503020204020204" pitchFamily="34" charset="-122"/>
-              </a:rPr>
-              <a:t>阶段</a:t>
-            </a:r>
-            <a:endParaRPr lang="en-US" altLang="zh-CN" sz="2800">
+              <a:t>启动加载阶段</a:t>
+            </a:r>
+            <a:endParaRPr lang="en-US" altLang="zh-CN" sz="2800" dirty="0">
               <a:solidFill>
                 <a:schemeClr val="tx1">
                   <a:lumMod val="75000"/>
@@ -34315,7 +32437,7 @@
               <a:defRPr/>
             </a:pPr>
             <a:r>
-              <a:rPr lang="zh-CN" altLang="en-US" sz="2800" smtClean="0">
+              <a:rPr lang="zh-CN" altLang="en-US" sz="2800" dirty="0">
                 <a:solidFill>
                   <a:schemeClr val="tx1">
                     <a:lumMod val="75000"/>
@@ -34325,31 +32447,8 @@
                 <a:latin typeface="微软雅黑" panose="020B0503020204020204" pitchFamily="34" charset="-122"/>
                 <a:ea typeface="微软雅黑" panose="020B0503020204020204" pitchFamily="34" charset="-122"/>
               </a:rPr>
-              <a:t>登录</a:t>
-            </a:r>
-            <a:r>
-              <a:rPr lang="zh-CN" altLang="en-US" sz="2800">
-                <a:solidFill>
-                  <a:schemeClr val="tx1">
-                    <a:lumMod val="75000"/>
-                    <a:lumOff val="25000"/>
-                  </a:schemeClr>
-                </a:solidFill>
-                <a:latin typeface="微软雅黑" panose="020B0503020204020204" pitchFamily="34" charset="-122"/>
-                <a:ea typeface="微软雅黑" panose="020B0503020204020204" pitchFamily="34" charset="-122"/>
-              </a:rPr>
-              <a:t>阶段</a:t>
-            </a:r>
-            <a:endParaRPr lang="zh-CN" altLang="en-US" sz="2800" dirty="0">
-              <a:solidFill>
-                <a:schemeClr val="tx1">
-                  <a:lumMod val="75000"/>
-                  <a:lumOff val="25000"/>
-                </a:schemeClr>
-              </a:solidFill>
-              <a:latin typeface="微软雅黑" panose="020B0503020204020204" pitchFamily="34" charset="-122"/>
-              <a:ea typeface="微软雅黑" panose="020B0503020204020204" pitchFamily="34" charset="-122"/>
-            </a:endParaRPr>
+              <a:t>登录阶段</a:t>
+            </a:r>
           </a:p>
         </p:txBody>
       </p:sp>
@@ -34386,7 +32485,7 @@
               <a:defRPr/>
             </a:pPr>
             <a:r>
-              <a:rPr lang="zh-CN" altLang="en-US" sz="2800" smtClean="0">
+              <a:rPr lang="zh-CN" altLang="en-US" sz="2800" dirty="0">
                 <a:solidFill>
                   <a:schemeClr val="tx1">
                     <a:lumMod val="75000"/>
@@ -34396,35 +32495,9 @@
                 <a:latin typeface="微软雅黑" panose="020B0503020204020204" pitchFamily="34" charset="-122"/>
                 <a:ea typeface="微软雅黑" panose="020B0503020204020204" pitchFamily="34" charset="-122"/>
               </a:rPr>
-              <a:t>初始化</a:t>
-            </a:r>
-            <a:r>
-              <a:rPr lang="zh-CN" altLang="en-US" sz="2800">
-                <a:solidFill>
-                  <a:schemeClr val="tx1">
-                    <a:lumMod val="75000"/>
-                    <a:lumOff val="25000"/>
-                  </a:schemeClr>
-                </a:solidFill>
-                <a:latin typeface="微软雅黑" panose="020B0503020204020204" pitchFamily="34" charset="-122"/>
-                <a:ea typeface="微软雅黑" panose="020B0503020204020204" pitchFamily="34" charset="-122"/>
-              </a:rPr>
-              <a:t>启动</a:t>
-            </a:r>
-            <a:r>
-              <a:rPr lang="zh-CN" altLang="en-US" sz="2800" smtClean="0">
-                <a:solidFill>
-                  <a:schemeClr val="tx1">
-                    <a:lumMod val="75000"/>
-                    <a:lumOff val="25000"/>
-                  </a:schemeClr>
-                </a:solidFill>
-                <a:latin typeface="微软雅黑" panose="020B0503020204020204" pitchFamily="34" charset="-122"/>
-                <a:ea typeface="微软雅黑" panose="020B0503020204020204" pitchFamily="34" charset="-122"/>
-              </a:rPr>
-              <a:t>阶段</a:t>
-            </a:r>
-            <a:endParaRPr lang="en-US" altLang="zh-CN" sz="2800" smtClean="0">
+              <a:t>初始化启动阶段</a:t>
+            </a:r>
+            <a:endParaRPr lang="en-US" altLang="zh-CN" sz="2800" dirty="0">
               <a:solidFill>
                 <a:schemeClr val="tx1">
                   <a:lumMod val="75000"/>
@@ -34448,7 +32521,7 @@
               <a:defRPr/>
             </a:pPr>
             <a:r>
-              <a:rPr lang="zh-CN" altLang="en-US" sz="2800" smtClean="0">
+              <a:rPr lang="zh-CN" altLang="en-US" sz="2800" dirty="0">
                 <a:solidFill>
                   <a:schemeClr val="tx1">
                     <a:lumMod val="75000"/>
@@ -34458,44 +32531,8 @@
                 <a:latin typeface="微软雅黑" panose="020B0503020204020204" pitchFamily="34" charset="-122"/>
                 <a:ea typeface="微软雅黑" panose="020B0503020204020204" pitchFamily="34" charset="-122"/>
               </a:rPr>
-              <a:t>内核</a:t>
-            </a:r>
-            <a:r>
-              <a:rPr lang="zh-CN" altLang="en-US" sz="2800">
-                <a:solidFill>
-                  <a:schemeClr val="tx1">
-                    <a:lumMod val="75000"/>
-                    <a:lumOff val="25000"/>
-                  </a:schemeClr>
-                </a:solidFill>
-                <a:latin typeface="微软雅黑" panose="020B0503020204020204" pitchFamily="34" charset="-122"/>
-                <a:ea typeface="微软雅黑" panose="020B0503020204020204" pitchFamily="34" charset="-122"/>
-              </a:rPr>
-              <a:t>装载</a:t>
-            </a:r>
-            <a:r>
-              <a:rPr lang="zh-CN" altLang="en-US" sz="2800" smtClean="0">
-                <a:solidFill>
-                  <a:schemeClr val="tx1">
-                    <a:lumMod val="75000"/>
-                    <a:lumOff val="25000"/>
-                  </a:schemeClr>
-                </a:solidFill>
-                <a:latin typeface="微软雅黑" panose="020B0503020204020204" pitchFamily="34" charset="-122"/>
-                <a:ea typeface="微软雅黑" panose="020B0503020204020204" pitchFamily="34" charset="-122"/>
-              </a:rPr>
-              <a:t>阶段</a:t>
-            </a:r>
-            <a:endParaRPr lang="zh-CN" altLang="en-US" sz="2800" dirty="0">
-              <a:solidFill>
-                <a:schemeClr val="tx1">
-                  <a:lumMod val="75000"/>
-                  <a:lumOff val="25000"/>
-                </a:schemeClr>
-              </a:solidFill>
-              <a:latin typeface="微软雅黑" panose="020B0503020204020204" pitchFamily="34" charset="-122"/>
-              <a:ea typeface="微软雅黑" panose="020B0503020204020204" pitchFamily="34" charset="-122"/>
-            </a:endParaRPr>
+              <a:t>内核装载阶段</a:t>
+            </a:r>
           </a:p>
         </p:txBody>
       </p:sp>
@@ -34512,13 +32549,6 @@
   <p:transition>
     <p:fade/>
   </p:transition>
-  <p:timing>
-    <p:tnLst>
-      <p:par>
-        <p:cTn id="1" dur="indefinite" restart="never" nodeType="tmRoot"/>
-      </p:par>
-    </p:tnLst>
-  </p:timing>
 </p:sld>
 </file>
 
@@ -35707,20 +33737,7 @@
                 <a:latin typeface="微软雅黑" panose="020B0503020204020204" pitchFamily="34" charset="-122"/>
                 <a:ea typeface="微软雅黑" panose="020B0503020204020204" pitchFamily="34" charset="-122"/>
               </a:rPr>
-              <a:t>的</a:t>
-            </a:r>
-            <a:r>
-              <a:rPr lang="zh-CN" altLang="en-US" sz="4000" smtClean="0">
-                <a:solidFill>
-                  <a:schemeClr val="tx1">
-                    <a:lumMod val="75000"/>
-                    <a:lumOff val="25000"/>
-                  </a:schemeClr>
-                </a:solidFill>
-                <a:latin typeface="微软雅黑" panose="020B0503020204020204" pitchFamily="34" charset="-122"/>
-                <a:ea typeface="微软雅黑" panose="020B0503020204020204" pitchFamily="34" charset="-122"/>
-              </a:rPr>
-              <a:t>管理</a:t>
+              <a:t>的管理</a:t>
             </a:r>
             <a:endParaRPr lang="en-US" altLang="zh-CN" sz="4000" dirty="0">
               <a:solidFill>
@@ -35742,7 +33759,7 @@
               <a:buChar char="Ø"/>
             </a:pPr>
             <a:r>
-              <a:rPr lang="zh-CN" altLang="en-US" sz="4000" smtClean="0">
+              <a:rPr lang="zh-CN" altLang="en-US" sz="4000">
                 <a:solidFill>
                   <a:schemeClr val="tx1">
                     <a:lumMod val="75000"/>
@@ -35780,13 +33797,6 @@
   <p:transition>
     <p:fade/>
   </p:transition>
-  <p:timing>
-    <p:tnLst>
-      <p:par>
-        <p:cTn id="1" dur="indefinite" restart="never" nodeType="tmRoot"/>
-      </p:par>
-    </p:tnLst>
-  </p:timing>
 </p:sld>
 </file>
 
@@ -35952,13 +33962,6 @@
       </p:transition>
     </mc:Fallback>
   </mc:AlternateContent>
-  <p:timing>
-    <p:tnLst>
-      <p:par>
-        <p:cTn id="1" dur="indefinite" restart="never" nodeType="tmRoot"/>
-      </p:par>
-    </p:tnLst>
-  </p:timing>
 </p:sld>
 </file>
 
@@ -36105,7 +34108,7 @@
             <a:lstStyle/>
             <a:p>
               <a:r>
-                <a:rPr lang="zh-CN" altLang="en-US" sz="2400" smtClean="0">
+                <a:rPr lang="zh-CN" altLang="en-US" sz="2400">
                   <a:solidFill>
                     <a:schemeClr val="tx1">
                       <a:lumMod val="75000"/>
@@ -36117,16 +34120,6 @@
                 </a:rPr>
                 <a:t>输入设备</a:t>
               </a:r>
-              <a:endParaRPr lang="zh-CN" altLang="en-US" sz="2400">
-                <a:solidFill>
-                  <a:schemeClr val="tx1">
-                    <a:lumMod val="75000"/>
-                    <a:lumOff val="25000"/>
-                  </a:schemeClr>
-                </a:solidFill>
-                <a:latin typeface="微软雅黑" panose="020B0503020204020204" pitchFamily="34" charset="-122"/>
-                <a:ea typeface="微软雅黑" panose="020B0503020204020204" pitchFamily="34" charset="-122"/>
-              </a:endParaRPr>
             </a:p>
           </p:txBody>
         </p:sp>
@@ -36153,7 +34146,7 @@
             <a:lstStyle/>
             <a:p>
               <a:r>
-                <a:rPr lang="zh-CN" altLang="en-US" sz="2400" smtClean="0">
+                <a:rPr lang="zh-CN" altLang="en-US" sz="2400">
                   <a:solidFill>
                     <a:schemeClr val="tx1">
                       <a:lumMod val="75000"/>
@@ -36165,16 +34158,6 @@
                 </a:rPr>
                 <a:t>输出设备</a:t>
               </a:r>
-              <a:endParaRPr lang="zh-CN" altLang="en-US" sz="2400">
-                <a:solidFill>
-                  <a:schemeClr val="tx1">
-                    <a:lumMod val="75000"/>
-                    <a:lumOff val="25000"/>
-                  </a:schemeClr>
-                </a:solidFill>
-                <a:latin typeface="微软雅黑" panose="020B0503020204020204" pitchFamily="34" charset="-122"/>
-                <a:ea typeface="微软雅黑" panose="020B0503020204020204" pitchFamily="34" charset="-122"/>
-              </a:endParaRPr>
             </a:p>
           </p:txBody>
         </p:sp>
@@ -36202,7 +34185,7 @@
             <a:p>
               <a:pPr algn="ctr"/>
               <a:r>
-                <a:rPr lang="zh-CN" altLang="en-US" sz="2400" smtClean="0">
+                <a:rPr lang="zh-CN" altLang="en-US" sz="2400">
                   <a:solidFill>
                     <a:schemeClr val="tx1">
                       <a:lumMod val="75000"/>
@@ -36214,7 +34197,7 @@
                 </a:rPr>
                 <a:t>磁盘</a:t>
               </a:r>
-              <a:endParaRPr lang="en-US" altLang="zh-CN" sz="2400" smtClean="0">
+              <a:endParaRPr lang="en-US" altLang="zh-CN" sz="2400">
                 <a:solidFill>
                   <a:schemeClr val="tx1">
                     <a:lumMod val="75000"/>
@@ -36228,7 +34211,7 @@
             <a:p>
               <a:pPr algn="ctr"/>
               <a:r>
-                <a:rPr lang="en-US" altLang="zh-CN" sz="2400" smtClean="0">
+                <a:rPr lang="en-US" altLang="zh-CN" sz="2400">
                   <a:solidFill>
                     <a:schemeClr val="tx1">
                       <a:lumMod val="75000"/>
@@ -36241,7 +34224,7 @@
                 <a:t>(</a:t>
               </a:r>
               <a:r>
-                <a:rPr lang="zh-CN" altLang="en-US" sz="2400" smtClean="0">
+                <a:rPr lang="zh-CN" altLang="en-US" sz="2400">
                   <a:solidFill>
                     <a:schemeClr val="tx1">
                       <a:lumMod val="75000"/>
@@ -36254,7 +34237,7 @@
                 <a:t>输入井</a:t>
               </a:r>
               <a:r>
-                <a:rPr lang="en-US" altLang="zh-CN" sz="2400" smtClean="0">
+                <a:rPr lang="en-US" altLang="zh-CN" sz="2400">
                   <a:solidFill>
                     <a:schemeClr val="tx1">
                       <a:lumMod val="75000"/>
@@ -36303,7 +34286,7 @@
             <a:p>
               <a:pPr algn="ctr"/>
               <a:r>
-                <a:rPr lang="zh-CN" altLang="en-US" sz="2400" smtClean="0">
+                <a:rPr lang="zh-CN" altLang="en-US" sz="2400">
                   <a:solidFill>
                     <a:schemeClr val="tx1">
                       <a:lumMod val="75000"/>
@@ -36315,7 +34298,7 @@
                 </a:rPr>
                 <a:t>磁盘</a:t>
               </a:r>
-              <a:endParaRPr lang="en-US" altLang="zh-CN" sz="2400" smtClean="0">
+              <a:endParaRPr lang="en-US" altLang="zh-CN" sz="2400">
                 <a:solidFill>
                   <a:schemeClr val="tx1">
                     <a:lumMod val="75000"/>
@@ -36329,7 +34312,7 @@
             <a:p>
               <a:pPr algn="ctr"/>
               <a:r>
-                <a:rPr lang="en-US" altLang="zh-CN" sz="2400" smtClean="0">
+                <a:rPr lang="en-US" altLang="zh-CN" sz="2400">
                   <a:solidFill>
                     <a:schemeClr val="tx1">
                       <a:lumMod val="75000"/>
@@ -36342,7 +34325,7 @@
                 <a:t>(</a:t>
               </a:r>
               <a:r>
-                <a:rPr lang="zh-CN" altLang="en-US" sz="2400" smtClean="0">
+                <a:rPr lang="zh-CN" altLang="en-US" sz="2400">
                   <a:solidFill>
                     <a:schemeClr val="tx1">
                       <a:lumMod val="75000"/>
@@ -36355,7 +34338,7 @@
                 <a:t>输入井</a:t>
               </a:r>
               <a:r>
-                <a:rPr lang="en-US" altLang="zh-CN" sz="2400" smtClean="0">
+                <a:rPr lang="en-US" altLang="zh-CN" sz="2400">
                   <a:solidFill>
                     <a:schemeClr val="tx1">
                       <a:lumMod val="75000"/>
@@ -36449,7 +34432,7 @@
               <a:p>
                 <a:pPr algn="ctr"/>
                 <a:r>
-                  <a:rPr lang="zh-CN" altLang="en-US" b="1" smtClean="0">
+                  <a:rPr lang="zh-CN" altLang="en-US" b="1">
                     <a:solidFill>
                       <a:schemeClr val="tx1">
                         <a:lumMod val="75000"/>
@@ -36461,7 +34444,7 @@
                   </a:rPr>
                   <a:t>后备</a:t>
                 </a:r>
-                <a:endParaRPr lang="en-US" altLang="zh-CN" b="1" smtClean="0">
+                <a:endParaRPr lang="en-US" altLang="zh-CN" b="1">
                   <a:solidFill>
                     <a:schemeClr val="tx1">
                       <a:lumMod val="75000"/>
@@ -36475,7 +34458,7 @@
               <a:p>
                 <a:pPr algn="ctr"/>
                 <a:r>
-                  <a:rPr lang="zh-CN" altLang="en-US" b="1" smtClean="0">
+                  <a:rPr lang="zh-CN" altLang="en-US" b="1">
                     <a:solidFill>
                       <a:schemeClr val="tx1">
                         <a:lumMod val="75000"/>
@@ -36487,16 +34470,6 @@
                   </a:rPr>
                   <a:t>作业</a:t>
                 </a:r>
-                <a:endParaRPr lang="zh-CN" altLang="en-US" b="1">
-                  <a:solidFill>
-                    <a:schemeClr val="tx1">
-                      <a:lumMod val="75000"/>
-                      <a:lumOff val="25000"/>
-                    </a:schemeClr>
-                  </a:solidFill>
-                  <a:latin typeface="微软雅黑" panose="020B0503020204020204" pitchFamily="34" charset="-122"/>
-                  <a:ea typeface="微软雅黑" panose="020B0503020204020204" pitchFamily="34" charset="-122"/>
-                </a:endParaRPr>
               </a:p>
             </p:txBody>
           </p:sp>
@@ -36548,7 +34521,7 @@
               <a:p>
                 <a:pPr algn="ctr"/>
                 <a:r>
-                  <a:rPr lang="zh-CN" altLang="en-US" b="1" smtClean="0">
+                  <a:rPr lang="zh-CN" altLang="en-US" b="1">
                     <a:solidFill>
                       <a:schemeClr val="tx1">
                         <a:lumMod val="75000"/>
@@ -36560,7 +34533,7 @@
                   </a:rPr>
                   <a:t>完成</a:t>
                 </a:r>
-                <a:endParaRPr lang="en-US" altLang="zh-CN" b="1" smtClean="0">
+                <a:endParaRPr lang="en-US" altLang="zh-CN" b="1">
                   <a:solidFill>
                     <a:schemeClr val="tx1">
                       <a:lumMod val="75000"/>
@@ -36574,7 +34547,7 @@
               <a:p>
                 <a:pPr algn="ctr"/>
                 <a:r>
-                  <a:rPr lang="zh-CN" altLang="en-US" b="1" smtClean="0">
+                  <a:rPr lang="zh-CN" altLang="en-US" b="1">
                     <a:solidFill>
                       <a:schemeClr val="tx1">
                         <a:lumMod val="75000"/>
@@ -36586,16 +34559,6 @@
                   </a:rPr>
                   <a:t>作业</a:t>
                 </a:r>
-                <a:endParaRPr lang="zh-CN" altLang="en-US" b="1">
-                  <a:solidFill>
-                    <a:schemeClr val="tx1">
-                      <a:lumMod val="75000"/>
-                      <a:lumOff val="25000"/>
-                    </a:schemeClr>
-                  </a:solidFill>
-                  <a:latin typeface="微软雅黑" panose="020B0503020204020204" pitchFamily="34" charset="-122"/>
-                  <a:ea typeface="微软雅黑" panose="020B0503020204020204" pitchFamily="34" charset="-122"/>
-                </a:endParaRPr>
               </a:p>
             </p:txBody>
           </p:sp>
@@ -36647,7 +34610,7 @@
               <a:p>
                 <a:pPr algn="ctr"/>
                 <a:r>
-                  <a:rPr lang="zh-CN" altLang="en-US" b="1" smtClean="0">
+                  <a:rPr lang="zh-CN" altLang="en-US" b="1">
                     <a:solidFill>
                       <a:schemeClr val="tx1">
                         <a:lumMod val="75000"/>
@@ -36659,16 +34622,6 @@
                   </a:rPr>
                   <a:t>读卡机</a:t>
                 </a:r>
-                <a:endParaRPr lang="zh-CN" altLang="en-US" b="1">
-                  <a:solidFill>
-                    <a:schemeClr val="tx1">
-                      <a:lumMod val="75000"/>
-                      <a:lumOff val="25000"/>
-                    </a:schemeClr>
-                  </a:solidFill>
-                  <a:latin typeface="微软雅黑" panose="020B0503020204020204" pitchFamily="34" charset="-122"/>
-                  <a:ea typeface="微软雅黑" panose="020B0503020204020204" pitchFamily="34" charset="-122"/>
-                </a:endParaRPr>
               </a:p>
             </p:txBody>
           </p:sp>
@@ -36720,7 +34673,7 @@
               <a:p>
                 <a:pPr algn="ctr"/>
                 <a:r>
-                  <a:rPr lang="zh-CN" altLang="en-US" b="1" smtClean="0">
+                  <a:rPr lang="zh-CN" altLang="en-US" b="1">
                     <a:solidFill>
                       <a:schemeClr val="tx1">
                         <a:lumMod val="75000"/>
@@ -36732,16 +34685,6 @@
                   </a:rPr>
                   <a:t>打印机</a:t>
                 </a:r>
-                <a:endParaRPr lang="zh-CN" altLang="en-US" b="1">
-                  <a:solidFill>
-                    <a:schemeClr val="tx1">
-                      <a:lumMod val="75000"/>
-                      <a:lumOff val="25000"/>
-                    </a:schemeClr>
-                  </a:solidFill>
-                  <a:latin typeface="微软雅黑" panose="020B0503020204020204" pitchFamily="34" charset="-122"/>
-                  <a:ea typeface="微软雅黑" panose="020B0503020204020204" pitchFamily="34" charset="-122"/>
-                </a:endParaRPr>
               </a:p>
             </p:txBody>
           </p:sp>
@@ -36795,7 +34738,7 @@
               <a:p>
                 <a:pPr algn="ctr"/>
                 <a:r>
-                  <a:rPr lang="en-US" altLang="zh-CN" b="1" smtClean="0">
+                  <a:rPr lang="en-US" altLang="zh-CN" b="1">
                     <a:solidFill>
                       <a:schemeClr val="tx1">
                         <a:lumMod val="75000"/>
@@ -37336,7 +35279,7 @@
                 <a:p>
                   <a:pPr algn="ctr"/>
                   <a:r>
-                    <a:rPr lang="zh-CN" altLang="en-US" b="1" smtClean="0">
+                    <a:rPr lang="zh-CN" altLang="en-US" b="1">
                       <a:solidFill>
                         <a:schemeClr val="tx1">
                           <a:lumMod val="75000"/>
@@ -37349,7 +35292,7 @@
                     <a:t>作业 </a:t>
                   </a:r>
                   <a:r>
-                    <a:rPr lang="en-US" altLang="zh-CN" b="1" smtClean="0">
+                    <a:rPr lang="en-US" altLang="zh-CN" b="1">
                       <a:solidFill>
                         <a:schemeClr val="tx1">
                           <a:lumMod val="75000"/>
@@ -37424,7 +35367,7 @@
                 <a:p>
                   <a:pPr algn="ctr"/>
                   <a:r>
-                    <a:rPr lang="zh-CN" altLang="en-US" b="1" smtClean="0">
+                    <a:rPr lang="zh-CN" altLang="en-US" b="1">
                       <a:solidFill>
                         <a:schemeClr val="tx1">
                           <a:lumMod val="75000"/>
@@ -37437,7 +35380,7 @@
                     <a:t>作业 </a:t>
                   </a:r>
                   <a:r>
-                    <a:rPr lang="en-US" altLang="zh-CN" b="1" smtClean="0">
+                    <a:rPr lang="en-US" altLang="zh-CN" b="1">
                       <a:solidFill>
                         <a:schemeClr val="tx1">
                           <a:lumMod val="75000"/>
@@ -37512,7 +35455,7 @@
                 <a:p>
                   <a:pPr algn="ctr"/>
                   <a:r>
-                    <a:rPr lang="en-US" altLang="zh-CN" b="1" smtClean="0">
+                    <a:rPr lang="en-US" altLang="zh-CN" b="1">
                       <a:solidFill>
                         <a:schemeClr val="tx1">
                           <a:lumMod val="75000"/>
@@ -37587,7 +35530,7 @@
                 <a:p>
                   <a:pPr algn="ctr"/>
                   <a:r>
-                    <a:rPr lang="zh-CN" altLang="en-US" b="1" smtClean="0">
+                    <a:rPr lang="zh-CN" altLang="en-US" b="1">
                       <a:solidFill>
                         <a:schemeClr val="tx1">
                           <a:lumMod val="75000"/>
@@ -37600,7 +35543,7 @@
                     <a:t>作业 </a:t>
                   </a:r>
                   <a:r>
-                    <a:rPr lang="en-US" altLang="zh-CN" b="1" smtClean="0">
+                    <a:rPr lang="en-US" altLang="zh-CN" b="1">
                       <a:solidFill>
                         <a:schemeClr val="tx1">
                           <a:lumMod val="75000"/>
@@ -37650,13 +35593,6 @@
       </p:transition>
     </mc:Fallback>
   </mc:AlternateContent>
-  <p:timing>
-    <p:tnLst>
-      <p:par>
-        <p:cTn id="1" dur="indefinite" restart="never" nodeType="tmRoot"/>
-      </p:par>
-    </p:tnLst>
-  </p:timing>
 </p:sld>
 </file>
 
